--- a/3강/피피티자료/sql.pptx
+++ b/3강/피피티자료/sql.pptx
@@ -31,23 +31,20 @@
     <p:sldId id="302" r:id="rId25"/>
     <p:sldId id="303" r:id="rId26"/>
     <p:sldId id="304" r:id="rId27"/>
-    <p:sldId id="305" r:id="rId28"/>
-    <p:sldId id="306" r:id="rId29"/>
-    <p:sldId id="307" r:id="rId30"/>
-    <p:sldId id="308" r:id="rId31"/>
-    <p:sldId id="309" r:id="rId32"/>
-    <p:sldId id="310" r:id="rId33"/>
-    <p:sldId id="311" r:id="rId34"/>
-    <p:sldId id="312" r:id="rId35"/>
-    <p:sldId id="313" r:id="rId36"/>
-    <p:sldId id="314" r:id="rId37"/>
-    <p:sldId id="315" r:id="rId38"/>
-    <p:sldId id="316" r:id="rId39"/>
-    <p:sldId id="318" r:id="rId40"/>
-    <p:sldId id="319" r:id="rId41"/>
-    <p:sldId id="320" r:id="rId42"/>
-    <p:sldId id="321" r:id="rId43"/>
-    <p:sldId id="322" r:id="rId44"/>
+    <p:sldId id="308" r:id="rId28"/>
+    <p:sldId id="309" r:id="rId29"/>
+    <p:sldId id="310" r:id="rId30"/>
+    <p:sldId id="311" r:id="rId31"/>
+    <p:sldId id="312" r:id="rId32"/>
+    <p:sldId id="313" r:id="rId33"/>
+    <p:sldId id="314" r:id="rId34"/>
+    <p:sldId id="315" r:id="rId35"/>
+    <p:sldId id="316" r:id="rId36"/>
+    <p:sldId id="318" r:id="rId37"/>
+    <p:sldId id="319" r:id="rId38"/>
+    <p:sldId id="320" r:id="rId39"/>
+    <p:sldId id="321" r:id="rId40"/>
+    <p:sldId id="322" r:id="rId41"/>
   </p:sldIdLst>
   <p:sldSz cx="12192000" cy="6858000"/>
   <p:notesSz cx="6858000" cy="9144000"/>
@@ -301,7 +298,7 @@
           <a:p>
             <a:fld id="{39511A08-7E28-C54D-898F-9577A953D01D}" type="datetimeFigureOut">
               <a:rPr kumimoji="1" lang="ko-KR" altLang="en-US" smtClean="0"/>
-              <a:t>2022. 8. 7.</a:t>
+              <a:t>2022-08-10</a:t>
             </a:fld>
             <a:endParaRPr kumimoji="1" lang="ko-KR" altLang="en-US"/>
           </a:p>
@@ -499,7 +496,7 @@
           <a:p>
             <a:fld id="{39511A08-7E28-C54D-898F-9577A953D01D}" type="datetimeFigureOut">
               <a:rPr kumimoji="1" lang="ko-KR" altLang="en-US" smtClean="0"/>
-              <a:t>2022. 8. 7.</a:t>
+              <a:t>2022-08-10</a:t>
             </a:fld>
             <a:endParaRPr kumimoji="1" lang="ko-KR" altLang="en-US"/>
           </a:p>
@@ -707,7 +704,7 @@
           <a:p>
             <a:fld id="{39511A08-7E28-C54D-898F-9577A953D01D}" type="datetimeFigureOut">
               <a:rPr kumimoji="1" lang="ko-KR" altLang="en-US" smtClean="0"/>
-              <a:t>2022. 8. 7.</a:t>
+              <a:t>2022-08-10</a:t>
             </a:fld>
             <a:endParaRPr kumimoji="1" lang="ko-KR" altLang="en-US"/>
           </a:p>
@@ -905,7 +902,7 @@
           <a:p>
             <a:fld id="{39511A08-7E28-C54D-898F-9577A953D01D}" type="datetimeFigureOut">
               <a:rPr kumimoji="1" lang="ko-KR" altLang="en-US" smtClean="0"/>
-              <a:t>2022. 8. 7.</a:t>
+              <a:t>2022-08-10</a:t>
             </a:fld>
             <a:endParaRPr kumimoji="1" lang="ko-KR" altLang="en-US"/>
           </a:p>
@@ -1180,7 +1177,7 @@
           <a:p>
             <a:fld id="{39511A08-7E28-C54D-898F-9577A953D01D}" type="datetimeFigureOut">
               <a:rPr kumimoji="1" lang="ko-KR" altLang="en-US" smtClean="0"/>
-              <a:t>2022. 8. 7.</a:t>
+              <a:t>2022-08-10</a:t>
             </a:fld>
             <a:endParaRPr kumimoji="1" lang="ko-KR" altLang="en-US"/>
           </a:p>
@@ -1445,7 +1442,7 @@
           <a:p>
             <a:fld id="{39511A08-7E28-C54D-898F-9577A953D01D}" type="datetimeFigureOut">
               <a:rPr kumimoji="1" lang="ko-KR" altLang="en-US" smtClean="0"/>
-              <a:t>2022. 8. 7.</a:t>
+              <a:t>2022-08-10</a:t>
             </a:fld>
             <a:endParaRPr kumimoji="1" lang="ko-KR" altLang="en-US"/>
           </a:p>
@@ -1857,7 +1854,7 @@
           <a:p>
             <a:fld id="{39511A08-7E28-C54D-898F-9577A953D01D}" type="datetimeFigureOut">
               <a:rPr kumimoji="1" lang="ko-KR" altLang="en-US" smtClean="0"/>
-              <a:t>2022. 8. 7.</a:t>
+              <a:t>2022-08-10</a:t>
             </a:fld>
             <a:endParaRPr kumimoji="1" lang="ko-KR" altLang="en-US"/>
           </a:p>
@@ -1998,7 +1995,7 @@
           <a:p>
             <a:fld id="{39511A08-7E28-C54D-898F-9577A953D01D}" type="datetimeFigureOut">
               <a:rPr kumimoji="1" lang="ko-KR" altLang="en-US" smtClean="0"/>
-              <a:t>2022. 8. 7.</a:t>
+              <a:t>2022-08-10</a:t>
             </a:fld>
             <a:endParaRPr kumimoji="1" lang="ko-KR" altLang="en-US"/>
           </a:p>
@@ -2111,7 +2108,7 @@
           <a:p>
             <a:fld id="{39511A08-7E28-C54D-898F-9577A953D01D}" type="datetimeFigureOut">
               <a:rPr kumimoji="1" lang="ko-KR" altLang="en-US" smtClean="0"/>
-              <a:t>2022. 8. 7.</a:t>
+              <a:t>2022-08-10</a:t>
             </a:fld>
             <a:endParaRPr kumimoji="1" lang="ko-KR" altLang="en-US"/>
           </a:p>
@@ -2422,7 +2419,7 @@
           <a:p>
             <a:fld id="{39511A08-7E28-C54D-898F-9577A953D01D}" type="datetimeFigureOut">
               <a:rPr kumimoji="1" lang="ko-KR" altLang="en-US" smtClean="0"/>
-              <a:t>2022. 8. 7.</a:t>
+              <a:t>2022-08-10</a:t>
             </a:fld>
             <a:endParaRPr kumimoji="1" lang="ko-KR" altLang="en-US"/>
           </a:p>
@@ -2710,7 +2707,7 @@
           <a:p>
             <a:fld id="{39511A08-7E28-C54D-898F-9577A953D01D}" type="datetimeFigureOut">
               <a:rPr kumimoji="1" lang="ko-KR" altLang="en-US" smtClean="0"/>
-              <a:t>2022. 8. 7.</a:t>
+              <a:t>2022-08-10</a:t>
             </a:fld>
             <a:endParaRPr kumimoji="1" lang="ko-KR" altLang="en-US"/>
           </a:p>
@@ -2951,7 +2948,7 @@
           <a:p>
             <a:fld id="{39511A08-7E28-C54D-898F-9577A953D01D}" type="datetimeFigureOut">
               <a:rPr kumimoji="1" lang="ko-KR" altLang="en-US" smtClean="0"/>
-              <a:t>2022. 8. 7.</a:t>
+              <a:t>2022-08-10</a:t>
             </a:fld>
             <a:endParaRPr kumimoji="1" lang="ko-KR" altLang="en-US"/>
           </a:p>
@@ -5839,7 +5836,7 @@
         <p:spPr>
           <a:xfrm>
             <a:off x="1027523" y="2090172"/>
-            <a:ext cx="9366422" cy="2677656"/>
+            <a:ext cx="9366422" cy="830997"/>
           </a:xfrm>
           <a:prstGeom prst="rect">
             <a:avLst/>
@@ -5853,7 +5850,7 @@
           <a:lstStyle/>
           <a:p>
             <a:r>
-              <a:rPr lang="en-US" altLang="ko-KR" sz="2400" b="1" spc="-150" dirty="0">
+              <a:rPr lang="ko-KR" altLang="en-US" sz="2400" b="1" spc="-150" dirty="0" err="1">
                 <a:ln>
                   <a:solidFill>
                     <a:schemeClr val="accent1">
@@ -5870,312 +5867,8 @@
                 <a:latin typeface="S-Core Dream 5 Medium" panose="020B0503030302020204" pitchFamily="34" charset="-127"/>
                 <a:ea typeface="S-Core Dream 5 Medium" panose="020B0503030302020204" pitchFamily="34" charset="-127"/>
               </a:rPr>
-              <a:t>SQL </a:t>
-            </a:r>
-            <a:r>
-              <a:rPr lang="ko-KR" altLang="en-US" sz="2400" b="1" spc="-150" dirty="0">
-                <a:ln>
-                  <a:solidFill>
-                    <a:schemeClr val="accent1">
-                      <a:shade val="50000"/>
-                      <a:alpha val="0"/>
-                    </a:schemeClr>
-                  </a:solidFill>
-                </a:ln>
-                <a:solidFill>
-                  <a:schemeClr val="accent5">
-                    <a:lumMod val="50000"/>
-                  </a:schemeClr>
-                </a:solidFill>
-                <a:latin typeface="S-Core Dream 5 Medium" panose="020B0503030302020204" pitchFamily="34" charset="-127"/>
-                <a:ea typeface="S-Core Dream 5 Medium" panose="020B0503030302020204" pitchFamily="34" charset="-127"/>
-              </a:rPr>
-              <a:t>이란</a:t>
-            </a:r>
-            <a:r>
-              <a:rPr lang="en-US" altLang="ko-KR" sz="2400" b="1" spc="-150" dirty="0">
-                <a:ln>
-                  <a:solidFill>
-                    <a:schemeClr val="accent1">
-                      <a:shade val="50000"/>
-                      <a:alpha val="0"/>
-                    </a:schemeClr>
-                  </a:solidFill>
-                </a:ln>
-                <a:solidFill>
-                  <a:schemeClr val="accent5">
-                    <a:lumMod val="50000"/>
-                  </a:schemeClr>
-                </a:solidFill>
-                <a:latin typeface="S-Core Dream 5 Medium" panose="020B0503030302020204" pitchFamily="34" charset="-127"/>
-                <a:ea typeface="S-Core Dream 5 Medium" panose="020B0503030302020204" pitchFamily="34" charset="-127"/>
-              </a:rPr>
-              <a:t>?</a:t>
-            </a:r>
-            <a:r>
-              <a:rPr lang="ko-KR" altLang="en-US" sz="2400" b="1" spc="-150" dirty="0">
-                <a:ln>
-                  <a:solidFill>
-                    <a:schemeClr val="accent1">
-                      <a:shade val="50000"/>
-                      <a:alpha val="0"/>
-                    </a:schemeClr>
-                  </a:solidFill>
-                </a:ln>
-                <a:solidFill>
-                  <a:schemeClr val="accent5">
-                    <a:lumMod val="50000"/>
-                  </a:schemeClr>
-                </a:solidFill>
-                <a:latin typeface="S-Core Dream 5 Medium" panose="020B0503030302020204" pitchFamily="34" charset="-127"/>
-                <a:ea typeface="S-Core Dream 5 Medium" panose="020B0503030302020204" pitchFamily="34" charset="-127"/>
-              </a:rPr>
-              <a:t> </a:t>
-            </a:r>
-            <a:r>
-              <a:rPr lang="en-US" altLang="ko-KR" sz="2400" b="1" spc="-150" dirty="0">
-                <a:ln>
-                  <a:solidFill>
-                    <a:schemeClr val="accent1">
-                      <a:shade val="50000"/>
-                      <a:alpha val="0"/>
-                    </a:schemeClr>
-                  </a:solidFill>
-                </a:ln>
-                <a:solidFill>
-                  <a:schemeClr val="accent5">
-                    <a:lumMod val="50000"/>
-                  </a:schemeClr>
-                </a:solidFill>
-                <a:latin typeface="S-Core Dream 5 Medium" panose="020B0503030302020204" pitchFamily="34" charset="-127"/>
-                <a:ea typeface="S-Core Dream 5 Medium" panose="020B0503030302020204" pitchFamily="34" charset="-127"/>
-              </a:rPr>
-              <a:t>–</a:t>
-            </a:r>
-            <a:r>
-              <a:rPr lang="ko-KR" altLang="en-US" sz="2400" b="1" spc="-150" dirty="0">
-                <a:ln>
-                  <a:solidFill>
-                    <a:schemeClr val="accent1">
-                      <a:shade val="50000"/>
-                      <a:alpha val="0"/>
-                    </a:schemeClr>
-                  </a:solidFill>
-                </a:ln>
-                <a:solidFill>
-                  <a:schemeClr val="accent5">
-                    <a:lumMod val="50000"/>
-                  </a:schemeClr>
-                </a:solidFill>
-                <a:latin typeface="S-Core Dream 5 Medium" panose="020B0503030302020204" pitchFamily="34" charset="-127"/>
-                <a:ea typeface="S-Core Dream 5 Medium" panose="020B0503030302020204" pitchFamily="34" charset="-127"/>
-              </a:rPr>
-              <a:t> </a:t>
-            </a:r>
-            <a:r>
-              <a:rPr lang="en-US" altLang="ko-KR" sz="2400" b="1" spc="-150" dirty="0">
-                <a:ln>
-                  <a:solidFill>
-                    <a:schemeClr val="accent1">
-                      <a:shade val="50000"/>
-                      <a:alpha val="0"/>
-                    </a:schemeClr>
-                  </a:solidFill>
-                </a:ln>
-                <a:solidFill>
-                  <a:schemeClr val="accent5">
-                    <a:lumMod val="50000"/>
-                  </a:schemeClr>
-                </a:solidFill>
-                <a:latin typeface="S-Core Dream 5 Medium" panose="020B0503030302020204" pitchFamily="34" charset="-127"/>
-                <a:ea typeface="S-Core Dream 5 Medium" panose="020B0503030302020204" pitchFamily="34" charset="-127"/>
-              </a:rPr>
-              <a:t>Create Query</a:t>
-            </a:r>
-          </a:p>
-          <a:p>
-            <a:endParaRPr lang="en-US" altLang="ko-KR" sz="2400" b="1" spc="-150" dirty="0">
-              <a:ln>
-                <a:solidFill>
-                  <a:schemeClr val="accent1">
-                    <a:shade val="50000"/>
-                    <a:alpha val="0"/>
-                  </a:schemeClr>
-                </a:solidFill>
-              </a:ln>
-              <a:solidFill>
-                <a:schemeClr val="accent5">
-                  <a:lumMod val="50000"/>
-                </a:schemeClr>
-              </a:solidFill>
-              <a:latin typeface="S-Core Dream 3 Light" panose="020B0503030302020204" pitchFamily="34" charset="-127"/>
-              <a:ea typeface="S-Core Dream 3 Light" panose="020B0503030302020204" pitchFamily="34" charset="-127"/>
-            </a:endParaRPr>
-          </a:p>
-          <a:p>
-            <a:r>
-              <a:rPr lang="ko-KR" altLang="en-US" sz="2400" b="1" spc="-150" dirty="0">
-                <a:ln>
-                  <a:solidFill>
-                    <a:schemeClr val="accent1">
-                      <a:shade val="50000"/>
-                      <a:alpha val="0"/>
-                    </a:schemeClr>
-                  </a:solidFill>
-                </a:ln>
-                <a:solidFill>
-                  <a:schemeClr val="accent5">
-                    <a:lumMod val="50000"/>
-                  </a:schemeClr>
-                </a:solidFill>
-                <a:latin typeface="S-Core Dream 3 Light" panose="020B0503030302020204" pitchFamily="34" charset="-127"/>
-                <a:ea typeface="S-Core Dream 3 Light" panose="020B0503030302020204" pitchFamily="34" charset="-127"/>
-              </a:rPr>
-              <a:t>이를 테이블이라고 하며</a:t>
-            </a:r>
-            <a:endParaRPr lang="en-US" altLang="ko-KR" sz="2400" b="1" spc="-150" dirty="0">
-              <a:ln>
-                <a:solidFill>
-                  <a:schemeClr val="accent1">
-                    <a:shade val="50000"/>
-                    <a:alpha val="0"/>
-                  </a:schemeClr>
-                </a:solidFill>
-              </a:ln>
-              <a:solidFill>
-                <a:schemeClr val="accent5">
-                  <a:lumMod val="50000"/>
-                </a:schemeClr>
-              </a:solidFill>
-              <a:latin typeface="S-Core Dream 3 Light" panose="020B0503030302020204" pitchFamily="34" charset="-127"/>
-              <a:ea typeface="S-Core Dream 3 Light" panose="020B0503030302020204" pitchFamily="34" charset="-127"/>
-            </a:endParaRPr>
-          </a:p>
-          <a:p>
-            <a:r>
-              <a:rPr lang="en-US" altLang="ko-KR" sz="2400" b="1" spc="-150" dirty="0">
-                <a:ln>
-                  <a:solidFill>
-                    <a:schemeClr val="accent1">
-                      <a:shade val="50000"/>
-                      <a:alpha val="0"/>
-                    </a:schemeClr>
-                  </a:solidFill>
-                </a:ln>
-                <a:solidFill>
-                  <a:schemeClr val="accent5">
-                    <a:lumMod val="50000"/>
-                  </a:schemeClr>
-                </a:solidFill>
-                <a:latin typeface="S-Core Dream 3 Light" panose="020B0503030302020204" pitchFamily="34" charset="-127"/>
-                <a:ea typeface="S-Core Dream 3 Light" panose="020B0503030302020204" pitchFamily="34" charset="-127"/>
-              </a:rPr>
-              <a:t>Pandas </a:t>
-            </a:r>
-            <a:r>
-              <a:rPr lang="en-US" altLang="ko-KR" sz="2400" b="1" spc="-150" dirty="0" err="1">
-                <a:ln>
-                  <a:solidFill>
-                    <a:schemeClr val="accent1">
-                      <a:shade val="50000"/>
-                      <a:alpha val="0"/>
-                    </a:schemeClr>
-                  </a:solidFill>
-                </a:ln>
-                <a:solidFill>
-                  <a:schemeClr val="accent5">
-                    <a:lumMod val="50000"/>
-                  </a:schemeClr>
-                </a:solidFill>
-                <a:latin typeface="S-Core Dream 3 Light" panose="020B0503030302020204" pitchFamily="34" charset="-127"/>
-                <a:ea typeface="S-Core Dream 3 Light" panose="020B0503030302020204" pitchFamily="34" charset="-127"/>
-              </a:rPr>
-              <a:t>DataFrame</a:t>
-            </a:r>
-            <a:r>
-              <a:rPr lang="ko-KR" altLang="en-US" sz="2400" b="1" spc="-150" dirty="0">
-                <a:ln>
-                  <a:solidFill>
-                    <a:schemeClr val="accent1">
-                      <a:shade val="50000"/>
-                      <a:alpha val="0"/>
-                    </a:schemeClr>
-                  </a:solidFill>
-                </a:ln>
-                <a:solidFill>
-                  <a:schemeClr val="accent5">
-                    <a:lumMod val="50000"/>
-                  </a:schemeClr>
-                </a:solidFill>
-                <a:latin typeface="S-Core Dream 3 Light" panose="020B0503030302020204" pitchFamily="34" charset="-127"/>
-                <a:ea typeface="S-Core Dream 3 Light" panose="020B0503030302020204" pitchFamily="34" charset="-127"/>
-              </a:rPr>
-              <a:t>과 비슷한 개념임을 살펴 보았습니다</a:t>
-            </a:r>
-            <a:r>
-              <a:rPr lang="en-US" altLang="ko-KR" sz="2400" b="1" spc="-150" dirty="0">
-                <a:ln>
-                  <a:solidFill>
-                    <a:schemeClr val="accent1">
-                      <a:shade val="50000"/>
-                      <a:alpha val="0"/>
-                    </a:schemeClr>
-                  </a:solidFill>
-                </a:ln>
-                <a:solidFill>
-                  <a:schemeClr val="accent5">
-                    <a:lumMod val="50000"/>
-                  </a:schemeClr>
-                </a:solidFill>
-                <a:latin typeface="S-Core Dream 3 Light" panose="020B0503030302020204" pitchFamily="34" charset="-127"/>
-                <a:ea typeface="S-Core Dream 3 Light" panose="020B0503030302020204" pitchFamily="34" charset="-127"/>
-              </a:rPr>
-              <a:t>.</a:t>
-            </a:r>
-          </a:p>
-          <a:p>
-            <a:r>
-              <a:rPr lang="ko-KR" altLang="en-US" sz="2400" b="1" spc="-150" dirty="0">
-                <a:ln>
-                  <a:solidFill>
-                    <a:schemeClr val="accent1">
-                      <a:shade val="50000"/>
-                      <a:alpha val="0"/>
-                    </a:schemeClr>
-                  </a:solidFill>
-                </a:ln>
-                <a:solidFill>
-                  <a:schemeClr val="accent5">
-                    <a:lumMod val="50000"/>
-                  </a:schemeClr>
-                </a:solidFill>
-                <a:latin typeface="S-Core Dream 3 Light" panose="020B0503030302020204" pitchFamily="34" charset="-127"/>
-                <a:ea typeface="S-Core Dream 3 Light" panose="020B0503030302020204" pitchFamily="34" charset="-127"/>
-              </a:rPr>
-              <a:t>아래 명령어를 통해 테이블을 생성해 봅시다</a:t>
-            </a:r>
-            <a:r>
-              <a:rPr lang="en-US" altLang="ko-KR" sz="2400" b="1" spc="-150" dirty="0">
-                <a:ln>
-                  <a:solidFill>
-                    <a:schemeClr val="accent1">
-                      <a:shade val="50000"/>
-                      <a:alpha val="0"/>
-                    </a:schemeClr>
-                  </a:solidFill>
-                </a:ln>
-                <a:solidFill>
-                  <a:schemeClr val="accent5">
-                    <a:lumMod val="50000"/>
-                  </a:schemeClr>
-                </a:solidFill>
-                <a:latin typeface="S-Core Dream 3 Light" panose="020B0503030302020204" pitchFamily="34" charset="-127"/>
-                <a:ea typeface="S-Core Dream 3 Light" panose="020B0503030302020204" pitchFamily="34" charset="-127"/>
-              </a:rPr>
-              <a:t>.</a:t>
-            </a:r>
-          </a:p>
-          <a:p>
+              <a:t>ㅊㄱㄷㅁㅅㄷ</a:t>
+            </a:r>
             <a:endParaRPr lang="en-US" altLang="ko-KR" sz="2400" b="1" spc="-150" dirty="0">
               <a:ln>
                 <a:solidFill>
@@ -17546,7 +17239,7 @@
         <p:spPr>
           <a:xfrm>
             <a:off x="1027523" y="2090172"/>
-            <a:ext cx="9366422" cy="3416320"/>
+            <a:ext cx="9366422" cy="4154984"/>
           </a:xfrm>
           <a:prstGeom prst="rect">
             <a:avLst/>
@@ -17697,251 +17390,10 @@
                 <a:latin typeface="S-Core Dream 5 Medium" panose="020B0503030302020204" pitchFamily="34" charset="-127"/>
                 <a:ea typeface="S-Core Dream 5 Medium" panose="020B0503030302020204" pitchFamily="34" charset="-127"/>
               </a:rPr>
-              <a:t>Update Query</a:t>
-            </a:r>
-          </a:p>
-          <a:p>
-            <a:endParaRPr lang="en-US" altLang="ko-KR" sz="2400" b="1" spc="-150" dirty="0">
-              <a:ln>
-                <a:solidFill>
-                  <a:schemeClr val="accent1">
-                    <a:shade val="50000"/>
-                    <a:alpha val="0"/>
-                  </a:schemeClr>
-                </a:solidFill>
-              </a:ln>
-              <a:solidFill>
-                <a:schemeClr val="accent5">
-                  <a:lumMod val="50000"/>
-                </a:schemeClr>
-              </a:solidFill>
-              <a:latin typeface="S-Core Dream 5 Medium" panose="020B0503030302020204" pitchFamily="34" charset="-127"/>
-              <a:ea typeface="S-Core Dream 5 Medium" panose="020B0503030302020204" pitchFamily="34" charset="-127"/>
-            </a:endParaRPr>
-          </a:p>
-          <a:p>
-            <a:r>
-              <a:rPr lang="ko-KR" altLang="en-US" sz="2400" b="1" spc="-150" dirty="0">
-                <a:ln>
-                  <a:solidFill>
-                    <a:schemeClr val="accent1">
-                      <a:shade val="50000"/>
-                      <a:alpha val="0"/>
-                    </a:schemeClr>
-                  </a:solidFill>
-                </a:ln>
-                <a:solidFill>
-                  <a:schemeClr val="accent5">
-                    <a:lumMod val="50000"/>
-                  </a:schemeClr>
-                </a:solidFill>
-                <a:latin typeface="S-Core Dream 3 Light" panose="020B0503030302020204" pitchFamily="34" charset="-127"/>
-                <a:ea typeface="S-Core Dream 3 Light" panose="020B0503030302020204" pitchFamily="34" charset="-127"/>
-              </a:rPr>
-              <a:t>다시 </a:t>
-            </a:r>
-            <a:r>
-              <a:rPr lang="en-US" altLang="ko-KR" sz="2400" b="1" spc="-150" dirty="0">
-                <a:ln>
-                  <a:solidFill>
-                    <a:schemeClr val="accent1">
-                      <a:shade val="50000"/>
-                      <a:alpha val="0"/>
-                    </a:schemeClr>
-                  </a:solidFill>
-                </a:ln>
-                <a:solidFill>
-                  <a:schemeClr val="accent5">
-                    <a:lumMod val="50000"/>
-                  </a:schemeClr>
-                </a:solidFill>
-                <a:latin typeface="S-Core Dream 3 Light" panose="020B0503030302020204" pitchFamily="34" charset="-127"/>
-                <a:ea typeface="S-Core Dream 3 Light" panose="020B0503030302020204" pitchFamily="34" charset="-127"/>
-              </a:rPr>
-              <a:t>1</a:t>
-            </a:r>
-            <a:r>
-              <a:rPr lang="ko-KR" altLang="en-US" sz="2400" b="1" spc="-150" dirty="0">
-                <a:ln>
-                  <a:solidFill>
-                    <a:schemeClr val="accent1">
-                      <a:shade val="50000"/>
-                      <a:alpha val="0"/>
-                    </a:schemeClr>
-                  </a:solidFill>
-                </a:ln>
-                <a:solidFill>
-                  <a:schemeClr val="accent5">
-                    <a:lumMod val="50000"/>
-                  </a:schemeClr>
-                </a:solidFill>
-                <a:latin typeface="S-Core Dream 3 Light" panose="020B0503030302020204" pitchFamily="34" charset="-127"/>
-                <a:ea typeface="S-Core Dream 3 Light" panose="020B0503030302020204" pitchFamily="34" charset="-127"/>
-              </a:rPr>
-              <a:t>년이 지나 루이스는 </a:t>
-            </a:r>
-            <a:r>
-              <a:rPr lang="en-US" altLang="ko-KR" sz="2400" b="1" spc="-150" dirty="0">
-                <a:ln>
-                  <a:solidFill>
-                    <a:schemeClr val="accent1">
-                      <a:shade val="50000"/>
-                      <a:alpha val="0"/>
-                    </a:schemeClr>
-                  </a:solidFill>
-                </a:ln>
-                <a:solidFill>
-                  <a:schemeClr val="accent5">
-                    <a:lumMod val="50000"/>
-                  </a:schemeClr>
-                </a:solidFill>
-                <a:latin typeface="S-Core Dream 3 Light" panose="020B0503030302020204" pitchFamily="34" charset="-127"/>
-                <a:ea typeface="S-Core Dream 3 Light" panose="020B0503030302020204" pitchFamily="34" charset="-127"/>
-              </a:rPr>
-              <a:t>3</a:t>
-            </a:r>
-            <a:r>
-              <a:rPr lang="ko-KR" altLang="en-US" sz="2400" b="1" spc="-150" dirty="0">
-                <a:ln>
-                  <a:solidFill>
-                    <a:schemeClr val="accent1">
-                      <a:shade val="50000"/>
-                      <a:alpha val="0"/>
-                    </a:schemeClr>
-                  </a:solidFill>
-                </a:ln>
-                <a:solidFill>
-                  <a:schemeClr val="accent5">
-                    <a:lumMod val="50000"/>
-                  </a:schemeClr>
-                </a:solidFill>
-                <a:latin typeface="S-Core Dream 3 Light" panose="020B0503030302020204" pitchFamily="34" charset="-127"/>
-                <a:ea typeface="S-Core Dream 3 Light" panose="020B0503030302020204" pitchFamily="34" charset="-127"/>
-              </a:rPr>
-              <a:t>학년이 되었습니다</a:t>
-            </a:r>
-            <a:r>
-              <a:rPr lang="en-US" altLang="ko-KR" sz="2400" b="1" spc="-150" dirty="0">
-                <a:ln>
-                  <a:solidFill>
-                    <a:schemeClr val="accent1">
-                      <a:shade val="50000"/>
-                      <a:alpha val="0"/>
-                    </a:schemeClr>
-                  </a:solidFill>
-                </a:ln>
-                <a:solidFill>
-                  <a:schemeClr val="accent5">
-                    <a:lumMod val="50000"/>
-                  </a:schemeClr>
-                </a:solidFill>
-                <a:latin typeface="S-Core Dream 3 Light" panose="020B0503030302020204" pitchFamily="34" charset="-127"/>
-                <a:ea typeface="S-Core Dream 3 Light" panose="020B0503030302020204" pitchFamily="34" charset="-127"/>
-              </a:rPr>
-              <a:t>.</a:t>
-            </a:r>
-          </a:p>
-          <a:p>
-            <a:r>
-              <a:rPr lang="ko-KR" altLang="en-US" sz="2400" b="1" spc="-150" dirty="0">
-                <a:ln>
-                  <a:solidFill>
-                    <a:schemeClr val="accent1">
-                      <a:shade val="50000"/>
-                      <a:alpha val="0"/>
-                    </a:schemeClr>
-                  </a:solidFill>
-                </a:ln>
-                <a:solidFill>
-                  <a:schemeClr val="accent5">
-                    <a:lumMod val="50000"/>
-                  </a:schemeClr>
-                </a:solidFill>
-                <a:latin typeface="S-Core Dream 3 Light" panose="020B0503030302020204" pitchFamily="34" charset="-127"/>
-                <a:ea typeface="S-Core Dream 3 Light" panose="020B0503030302020204" pitchFamily="34" charset="-127"/>
-              </a:rPr>
-              <a:t>만약 특정 레코드</a:t>
-            </a:r>
-            <a:r>
-              <a:rPr lang="en-US" altLang="ko-KR" sz="2400" b="1" spc="-150" dirty="0">
-                <a:ln>
-                  <a:solidFill>
-                    <a:schemeClr val="accent1">
-                      <a:shade val="50000"/>
-                      <a:alpha val="0"/>
-                    </a:schemeClr>
-                  </a:solidFill>
-                </a:ln>
-                <a:solidFill>
-                  <a:schemeClr val="accent5">
-                    <a:lumMod val="50000"/>
-                  </a:schemeClr>
-                </a:solidFill>
-                <a:latin typeface="S-Core Dream 3 Light" panose="020B0503030302020204" pitchFamily="34" charset="-127"/>
-                <a:ea typeface="S-Core Dream 3 Light" panose="020B0503030302020204" pitchFamily="34" charset="-127"/>
-              </a:rPr>
-              <a:t>(</a:t>
-            </a:r>
-            <a:r>
-              <a:rPr lang="ko-KR" altLang="en-US" sz="2400" b="1" spc="-150" dirty="0">
-                <a:ln>
-                  <a:solidFill>
-                    <a:schemeClr val="accent1">
-                      <a:shade val="50000"/>
-                      <a:alpha val="0"/>
-                    </a:schemeClr>
-                  </a:solidFill>
-                </a:ln>
-                <a:solidFill>
-                  <a:schemeClr val="accent5">
-                    <a:lumMod val="50000"/>
-                  </a:schemeClr>
-                </a:solidFill>
-                <a:latin typeface="S-Core Dream 3 Light" panose="020B0503030302020204" pitchFamily="34" charset="-127"/>
-                <a:ea typeface="S-Core Dream 3 Light" panose="020B0503030302020204" pitchFamily="34" charset="-127"/>
-              </a:rPr>
-              <a:t>행</a:t>
-            </a:r>
-            <a:r>
-              <a:rPr lang="en-US" altLang="ko-KR" sz="2400" b="1" spc="-150" dirty="0">
-                <a:ln>
-                  <a:solidFill>
-                    <a:schemeClr val="accent1">
-                      <a:shade val="50000"/>
-                      <a:alpha val="0"/>
-                    </a:schemeClr>
-                  </a:solidFill>
-                </a:ln>
-                <a:solidFill>
-                  <a:schemeClr val="accent5">
-                    <a:lumMod val="50000"/>
-                  </a:schemeClr>
-                </a:solidFill>
-                <a:latin typeface="S-Core Dream 3 Light" panose="020B0503030302020204" pitchFamily="34" charset="-127"/>
-                <a:ea typeface="S-Core Dream 3 Light" panose="020B0503030302020204" pitchFamily="34" charset="-127"/>
-              </a:rPr>
-              <a:t>)</a:t>
-            </a:r>
-            <a:r>
-              <a:rPr lang="ko-KR" altLang="en-US" sz="2400" b="1" spc="-150" dirty="0">
-                <a:ln>
-                  <a:solidFill>
-                    <a:schemeClr val="accent1">
-                      <a:shade val="50000"/>
-                      <a:alpha val="0"/>
-                    </a:schemeClr>
-                  </a:solidFill>
-                </a:ln>
-                <a:solidFill>
-                  <a:schemeClr val="accent5">
-                    <a:lumMod val="50000"/>
-                  </a:schemeClr>
-                </a:solidFill>
-                <a:latin typeface="S-Core Dream 3 Light" panose="020B0503030302020204" pitchFamily="34" charset="-127"/>
-                <a:ea typeface="S-Core Dream 3 Light" panose="020B0503030302020204" pitchFamily="34" charset="-127"/>
-              </a:rPr>
-              <a:t>만 업데이트 </a:t>
-            </a:r>
+              <a:t>WHERE</a:t>
+            </a:r>
+          </a:p>
+          <a:p>
             <a:endParaRPr lang="en-US" altLang="ko-KR" sz="2400" b="1" spc="-150" dirty="0">
               <a:ln>
                 <a:solidFill>
@@ -17961,88 +17413,6 @@
             </a:endParaRPr>
           </a:p>
           <a:p>
-            <a:r>
-              <a:rPr lang="ko-KR" altLang="en-US" sz="2400" b="1" spc="-150" dirty="0">
-                <a:ln>
-                  <a:solidFill>
-                    <a:schemeClr val="accent1">
-                      <a:shade val="50000"/>
-                      <a:alpha val="0"/>
-                    </a:schemeClr>
-                  </a:solidFill>
-                </a:ln>
-                <a:solidFill>
-                  <a:schemeClr val="accent5">
-                    <a:lumMod val="50000"/>
-                  </a:schemeClr>
-                </a:solidFill>
-                <a:latin typeface="S-Core Dream 3 Light" panose="020B0503030302020204" pitchFamily="34" charset="-127"/>
-                <a:ea typeface="S-Core Dream 3 Light" panose="020B0503030302020204" pitchFamily="34" charset="-127"/>
-              </a:rPr>
-              <a:t>아래와 같이 </a:t>
-            </a:r>
-            <a:r>
-              <a:rPr lang="en-US" altLang="ko-KR" sz="2400" b="1" spc="-150" dirty="0">
-                <a:ln>
-                  <a:solidFill>
-                    <a:schemeClr val="accent1">
-                      <a:shade val="50000"/>
-                      <a:alpha val="0"/>
-                    </a:schemeClr>
-                  </a:solidFill>
-                </a:ln>
-                <a:solidFill>
-                  <a:schemeClr val="accent5">
-                    <a:lumMod val="50000"/>
-                  </a:schemeClr>
-                </a:solidFill>
-                <a:latin typeface="S-Core Dream 3 Light" panose="020B0503030302020204" pitchFamily="34" charset="-127"/>
-                <a:ea typeface="S-Core Dream 3 Light" panose="020B0503030302020204" pitchFamily="34" charset="-127"/>
-              </a:rPr>
-              <a:t>WHERE</a:t>
-            </a:r>
-            <a:r>
-              <a:rPr lang="ko-KR" altLang="en-US" sz="2400" b="1" spc="-150" dirty="0">
-                <a:ln>
-                  <a:solidFill>
-                    <a:schemeClr val="accent1">
-                      <a:shade val="50000"/>
-                      <a:alpha val="0"/>
-                    </a:schemeClr>
-                  </a:solidFill>
-                </a:ln>
-                <a:solidFill>
-                  <a:schemeClr val="accent5">
-                    <a:lumMod val="50000"/>
-                  </a:schemeClr>
-                </a:solidFill>
-                <a:latin typeface="S-Core Dream 3 Light" panose="020B0503030302020204" pitchFamily="34" charset="-127"/>
-                <a:ea typeface="S-Core Dream 3 Light" panose="020B0503030302020204" pitchFamily="34" charset="-127"/>
-              </a:rPr>
-              <a:t> 절을 사용합니다</a:t>
-            </a:r>
-            <a:r>
-              <a:rPr lang="en-US" altLang="ko-KR" sz="2400" b="1" spc="-150" dirty="0">
-                <a:ln>
-                  <a:solidFill>
-                    <a:schemeClr val="accent1">
-                      <a:shade val="50000"/>
-                      <a:alpha val="0"/>
-                    </a:schemeClr>
-                  </a:solidFill>
-                </a:ln>
-                <a:solidFill>
-                  <a:schemeClr val="accent5">
-                    <a:lumMod val="50000"/>
-                  </a:schemeClr>
-                </a:solidFill>
-                <a:latin typeface="S-Core Dream 3 Light" panose="020B0503030302020204" pitchFamily="34" charset="-127"/>
-                <a:ea typeface="S-Core Dream 3 Light" panose="020B0503030302020204" pitchFamily="34" charset="-127"/>
-              </a:rPr>
-              <a:t>.</a:t>
-            </a:r>
-          </a:p>
-          <a:p>
             <a:endParaRPr lang="en-US" altLang="ko-KR" sz="2400" b="1" spc="-150" dirty="0">
               <a:ln>
                 <a:solidFill>
@@ -18063,6 +17433,26 @@
           </a:p>
           <a:p>
             <a:r>
+              <a:rPr lang="ko-KR" altLang="en-US" sz="2400" b="1" spc="-150" dirty="0">
+                <a:ln>
+                  <a:solidFill>
+                    <a:schemeClr val="accent1">
+                      <a:shade val="50000"/>
+                      <a:alpha val="0"/>
+                    </a:schemeClr>
+                  </a:solidFill>
+                </a:ln>
+                <a:solidFill>
+                  <a:schemeClr val="accent5">
+                    <a:lumMod val="50000"/>
+                  </a:schemeClr>
+                </a:solidFill>
+                <a:latin typeface="S-Core Dream 3 Light" panose="020B0503030302020204" pitchFamily="34" charset="-127"/>
+                <a:ea typeface="S-Core Dream 3 Light" panose="020B0503030302020204" pitchFamily="34" charset="-127"/>
+              </a:rPr>
+              <a:t>또한 여러가지 조건을 중첩하여 사용할 수도 있습니다</a:t>
+            </a:r>
+            <a:r>
               <a:rPr lang="en-US" altLang="ko-KR" sz="2400" b="1" spc="-150" dirty="0">
                 <a:ln>
                   <a:solidFill>
@@ -18080,10 +17470,49 @@
                 <a:latin typeface="S-Core Dream 3 Light" panose="020B0503030302020204" pitchFamily="34" charset="-127"/>
                 <a:ea typeface="S-Core Dream 3 Light" panose="020B0503030302020204" pitchFamily="34" charset="-127"/>
               </a:rPr>
-              <a:t>UPDATE Student</a:t>
-            </a:r>
-          </a:p>
-          <a:p>
+              <a:t>.</a:t>
+            </a:r>
+          </a:p>
+          <a:p>
+            <a:endParaRPr lang="en-US" altLang="ko-KR" sz="2400" b="1" spc="-150" dirty="0">
+              <a:ln>
+                <a:solidFill>
+                  <a:schemeClr val="accent1">
+                    <a:shade val="50000"/>
+                    <a:alpha val="0"/>
+                  </a:schemeClr>
+                </a:solidFill>
+              </a:ln>
+              <a:solidFill>
+                <a:schemeClr val="accent5">
+                  <a:lumMod val="50000"/>
+                </a:schemeClr>
+              </a:solidFill>
+              <a:latin typeface="S-Core Dream 3 Light" panose="020B0503030302020204" pitchFamily="34" charset="-127"/>
+              <a:ea typeface="S-Core Dream 3 Light" panose="020B0503030302020204" pitchFamily="34" charset="-127"/>
+            </a:endParaRPr>
+          </a:p>
+          <a:p>
+            <a:r>
+              <a:rPr lang="ko-KR" altLang="en-US" sz="2400" b="1" spc="-150" dirty="0">
+                <a:ln>
+                  <a:solidFill>
+                    <a:schemeClr val="accent1">
+                      <a:shade val="50000"/>
+                      <a:alpha val="0"/>
+                    </a:schemeClr>
+                  </a:solidFill>
+                </a:ln>
+                <a:solidFill>
+                  <a:schemeClr val="accent5">
+                    <a:lumMod val="50000"/>
+                  </a:schemeClr>
+                </a:solidFill>
+                <a:latin typeface="S-Core Dream 3 Light" panose="020B0503030302020204" pitchFamily="34" charset="-127"/>
+                <a:ea typeface="S-Core Dream 3 Light" panose="020B0503030302020204" pitchFamily="34" charset="-127"/>
+              </a:rPr>
+              <a:t>학년이 </a:t>
+            </a:r>
             <a:r>
               <a:rPr lang="en-US" altLang="ko-KR" sz="2400" b="1" spc="-150" dirty="0">
                 <a:ln>
@@ -18102,10 +17531,28 @@
                 <a:latin typeface="S-Core Dream 3 Light" panose="020B0503030302020204" pitchFamily="34" charset="-127"/>
                 <a:ea typeface="S-Core Dream 3 Light" panose="020B0503030302020204" pitchFamily="34" charset="-127"/>
               </a:rPr>
-              <a:t>SET grade = 3</a:t>
-            </a:r>
-          </a:p>
-          <a:p>
+              <a:t>1</a:t>
+            </a:r>
+            <a:r>
+              <a:rPr lang="ko-KR" altLang="en-US" sz="2400" b="1" spc="-150" dirty="0">
+                <a:ln>
+                  <a:solidFill>
+                    <a:schemeClr val="accent1">
+                      <a:shade val="50000"/>
+                      <a:alpha val="0"/>
+                    </a:schemeClr>
+                  </a:solidFill>
+                </a:ln>
+                <a:solidFill>
+                  <a:schemeClr val="accent5">
+                    <a:lumMod val="50000"/>
+                  </a:schemeClr>
+                </a:solidFill>
+                <a:latin typeface="S-Core Dream 3 Light" panose="020B0503030302020204" pitchFamily="34" charset="-127"/>
+                <a:ea typeface="S-Core Dream 3 Light" panose="020B0503030302020204" pitchFamily="34" charset="-127"/>
+              </a:rPr>
+              <a:t>학년이면서</a:t>
+            </a:r>
             <a:r>
               <a:rPr lang="en-US" altLang="ko-KR" sz="2400" b="1" spc="-150" dirty="0">
                 <a:ln>
@@ -18124,15 +17571,276 @@
                 <a:latin typeface="S-Core Dream 3 Light" panose="020B0503030302020204" pitchFamily="34" charset="-127"/>
                 <a:ea typeface="S-Core Dream 3 Light" panose="020B0503030302020204" pitchFamily="34" charset="-127"/>
               </a:rPr>
-              <a:t>WHERE name = ‘louis’;</a:t>
-            </a:r>
+              <a:t>(AND) </a:t>
+            </a:r>
+            <a:r>
+              <a:rPr lang="ko-KR" altLang="en-US" sz="2400" b="1" spc="-150" dirty="0">
+                <a:ln>
+                  <a:solidFill>
+                    <a:schemeClr val="accent1">
+                      <a:shade val="50000"/>
+                      <a:alpha val="0"/>
+                    </a:schemeClr>
+                  </a:solidFill>
+                </a:ln>
+                <a:solidFill>
+                  <a:schemeClr val="accent5">
+                    <a:lumMod val="50000"/>
+                  </a:schemeClr>
+                </a:solidFill>
+                <a:latin typeface="S-Core Dream 3 Light" panose="020B0503030302020204" pitchFamily="34" charset="-127"/>
+                <a:ea typeface="S-Core Dream 3 Light" panose="020B0503030302020204" pitchFamily="34" charset="-127"/>
+              </a:rPr>
+              <a:t>이름이 </a:t>
+            </a:r>
+            <a:r>
+              <a:rPr lang="en-US" altLang="ko-KR" sz="2400" b="1" spc="-150" dirty="0" err="1">
+                <a:ln>
+                  <a:solidFill>
+                    <a:schemeClr val="accent1">
+                      <a:shade val="50000"/>
+                      <a:alpha val="0"/>
+                    </a:schemeClr>
+                  </a:solidFill>
+                </a:ln>
+                <a:solidFill>
+                  <a:schemeClr val="accent5">
+                    <a:lumMod val="50000"/>
+                  </a:schemeClr>
+                </a:solidFill>
+                <a:latin typeface="S-Core Dream 3 Light" panose="020B0503030302020204" pitchFamily="34" charset="-127"/>
+                <a:ea typeface="S-Core Dream 3 Light" panose="020B0503030302020204" pitchFamily="34" charset="-127"/>
+              </a:rPr>
+              <a:t>nancy</a:t>
+            </a:r>
+            <a:r>
+              <a:rPr lang="ko-KR" altLang="en-US" sz="2400" b="1" spc="-150" dirty="0">
+                <a:ln>
+                  <a:solidFill>
+                    <a:schemeClr val="accent1">
+                      <a:shade val="50000"/>
+                      <a:alpha val="0"/>
+                    </a:schemeClr>
+                  </a:solidFill>
+                </a:ln>
+                <a:solidFill>
+                  <a:schemeClr val="accent5">
+                    <a:lumMod val="50000"/>
+                  </a:schemeClr>
+                </a:solidFill>
+                <a:latin typeface="S-Core Dream 3 Light" panose="020B0503030302020204" pitchFamily="34" charset="-127"/>
+                <a:ea typeface="S-Core Dream 3 Light" panose="020B0503030302020204" pitchFamily="34" charset="-127"/>
+              </a:rPr>
+              <a:t>인 행을 </a:t>
+            </a:r>
+            <a:endParaRPr lang="en-US" altLang="ko-KR" sz="2400" b="1" spc="-150" dirty="0">
+              <a:ln>
+                <a:solidFill>
+                  <a:schemeClr val="accent1">
+                    <a:shade val="50000"/>
+                    <a:alpha val="0"/>
+                  </a:schemeClr>
+                </a:solidFill>
+              </a:ln>
+              <a:solidFill>
+                <a:schemeClr val="accent5">
+                  <a:lumMod val="50000"/>
+                </a:schemeClr>
+              </a:solidFill>
+              <a:latin typeface="S-Core Dream 3 Light" panose="020B0503030302020204" pitchFamily="34" charset="-127"/>
+              <a:ea typeface="S-Core Dream 3 Light" panose="020B0503030302020204" pitchFamily="34" charset="-127"/>
+            </a:endParaRPr>
+          </a:p>
+          <a:p>
+            <a:r>
+              <a:rPr lang="ko-KR" altLang="en-US" sz="2400" b="1" spc="-150" dirty="0">
+                <a:ln>
+                  <a:solidFill>
+                    <a:schemeClr val="accent1">
+                      <a:shade val="50000"/>
+                      <a:alpha val="0"/>
+                    </a:schemeClr>
+                  </a:solidFill>
+                </a:ln>
+                <a:solidFill>
+                  <a:schemeClr val="accent5">
+                    <a:lumMod val="50000"/>
+                  </a:schemeClr>
+                </a:solidFill>
+                <a:latin typeface="S-Core Dream 3 Light" panose="020B0503030302020204" pitchFamily="34" charset="-127"/>
+                <a:ea typeface="S-Core Dream 3 Light" panose="020B0503030302020204" pitchFamily="34" charset="-127"/>
+              </a:rPr>
+              <a:t>조회하고 싶을 때에는 아래와 같이 수행합니다</a:t>
+            </a:r>
+            <a:r>
+              <a:rPr lang="en-US" altLang="ko-KR" sz="2400" b="1" spc="-150" dirty="0">
+                <a:ln>
+                  <a:solidFill>
+                    <a:schemeClr val="accent1">
+                      <a:shade val="50000"/>
+                      <a:alpha val="0"/>
+                    </a:schemeClr>
+                  </a:solidFill>
+                </a:ln>
+                <a:solidFill>
+                  <a:schemeClr val="accent5">
+                    <a:lumMod val="50000"/>
+                  </a:schemeClr>
+                </a:solidFill>
+                <a:latin typeface="S-Core Dream 3 Light" panose="020B0503030302020204" pitchFamily="34" charset="-127"/>
+                <a:ea typeface="S-Core Dream 3 Light" panose="020B0503030302020204" pitchFamily="34" charset="-127"/>
+              </a:rPr>
+              <a:t>.</a:t>
+            </a:r>
+          </a:p>
+          <a:p>
+            <a:endParaRPr lang="en-US" altLang="ko-KR" sz="2400" b="1" spc="-150" dirty="0">
+              <a:ln>
+                <a:solidFill>
+                  <a:schemeClr val="accent1">
+                    <a:shade val="50000"/>
+                    <a:alpha val="0"/>
+                  </a:schemeClr>
+                </a:solidFill>
+              </a:ln>
+              <a:solidFill>
+                <a:schemeClr val="accent5">
+                  <a:lumMod val="50000"/>
+                </a:schemeClr>
+              </a:solidFill>
+              <a:latin typeface="S-Core Dream 3 Light" panose="020B0503030302020204" pitchFamily="34" charset="-127"/>
+              <a:ea typeface="S-Core Dream 3 Light" panose="020B0503030302020204" pitchFamily="34" charset="-127"/>
+            </a:endParaRPr>
+          </a:p>
+          <a:p>
+            <a:r>
+              <a:rPr lang="en-US" altLang="ko-KR" sz="2400" b="1" spc="-150" dirty="0">
+                <a:ln>
+                  <a:solidFill>
+                    <a:schemeClr val="accent1">
+                      <a:shade val="50000"/>
+                      <a:alpha val="0"/>
+                    </a:schemeClr>
+                  </a:solidFill>
+                </a:ln>
+                <a:solidFill>
+                  <a:schemeClr val="accent5">
+                    <a:lumMod val="50000"/>
+                  </a:schemeClr>
+                </a:solidFill>
+                <a:latin typeface="S-Core Dream 3 Light" panose="020B0503030302020204" pitchFamily="34" charset="-127"/>
+                <a:ea typeface="S-Core Dream 3 Light" panose="020B0503030302020204" pitchFamily="34" charset="-127"/>
+              </a:rPr>
+              <a:t>SELECT * FROM Student</a:t>
+            </a:r>
+          </a:p>
+          <a:p>
+            <a:r>
+              <a:rPr lang="en-US" altLang="ko-KR" sz="2400" b="1" spc="-150" dirty="0">
+                <a:ln>
+                  <a:solidFill>
+                    <a:schemeClr val="accent1">
+                      <a:shade val="50000"/>
+                      <a:alpha val="0"/>
+                    </a:schemeClr>
+                  </a:solidFill>
+                </a:ln>
+                <a:solidFill>
+                  <a:schemeClr val="accent5">
+                    <a:lumMod val="50000"/>
+                  </a:schemeClr>
+                </a:solidFill>
+                <a:latin typeface="S-Core Dream 3 Light" panose="020B0503030302020204" pitchFamily="34" charset="-127"/>
+                <a:ea typeface="S-Core Dream 3 Light" panose="020B0503030302020204" pitchFamily="34" charset="-127"/>
+              </a:rPr>
+              <a:t>WHERE grade = 1 and name = ‘</a:t>
+            </a:r>
+            <a:r>
+              <a:rPr lang="en-US" altLang="ko-KR" sz="2400" b="1" spc="-150" dirty="0" err="1">
+                <a:ln>
+                  <a:solidFill>
+                    <a:schemeClr val="accent1">
+                      <a:shade val="50000"/>
+                      <a:alpha val="0"/>
+                    </a:schemeClr>
+                  </a:solidFill>
+                </a:ln>
+                <a:solidFill>
+                  <a:schemeClr val="accent5">
+                    <a:lumMod val="50000"/>
+                  </a:schemeClr>
+                </a:solidFill>
+                <a:latin typeface="S-Core Dream 3 Light" panose="020B0503030302020204" pitchFamily="34" charset="-127"/>
+                <a:ea typeface="S-Core Dream 3 Light" panose="020B0503030302020204" pitchFamily="34" charset="-127"/>
+              </a:rPr>
+              <a:t>nancy</a:t>
+            </a:r>
+            <a:r>
+              <a:rPr lang="en-US" altLang="ko-KR" sz="2400" b="1" spc="-150" dirty="0">
+                <a:ln>
+                  <a:solidFill>
+                    <a:schemeClr val="accent1">
+                      <a:shade val="50000"/>
+                      <a:alpha val="0"/>
+                    </a:schemeClr>
+                  </a:solidFill>
+                </a:ln>
+                <a:solidFill>
+                  <a:schemeClr val="accent5">
+                    <a:lumMod val="50000"/>
+                  </a:schemeClr>
+                </a:solidFill>
+                <a:latin typeface="S-Core Dream 3 Light" panose="020B0503030302020204" pitchFamily="34" charset="-127"/>
+                <a:ea typeface="S-Core Dream 3 Light" panose="020B0503030302020204" pitchFamily="34" charset="-127"/>
+              </a:rPr>
+              <a:t>’;</a:t>
+            </a:r>
+          </a:p>
+          <a:p>
+            <a:r>
+              <a:rPr lang="ko-KR" altLang="en-US" sz="2400" b="1" spc="-150" dirty="0">
+                <a:ln>
+                  <a:solidFill>
+                    <a:schemeClr val="accent1">
+                      <a:shade val="50000"/>
+                      <a:alpha val="0"/>
+                    </a:schemeClr>
+                  </a:solidFill>
+                </a:ln>
+                <a:solidFill>
+                  <a:schemeClr val="accent5">
+                    <a:lumMod val="50000"/>
+                  </a:schemeClr>
+                </a:solidFill>
+                <a:latin typeface="S-Core Dream 3 Light" panose="020B0503030302020204" pitchFamily="34" charset="-127"/>
+                <a:ea typeface="S-Core Dream 3 Light" panose="020B0503030302020204" pitchFamily="34" charset="-127"/>
+              </a:rPr>
+              <a:t> </a:t>
+            </a:r>
+            <a:endParaRPr lang="en-US" altLang="ko-KR" sz="2400" b="1" spc="-150" dirty="0">
+              <a:ln>
+                <a:solidFill>
+                  <a:schemeClr val="accent1">
+                    <a:shade val="50000"/>
+                    <a:alpha val="0"/>
+                  </a:schemeClr>
+                </a:solidFill>
+              </a:ln>
+              <a:solidFill>
+                <a:schemeClr val="accent5">
+                  <a:lumMod val="50000"/>
+                </a:schemeClr>
+              </a:solidFill>
+              <a:latin typeface="S-Core Dream 3 Light" panose="020B0503030302020204" pitchFamily="34" charset="-127"/>
+              <a:ea typeface="S-Core Dream 3 Light" panose="020B0503030302020204" pitchFamily="34" charset="-127"/>
+            </a:endParaRPr>
           </a:p>
         </p:txBody>
       </p:sp>
     </p:spTree>
     <p:extLst>
       <p:ext uri="{BB962C8B-B14F-4D97-AF65-F5344CB8AC3E}">
-        <p14:creationId xmlns:p14="http://schemas.microsoft.com/office/powerpoint/2010/main" val="2860890044"/>
+        <p14:creationId xmlns:p14="http://schemas.microsoft.com/office/powerpoint/2010/main" val="2021984826"/>
       </p:ext>
     </p:extLst>
   </p:cSld>
@@ -18455,7 +18163,7 @@
         <p:spPr>
           <a:xfrm>
             <a:off x="1027523" y="2090172"/>
-            <a:ext cx="9366422" cy="2677656"/>
+            <a:ext cx="9366422" cy="4154984"/>
           </a:xfrm>
           <a:prstGeom prst="rect">
             <a:avLst/>
@@ -18666,8 +18374,30 @@
                 <a:latin typeface="S-Core Dream 3 Light" panose="020B0503030302020204" pitchFamily="34" charset="-127"/>
                 <a:ea typeface="S-Core Dream 3 Light" panose="020B0503030302020204" pitchFamily="34" charset="-127"/>
               </a:rPr>
-              <a:t>여러 레코드 중 조건에 따라 일부 레코드만</a:t>
-            </a:r>
+              <a:t>또한 여러가지 조건을 중첩하여 사용할 수도 있습니다</a:t>
+            </a:r>
+            <a:r>
+              <a:rPr lang="en-US" altLang="ko-KR" sz="2400" b="1" spc="-150" dirty="0">
+                <a:ln>
+                  <a:solidFill>
+                    <a:schemeClr val="accent1">
+                      <a:shade val="50000"/>
+                      <a:alpha val="0"/>
+                    </a:schemeClr>
+                  </a:solidFill>
+                </a:ln>
+                <a:solidFill>
+                  <a:schemeClr val="accent5">
+                    <a:lumMod val="50000"/>
+                  </a:schemeClr>
+                </a:solidFill>
+                <a:latin typeface="S-Core Dream 3 Light" panose="020B0503030302020204" pitchFamily="34" charset="-127"/>
+                <a:ea typeface="S-Core Dream 3 Light" panose="020B0503030302020204" pitchFamily="34" charset="-127"/>
+              </a:rPr>
+              <a:t>.</a:t>
+            </a:r>
+          </a:p>
+          <a:p>
             <a:endParaRPr lang="en-US" altLang="ko-KR" sz="2400" b="1" spc="-150" dirty="0">
               <a:ln>
                 <a:solidFill>
@@ -18705,7 +18435,7 @@
                 <a:latin typeface="S-Core Dream 3 Light" panose="020B0503030302020204" pitchFamily="34" charset="-127"/>
                 <a:ea typeface="S-Core Dream 3 Light" panose="020B0503030302020204" pitchFamily="34" charset="-127"/>
               </a:rPr>
-              <a:t>선별하고 싶을 때 </a:t>
+              <a:t>학년이 </a:t>
             </a:r>
             <a:r>
               <a:rPr lang="en-US" altLang="ko-KR" sz="2400" b="1" spc="-150" dirty="0">
@@ -18725,7 +18455,7 @@
                 <a:latin typeface="S-Core Dream 3 Light" panose="020B0503030302020204" pitchFamily="34" charset="-127"/>
                 <a:ea typeface="S-Core Dream 3 Light" panose="020B0503030302020204" pitchFamily="34" charset="-127"/>
               </a:rPr>
-              <a:t>WHERE</a:t>
+              <a:t>1</a:t>
             </a:r>
             <a:r>
               <a:rPr lang="ko-KR" altLang="en-US" sz="2400" b="1" spc="-150" dirty="0">
@@ -18745,7 +18475,7 @@
                 <a:latin typeface="S-Core Dream 3 Light" panose="020B0503030302020204" pitchFamily="34" charset="-127"/>
                 <a:ea typeface="S-Core Dream 3 Light" panose="020B0503030302020204" pitchFamily="34" charset="-127"/>
               </a:rPr>
-              <a:t>을 사용합니다</a:t>
+              <a:t>학년이거나</a:t>
             </a:r>
             <a:r>
               <a:rPr lang="en-US" altLang="ko-KR" sz="2400" b="1" spc="-150" dirty="0">
@@ -18765,10 +18495,68 @@
                 <a:latin typeface="S-Core Dream 3 Light" panose="020B0503030302020204" pitchFamily="34" charset="-127"/>
                 <a:ea typeface="S-Core Dream 3 Light" panose="020B0503030302020204" pitchFamily="34" charset="-127"/>
               </a:rPr>
-              <a:t>.</a:t>
-            </a:r>
-          </a:p>
-          <a:p>
+              <a:t>(OR) </a:t>
+            </a:r>
+            <a:r>
+              <a:rPr lang="ko-KR" altLang="en-US" sz="2400" b="1" spc="-150" dirty="0">
+                <a:ln>
+                  <a:solidFill>
+                    <a:schemeClr val="accent1">
+                      <a:shade val="50000"/>
+                      <a:alpha val="0"/>
+                    </a:schemeClr>
+                  </a:solidFill>
+                </a:ln>
+                <a:solidFill>
+                  <a:schemeClr val="accent5">
+                    <a:lumMod val="50000"/>
+                  </a:schemeClr>
+                </a:solidFill>
+                <a:latin typeface="S-Core Dream 3 Light" panose="020B0503030302020204" pitchFamily="34" charset="-127"/>
+                <a:ea typeface="S-Core Dream 3 Light" panose="020B0503030302020204" pitchFamily="34" charset="-127"/>
+              </a:rPr>
+              <a:t>이름이 </a:t>
+            </a:r>
+            <a:r>
+              <a:rPr lang="en-US" altLang="ko-KR" sz="2400" b="1" spc="-150" dirty="0">
+                <a:ln>
+                  <a:solidFill>
+                    <a:schemeClr val="accent1">
+                      <a:shade val="50000"/>
+                      <a:alpha val="0"/>
+                    </a:schemeClr>
+                  </a:solidFill>
+                </a:ln>
+                <a:solidFill>
+                  <a:schemeClr val="accent5">
+                    <a:lumMod val="50000"/>
+                  </a:schemeClr>
+                </a:solidFill>
+                <a:latin typeface="S-Core Dream 3 Light" panose="020B0503030302020204" pitchFamily="34" charset="-127"/>
+                <a:ea typeface="S-Core Dream 3 Light" panose="020B0503030302020204" pitchFamily="34" charset="-127"/>
+              </a:rPr>
+              <a:t>louis</a:t>
+            </a:r>
+            <a:r>
+              <a:rPr lang="ko-KR" altLang="en-US" sz="2400" b="1" spc="-150" dirty="0">
+                <a:ln>
+                  <a:solidFill>
+                    <a:schemeClr val="accent1">
+                      <a:shade val="50000"/>
+                      <a:alpha val="0"/>
+                    </a:schemeClr>
+                  </a:solidFill>
+                </a:ln>
+                <a:solidFill>
+                  <a:schemeClr val="accent5">
+                    <a:lumMod val="50000"/>
+                  </a:schemeClr>
+                </a:solidFill>
+                <a:latin typeface="S-Core Dream 3 Light" panose="020B0503030302020204" pitchFamily="34" charset="-127"/>
+                <a:ea typeface="S-Core Dream 3 Light" panose="020B0503030302020204" pitchFamily="34" charset="-127"/>
+              </a:rPr>
+              <a:t>인 행을 </a:t>
+            </a:r>
             <a:endParaRPr lang="en-US" altLang="ko-KR" sz="2400" b="1" spc="-150" dirty="0">
               <a:ln>
                 <a:solidFill>
@@ -18789,6 +18577,26 @@
           </a:p>
           <a:p>
             <a:r>
+              <a:rPr lang="ko-KR" altLang="en-US" sz="2400" b="1" spc="-150" dirty="0">
+                <a:ln>
+                  <a:solidFill>
+                    <a:schemeClr val="accent1">
+                      <a:shade val="50000"/>
+                      <a:alpha val="0"/>
+                    </a:schemeClr>
+                  </a:solidFill>
+                </a:ln>
+                <a:solidFill>
+                  <a:schemeClr val="accent5">
+                    <a:lumMod val="50000"/>
+                  </a:schemeClr>
+                </a:solidFill>
+                <a:latin typeface="S-Core Dream 3 Light" panose="020B0503030302020204" pitchFamily="34" charset="-127"/>
+                <a:ea typeface="S-Core Dream 3 Light" panose="020B0503030302020204" pitchFamily="34" charset="-127"/>
+              </a:rPr>
+              <a:t>조회하고 싶을 때에는 아래와 같이 수행합니다</a:t>
+            </a:r>
+            <a:r>
               <a:rPr lang="en-US" altLang="ko-KR" sz="2400" b="1" spc="-150" dirty="0">
                 <a:ln>
                   <a:solidFill>
@@ -18806,8 +18614,73 @@
                 <a:latin typeface="S-Core Dream 3 Light" panose="020B0503030302020204" pitchFamily="34" charset="-127"/>
                 <a:ea typeface="S-Core Dream 3 Light" panose="020B0503030302020204" pitchFamily="34" charset="-127"/>
               </a:rPr>
-              <a:t>SELECT, UPDATE, DELETE </a:t>
-            </a:r>
+              <a:t>.</a:t>
+            </a:r>
+          </a:p>
+          <a:p>
+            <a:endParaRPr lang="en-US" altLang="ko-KR" sz="2400" b="1" spc="-150" dirty="0">
+              <a:ln>
+                <a:solidFill>
+                  <a:schemeClr val="accent1">
+                    <a:shade val="50000"/>
+                    <a:alpha val="0"/>
+                  </a:schemeClr>
+                </a:solidFill>
+              </a:ln>
+              <a:solidFill>
+                <a:schemeClr val="accent5">
+                  <a:lumMod val="50000"/>
+                </a:schemeClr>
+              </a:solidFill>
+              <a:latin typeface="S-Core Dream 3 Light" panose="020B0503030302020204" pitchFamily="34" charset="-127"/>
+              <a:ea typeface="S-Core Dream 3 Light" panose="020B0503030302020204" pitchFamily="34" charset="-127"/>
+            </a:endParaRPr>
+          </a:p>
+          <a:p>
+            <a:r>
+              <a:rPr lang="en-US" altLang="ko-KR" sz="2400" b="1" spc="-150" dirty="0">
+                <a:ln>
+                  <a:solidFill>
+                    <a:schemeClr val="accent1">
+                      <a:shade val="50000"/>
+                      <a:alpha val="0"/>
+                    </a:schemeClr>
+                  </a:solidFill>
+                </a:ln>
+                <a:solidFill>
+                  <a:schemeClr val="accent5">
+                    <a:lumMod val="50000"/>
+                  </a:schemeClr>
+                </a:solidFill>
+                <a:latin typeface="S-Core Dream 3 Light" panose="020B0503030302020204" pitchFamily="34" charset="-127"/>
+                <a:ea typeface="S-Core Dream 3 Light" panose="020B0503030302020204" pitchFamily="34" charset="-127"/>
+              </a:rPr>
+              <a:t>SELECT * FROM Student</a:t>
+            </a:r>
+          </a:p>
+          <a:p>
+            <a:r>
+              <a:rPr lang="en-US" altLang="ko-KR" sz="2400" b="1" spc="-150" dirty="0">
+                <a:ln>
+                  <a:solidFill>
+                    <a:schemeClr val="accent1">
+                      <a:shade val="50000"/>
+                      <a:alpha val="0"/>
+                    </a:schemeClr>
+                  </a:solidFill>
+                </a:ln>
+                <a:solidFill>
+                  <a:schemeClr val="accent5">
+                    <a:lumMod val="50000"/>
+                  </a:schemeClr>
+                </a:solidFill>
+                <a:latin typeface="S-Core Dream 3 Light" panose="020B0503030302020204" pitchFamily="34" charset="-127"/>
+                <a:ea typeface="S-Core Dream 3 Light" panose="020B0503030302020204" pitchFamily="34" charset="-127"/>
+              </a:rPr>
+              <a:t>WHERE grade = 1 or name = ‘louis’;</a:t>
+            </a:r>
+          </a:p>
+          <a:p>
             <a:r>
               <a:rPr lang="ko-KR" altLang="en-US" sz="2400" b="1" spc="-150" dirty="0">
                 <a:ln>
@@ -18826,35 +18699,32 @@
                 <a:latin typeface="S-Core Dream 3 Light" panose="020B0503030302020204" pitchFamily="34" charset="-127"/>
                 <a:ea typeface="S-Core Dream 3 Light" panose="020B0503030302020204" pitchFamily="34" charset="-127"/>
               </a:rPr>
-              <a:t>쿼리와 함께 사용이 가능합니다</a:t>
-            </a:r>
-            <a:r>
-              <a:rPr lang="en-US" altLang="ko-KR" sz="2400" b="1" spc="-150" dirty="0">
-                <a:ln>
-                  <a:solidFill>
-                    <a:schemeClr val="accent1">
-                      <a:shade val="50000"/>
-                      <a:alpha val="0"/>
-                    </a:schemeClr>
-                  </a:solidFill>
-                </a:ln>
-                <a:solidFill>
-                  <a:schemeClr val="accent5">
-                    <a:lumMod val="50000"/>
-                  </a:schemeClr>
-                </a:solidFill>
-                <a:latin typeface="S-Core Dream 3 Light" panose="020B0503030302020204" pitchFamily="34" charset="-127"/>
-                <a:ea typeface="S-Core Dream 3 Light" panose="020B0503030302020204" pitchFamily="34" charset="-127"/>
-              </a:rPr>
-              <a:t>.</a:t>
-            </a:r>
+              <a:t> </a:t>
+            </a:r>
+            <a:endParaRPr lang="en-US" altLang="ko-KR" sz="2400" b="1" spc="-150" dirty="0">
+              <a:ln>
+                <a:solidFill>
+                  <a:schemeClr val="accent1">
+                    <a:shade val="50000"/>
+                    <a:alpha val="0"/>
+                  </a:schemeClr>
+                </a:solidFill>
+              </a:ln>
+              <a:solidFill>
+                <a:schemeClr val="accent5">
+                  <a:lumMod val="50000"/>
+                </a:schemeClr>
+              </a:solidFill>
+              <a:latin typeface="S-Core Dream 3 Light" panose="020B0503030302020204" pitchFamily="34" charset="-127"/>
+              <a:ea typeface="S-Core Dream 3 Light" panose="020B0503030302020204" pitchFamily="34" charset="-127"/>
+            </a:endParaRPr>
           </a:p>
         </p:txBody>
       </p:sp>
     </p:spTree>
     <p:extLst>
       <p:ext uri="{BB962C8B-B14F-4D97-AF65-F5344CB8AC3E}">
-        <p14:creationId xmlns:p14="http://schemas.microsoft.com/office/powerpoint/2010/main" val="620224622"/>
+        <p14:creationId xmlns:p14="http://schemas.microsoft.com/office/powerpoint/2010/main" val="267092517"/>
       </p:ext>
     </p:extLst>
   </p:cSld>
@@ -19177,7 +19047,7 @@
         <p:spPr>
           <a:xfrm>
             <a:off x="1027523" y="2090172"/>
-            <a:ext cx="9366422" cy="3046988"/>
+            <a:ext cx="9366422" cy="2677656"/>
           </a:xfrm>
           <a:prstGeom prst="rect">
             <a:avLst/>
@@ -19328,8 +19198,65 @@
                 <a:latin typeface="S-Core Dream 5 Medium" panose="020B0503030302020204" pitchFamily="34" charset="-127"/>
                 <a:ea typeface="S-Core Dream 5 Medium" panose="020B0503030302020204" pitchFamily="34" charset="-127"/>
               </a:rPr>
-              <a:t>WHERE</a:t>
-            </a:r>
+              <a:t>Python</a:t>
+            </a:r>
+            <a:r>
+              <a:rPr lang="ko-KR" altLang="en-US" sz="2400" b="1" spc="-150" dirty="0" err="1">
+                <a:ln>
+                  <a:solidFill>
+                    <a:schemeClr val="accent1">
+                      <a:shade val="50000"/>
+                      <a:alpha val="0"/>
+                    </a:schemeClr>
+                  </a:solidFill>
+                </a:ln>
+                <a:solidFill>
+                  <a:schemeClr val="accent5">
+                    <a:lumMod val="50000"/>
+                  </a:schemeClr>
+                </a:solidFill>
+                <a:latin typeface="S-Core Dream 5 Medium" panose="020B0503030302020204" pitchFamily="34" charset="-127"/>
+                <a:ea typeface="S-Core Dream 5 Medium" panose="020B0503030302020204" pitchFamily="34" charset="-127"/>
+              </a:rPr>
+              <a:t>으로</a:t>
+            </a:r>
+            <a:r>
+              <a:rPr lang="ko-KR" altLang="en-US" sz="2400" b="1" spc="-150" dirty="0">
+                <a:ln>
+                  <a:solidFill>
+                    <a:schemeClr val="accent1">
+                      <a:shade val="50000"/>
+                      <a:alpha val="0"/>
+                    </a:schemeClr>
+                  </a:solidFill>
+                </a:ln>
+                <a:solidFill>
+                  <a:schemeClr val="accent5">
+                    <a:lumMod val="50000"/>
+                  </a:schemeClr>
+                </a:solidFill>
+                <a:latin typeface="S-Core Dream 5 Medium" panose="020B0503030302020204" pitchFamily="34" charset="-127"/>
+                <a:ea typeface="S-Core Dream 5 Medium" panose="020B0503030302020204" pitchFamily="34" charset="-127"/>
+              </a:rPr>
+              <a:t> 데이터베이스 사용하기</a:t>
+            </a:r>
+            <a:endParaRPr lang="en-US" altLang="ko-KR" sz="2400" b="1" spc="-150" dirty="0">
+              <a:ln>
+                <a:solidFill>
+                  <a:schemeClr val="accent1">
+                    <a:shade val="50000"/>
+                    <a:alpha val="0"/>
+                  </a:schemeClr>
+                </a:solidFill>
+              </a:ln>
+              <a:solidFill>
+                <a:schemeClr val="accent5">
+                  <a:lumMod val="50000"/>
+                </a:schemeClr>
+              </a:solidFill>
+              <a:latin typeface="S-Core Dream 5 Medium" panose="020B0503030302020204" pitchFamily="34" charset="-127"/>
+              <a:ea typeface="S-Core Dream 5 Medium" panose="020B0503030302020204" pitchFamily="34" charset="-127"/>
+            </a:endParaRPr>
           </a:p>
           <a:p>
             <a:endParaRPr lang="en-US" altLang="ko-KR" sz="2400" b="1" spc="-150" dirty="0">
@@ -19351,6 +19278,26 @@
             </a:endParaRPr>
           </a:p>
           <a:p>
+            <a:r>
+              <a:rPr lang="ko-KR" altLang="en-US" sz="2400" b="1" spc="-150" dirty="0">
+                <a:ln>
+                  <a:solidFill>
+                    <a:schemeClr val="accent1">
+                      <a:shade val="50000"/>
+                      <a:alpha val="0"/>
+                    </a:schemeClr>
+                  </a:solidFill>
+                </a:ln>
+                <a:solidFill>
+                  <a:schemeClr val="accent5">
+                    <a:lumMod val="50000"/>
+                  </a:schemeClr>
+                </a:solidFill>
+                <a:latin typeface="S-Core Dream 3 Light" panose="020B0503030302020204" pitchFamily="34" charset="-127"/>
+                <a:ea typeface="S-Core Dream 3 Light" panose="020B0503030302020204" pitchFamily="34" charset="-127"/>
+              </a:rPr>
+              <a:t>데이터베이스는 여러가지 종류가 있으며</a:t>
+            </a:r>
             <a:endParaRPr lang="en-US" altLang="ko-KR" sz="2400" b="1" spc="-150" dirty="0">
               <a:ln>
                 <a:solidFill>
@@ -19371,26 +19318,6 @@
           </a:p>
           <a:p>
             <a:r>
-              <a:rPr lang="en-US" altLang="ko-KR" sz="2400" b="1" spc="-150" dirty="0">
-                <a:ln>
-                  <a:solidFill>
-                    <a:schemeClr val="accent1">
-                      <a:shade val="50000"/>
-                      <a:alpha val="0"/>
-                    </a:schemeClr>
-                  </a:solidFill>
-                </a:ln>
-                <a:solidFill>
-                  <a:schemeClr val="accent5">
-                    <a:lumMod val="50000"/>
-                  </a:schemeClr>
-                </a:solidFill>
-                <a:latin typeface="S-Core Dream 3 Light" panose="020B0503030302020204" pitchFamily="34" charset="-127"/>
-                <a:ea typeface="S-Core Dream 3 Light" panose="020B0503030302020204" pitchFamily="34" charset="-127"/>
-              </a:rPr>
-              <a:t>SELECT, UPDATE, DELETE </a:t>
-            </a:r>
-            <a:r>
               <a:rPr lang="ko-KR" altLang="en-US" sz="2400" b="1" spc="-150" dirty="0">
                 <a:ln>
                   <a:solidFill>
@@ -19408,129 +19335,7 @@
                 <a:latin typeface="S-Core Dream 3 Light" panose="020B0503030302020204" pitchFamily="34" charset="-127"/>
                 <a:ea typeface="S-Core Dream 3 Light" panose="020B0503030302020204" pitchFamily="34" charset="-127"/>
               </a:rPr>
-              <a:t>쿼리와 함께 사용이 가능합니다</a:t>
-            </a:r>
-            <a:r>
-              <a:rPr lang="en-US" altLang="ko-KR" sz="2400" b="1" spc="-150" dirty="0">
-                <a:ln>
-                  <a:solidFill>
-                    <a:schemeClr val="accent1">
-                      <a:shade val="50000"/>
-                      <a:alpha val="0"/>
-                    </a:schemeClr>
-                  </a:solidFill>
-                </a:ln>
-                <a:solidFill>
-                  <a:schemeClr val="accent5">
-                    <a:lumMod val="50000"/>
-                  </a:schemeClr>
-                </a:solidFill>
-                <a:latin typeface="S-Core Dream 3 Light" panose="020B0503030302020204" pitchFamily="34" charset="-127"/>
-                <a:ea typeface="S-Core Dream 3 Light" panose="020B0503030302020204" pitchFamily="34" charset="-127"/>
-              </a:rPr>
-              <a:t>.</a:t>
-            </a:r>
-          </a:p>
-          <a:p>
-            <a:r>
-              <a:rPr lang="ko-KR" altLang="en-US" sz="2400" b="1" spc="-150" dirty="0">
-                <a:ln>
-                  <a:solidFill>
-                    <a:schemeClr val="accent1">
-                      <a:shade val="50000"/>
-                      <a:alpha val="0"/>
-                    </a:schemeClr>
-                  </a:solidFill>
-                </a:ln>
-                <a:solidFill>
-                  <a:schemeClr val="accent5">
-                    <a:lumMod val="50000"/>
-                  </a:schemeClr>
-                </a:solidFill>
-                <a:latin typeface="S-Core Dream 3 Light" panose="020B0503030302020204" pitchFamily="34" charset="-127"/>
-                <a:ea typeface="S-Core Dream 3 Light" panose="020B0503030302020204" pitchFamily="34" charset="-127"/>
-              </a:rPr>
-              <a:t>만약 </a:t>
-            </a:r>
-            <a:r>
-              <a:rPr lang="en-US" altLang="ko-KR" sz="2400" b="1" spc="-150" dirty="0">
-                <a:ln>
-                  <a:solidFill>
-                    <a:schemeClr val="accent1">
-                      <a:shade val="50000"/>
-                      <a:alpha val="0"/>
-                    </a:schemeClr>
-                  </a:solidFill>
-                </a:ln>
-                <a:solidFill>
-                  <a:schemeClr val="accent5">
-                    <a:lumMod val="50000"/>
-                  </a:schemeClr>
-                </a:solidFill>
-                <a:latin typeface="S-Core Dream 3 Light" panose="020B0503030302020204" pitchFamily="34" charset="-127"/>
-                <a:ea typeface="S-Core Dream 3 Light" panose="020B0503030302020204" pitchFamily="34" charset="-127"/>
-              </a:rPr>
-              <a:t>1</a:t>
-            </a:r>
-            <a:r>
-              <a:rPr lang="ko-KR" altLang="en-US" sz="2400" b="1" spc="-150" dirty="0">
-                <a:ln>
-                  <a:solidFill>
-                    <a:schemeClr val="accent1">
-                      <a:shade val="50000"/>
-                      <a:alpha val="0"/>
-                    </a:schemeClr>
-                  </a:solidFill>
-                </a:ln>
-                <a:solidFill>
-                  <a:schemeClr val="accent5">
-                    <a:lumMod val="50000"/>
-                  </a:schemeClr>
-                </a:solidFill>
-                <a:latin typeface="S-Core Dream 3 Light" panose="020B0503030302020204" pitchFamily="34" charset="-127"/>
-                <a:ea typeface="S-Core Dream 3 Light" panose="020B0503030302020204" pitchFamily="34" charset="-127"/>
-              </a:rPr>
-              <a:t>학년만 조회하고 싶을 때에는</a:t>
-            </a:r>
-            <a:r>
-              <a:rPr lang="en-US" altLang="ko-KR" sz="2400" b="1" spc="-150" dirty="0">
-                <a:ln>
-                  <a:solidFill>
-                    <a:schemeClr val="accent1">
-                      <a:shade val="50000"/>
-                      <a:alpha val="0"/>
-                    </a:schemeClr>
-                  </a:solidFill>
-                </a:ln>
-                <a:solidFill>
-                  <a:schemeClr val="accent5">
-                    <a:lumMod val="50000"/>
-                  </a:schemeClr>
-                </a:solidFill>
-                <a:latin typeface="S-Core Dream 3 Light" panose="020B0503030302020204" pitchFamily="34" charset="-127"/>
-                <a:ea typeface="S-Core Dream 3 Light" panose="020B0503030302020204" pitchFamily="34" charset="-127"/>
-              </a:rPr>
-              <a:t> </a:t>
-            </a:r>
-            <a:r>
-              <a:rPr lang="ko-KR" altLang="en-US" sz="2400" b="1" spc="-150" dirty="0">
-                <a:ln>
-                  <a:solidFill>
-                    <a:schemeClr val="accent1">
-                      <a:shade val="50000"/>
-                      <a:alpha val="0"/>
-                    </a:schemeClr>
-                  </a:solidFill>
-                </a:ln>
-                <a:solidFill>
-                  <a:schemeClr val="accent5">
-                    <a:lumMod val="50000"/>
-                  </a:schemeClr>
-                </a:solidFill>
-                <a:latin typeface="S-Core Dream 3 Light" panose="020B0503030302020204" pitchFamily="34" charset="-127"/>
-                <a:ea typeface="S-Core Dream 3 Light" panose="020B0503030302020204" pitchFamily="34" charset="-127"/>
-              </a:rPr>
-              <a:t>아래와 같이 수행합니다</a:t>
+              <a:t>여러가지 방법으로 사용할 수 있습니다</a:t>
             </a:r>
             <a:r>
               <a:rPr lang="en-US" altLang="ko-KR" sz="2400" b="1" spc="-150" dirty="0">
@@ -19574,6 +19379,26 @@
           </a:p>
           <a:p>
             <a:r>
+              <a:rPr lang="ko-KR" altLang="en-US" sz="2400" b="1" spc="-150" dirty="0">
+                <a:ln>
+                  <a:solidFill>
+                    <a:schemeClr val="accent1">
+                      <a:shade val="50000"/>
+                      <a:alpha val="0"/>
+                    </a:schemeClr>
+                  </a:solidFill>
+                </a:ln>
+                <a:solidFill>
+                  <a:schemeClr val="accent5">
+                    <a:lumMod val="50000"/>
+                  </a:schemeClr>
+                </a:solidFill>
+                <a:latin typeface="S-Core Dream 3 Light" panose="020B0503030302020204" pitchFamily="34" charset="-127"/>
+                <a:ea typeface="S-Core Dream 3 Light" panose="020B0503030302020204" pitchFamily="34" charset="-127"/>
+              </a:rPr>
+              <a:t>기본적인 </a:t>
+            </a:r>
+            <a:r>
               <a:rPr lang="en-US" altLang="ko-KR" sz="2400" b="1" spc="-150" dirty="0">
                 <a:ln>
                   <a:solidFill>
@@ -19591,10 +19416,28 @@
                 <a:latin typeface="S-Core Dream 3 Light" panose="020B0503030302020204" pitchFamily="34" charset="-127"/>
                 <a:ea typeface="S-Core Dream 3 Light" panose="020B0503030302020204" pitchFamily="34" charset="-127"/>
               </a:rPr>
-              <a:t>SELECT * FROM Student</a:t>
-            </a:r>
-          </a:p>
-          <a:p>
+              <a:t>SQL</a:t>
+            </a:r>
+            <a:r>
+              <a:rPr lang="ko-KR" altLang="en-US" sz="2400" b="1" spc="-150" dirty="0">
+                <a:ln>
+                  <a:solidFill>
+                    <a:schemeClr val="accent1">
+                      <a:shade val="50000"/>
+                      <a:alpha val="0"/>
+                    </a:schemeClr>
+                  </a:solidFill>
+                </a:ln>
+                <a:solidFill>
+                  <a:schemeClr val="accent5">
+                    <a:lumMod val="50000"/>
+                  </a:schemeClr>
+                </a:solidFill>
+                <a:latin typeface="S-Core Dream 3 Light" panose="020B0503030302020204" pitchFamily="34" charset="-127"/>
+                <a:ea typeface="S-Core Dream 3 Light" panose="020B0503030302020204" pitchFamily="34" charset="-127"/>
+              </a:rPr>
+              <a:t>에 대해 알아보기 위해 </a:t>
+            </a:r>
             <a:r>
               <a:rPr lang="en-US" altLang="ko-KR" sz="2400" b="1" spc="-150" dirty="0">
                 <a:ln>
@@ -19613,15 +19456,94 @@
                 <a:latin typeface="S-Core Dream 3 Light" panose="020B0503030302020204" pitchFamily="34" charset="-127"/>
                 <a:ea typeface="S-Core Dream 3 Light" panose="020B0503030302020204" pitchFamily="34" charset="-127"/>
               </a:rPr>
-              <a:t>WHERE grade = 1;</a:t>
-            </a:r>
+              <a:t>Sqlite3</a:t>
+            </a:r>
+            <a:r>
+              <a:rPr lang="ko-KR" altLang="en-US" sz="2400" b="1" spc="-150" dirty="0" err="1">
+                <a:ln>
+                  <a:solidFill>
+                    <a:schemeClr val="accent1">
+                      <a:shade val="50000"/>
+                      <a:alpha val="0"/>
+                    </a:schemeClr>
+                  </a:solidFill>
+                </a:ln>
+                <a:solidFill>
+                  <a:schemeClr val="accent5">
+                    <a:lumMod val="50000"/>
+                  </a:schemeClr>
+                </a:solidFill>
+                <a:latin typeface="S-Core Dream 3 Light" panose="020B0503030302020204" pitchFamily="34" charset="-127"/>
+                <a:ea typeface="S-Core Dream 3 Light" panose="020B0503030302020204" pitchFamily="34" charset="-127"/>
+              </a:rPr>
+              <a:t>를</a:t>
+            </a:r>
+            <a:r>
+              <a:rPr lang="ko-KR" altLang="en-US" sz="2400" b="1" spc="-150" dirty="0">
+                <a:ln>
+                  <a:solidFill>
+                    <a:schemeClr val="accent1">
+                      <a:shade val="50000"/>
+                      <a:alpha val="0"/>
+                    </a:schemeClr>
+                  </a:solidFill>
+                </a:ln>
+                <a:solidFill>
+                  <a:schemeClr val="accent5">
+                    <a:lumMod val="50000"/>
+                  </a:schemeClr>
+                </a:solidFill>
+                <a:latin typeface="S-Core Dream 3 Light" panose="020B0503030302020204" pitchFamily="34" charset="-127"/>
+                <a:ea typeface="S-Core Dream 3 Light" panose="020B0503030302020204" pitchFamily="34" charset="-127"/>
+              </a:rPr>
+              <a:t> 사용했습니다</a:t>
+            </a:r>
+            <a:r>
+              <a:rPr lang="en-US" altLang="ko-KR" sz="2400" b="1" spc="-150" dirty="0">
+                <a:ln>
+                  <a:solidFill>
+                    <a:schemeClr val="accent1">
+                      <a:shade val="50000"/>
+                      <a:alpha val="0"/>
+                    </a:schemeClr>
+                  </a:solidFill>
+                </a:ln>
+                <a:solidFill>
+                  <a:schemeClr val="accent5">
+                    <a:lumMod val="50000"/>
+                  </a:schemeClr>
+                </a:solidFill>
+                <a:latin typeface="S-Core Dream 3 Light" panose="020B0503030302020204" pitchFamily="34" charset="-127"/>
+                <a:ea typeface="S-Core Dream 3 Light" panose="020B0503030302020204" pitchFamily="34" charset="-127"/>
+              </a:rPr>
+              <a:t>.</a:t>
+            </a:r>
+          </a:p>
+          <a:p>
+            <a:endParaRPr lang="en-US" altLang="ko-KR" sz="2400" b="1" spc="-150" dirty="0">
+              <a:ln>
+                <a:solidFill>
+                  <a:schemeClr val="accent1">
+                    <a:shade val="50000"/>
+                    <a:alpha val="0"/>
+                  </a:schemeClr>
+                </a:solidFill>
+              </a:ln>
+              <a:solidFill>
+                <a:schemeClr val="accent5">
+                  <a:lumMod val="50000"/>
+                </a:schemeClr>
+              </a:solidFill>
+              <a:latin typeface="S-Core Dream 3 Light" panose="020B0503030302020204" pitchFamily="34" charset="-127"/>
+              <a:ea typeface="S-Core Dream 3 Light" panose="020B0503030302020204" pitchFamily="34" charset="-127"/>
+            </a:endParaRPr>
           </a:p>
         </p:txBody>
       </p:sp>
     </p:spTree>
     <p:extLst>
       <p:ext uri="{BB962C8B-B14F-4D97-AF65-F5344CB8AC3E}">
-        <p14:creationId xmlns:p14="http://schemas.microsoft.com/office/powerpoint/2010/main" val="4014373932"/>
+        <p14:creationId xmlns:p14="http://schemas.microsoft.com/office/powerpoint/2010/main" val="4066529953"/>
       </p:ext>
     </p:extLst>
   </p:cSld>
@@ -20526,7 +20448,7 @@
         <p:spPr>
           <a:xfrm>
             <a:off x="1027523" y="2090172"/>
-            <a:ext cx="9366422" cy="4154984"/>
+            <a:ext cx="9366422" cy="3416320"/>
           </a:xfrm>
           <a:prstGeom prst="rect">
             <a:avLst/>
@@ -20677,8 +20599,65 @@
                 <a:latin typeface="S-Core Dream 5 Medium" panose="020B0503030302020204" pitchFamily="34" charset="-127"/>
                 <a:ea typeface="S-Core Dream 5 Medium" panose="020B0503030302020204" pitchFamily="34" charset="-127"/>
               </a:rPr>
-              <a:t>WHERE</a:t>
-            </a:r>
+              <a:t>Python</a:t>
+            </a:r>
+            <a:r>
+              <a:rPr lang="ko-KR" altLang="en-US" sz="2400" b="1" spc="-150" dirty="0" err="1">
+                <a:ln>
+                  <a:solidFill>
+                    <a:schemeClr val="accent1">
+                      <a:shade val="50000"/>
+                      <a:alpha val="0"/>
+                    </a:schemeClr>
+                  </a:solidFill>
+                </a:ln>
+                <a:solidFill>
+                  <a:schemeClr val="accent5">
+                    <a:lumMod val="50000"/>
+                  </a:schemeClr>
+                </a:solidFill>
+                <a:latin typeface="S-Core Dream 5 Medium" panose="020B0503030302020204" pitchFamily="34" charset="-127"/>
+                <a:ea typeface="S-Core Dream 5 Medium" panose="020B0503030302020204" pitchFamily="34" charset="-127"/>
+              </a:rPr>
+              <a:t>으로</a:t>
+            </a:r>
+            <a:r>
+              <a:rPr lang="ko-KR" altLang="en-US" sz="2400" b="1" spc="-150" dirty="0">
+                <a:ln>
+                  <a:solidFill>
+                    <a:schemeClr val="accent1">
+                      <a:shade val="50000"/>
+                      <a:alpha val="0"/>
+                    </a:schemeClr>
+                  </a:solidFill>
+                </a:ln>
+                <a:solidFill>
+                  <a:schemeClr val="accent5">
+                    <a:lumMod val="50000"/>
+                  </a:schemeClr>
+                </a:solidFill>
+                <a:latin typeface="S-Core Dream 5 Medium" panose="020B0503030302020204" pitchFamily="34" charset="-127"/>
+                <a:ea typeface="S-Core Dream 5 Medium" panose="020B0503030302020204" pitchFamily="34" charset="-127"/>
+              </a:rPr>
+              <a:t> 데이터베이스 사용하기</a:t>
+            </a:r>
+            <a:endParaRPr lang="en-US" altLang="ko-KR" sz="2400" b="1" spc="-150" dirty="0">
+              <a:ln>
+                <a:solidFill>
+                  <a:schemeClr val="accent1">
+                    <a:shade val="50000"/>
+                    <a:alpha val="0"/>
+                  </a:schemeClr>
+                </a:solidFill>
+              </a:ln>
+              <a:solidFill>
+                <a:schemeClr val="accent5">
+                  <a:lumMod val="50000"/>
+                </a:schemeClr>
+              </a:solidFill>
+              <a:latin typeface="S-Core Dream 5 Medium" panose="020B0503030302020204" pitchFamily="34" charset="-127"/>
+              <a:ea typeface="S-Core Dream 5 Medium" panose="020B0503030302020204" pitchFamily="34" charset="-127"/>
+            </a:endParaRPr>
           </a:p>
           <a:p>
             <a:endParaRPr lang="en-US" altLang="ko-KR" sz="2400" b="1" spc="-150" dirty="0">
@@ -20700,6 +20679,110 @@
             </a:endParaRPr>
           </a:p>
           <a:p>
+            <a:r>
+              <a:rPr lang="ko-KR" altLang="en-US" sz="2400" b="1" spc="-150" dirty="0">
+                <a:ln>
+                  <a:solidFill>
+                    <a:schemeClr val="accent1">
+                      <a:shade val="50000"/>
+                      <a:alpha val="0"/>
+                    </a:schemeClr>
+                  </a:solidFill>
+                </a:ln>
+                <a:solidFill>
+                  <a:schemeClr val="accent5">
+                    <a:lumMod val="50000"/>
+                  </a:schemeClr>
+                </a:solidFill>
+                <a:latin typeface="S-Core Dream 3 Light" panose="020B0503030302020204" pitchFamily="34" charset="-127"/>
+                <a:ea typeface="S-Core Dream 3 Light" panose="020B0503030302020204" pitchFamily="34" charset="-127"/>
+              </a:rPr>
+              <a:t>이제 실무에서 많이 사용되는</a:t>
+            </a:r>
+            <a:r>
+              <a:rPr lang="en-US" altLang="ko-KR" sz="2400" b="1" spc="-150" dirty="0">
+                <a:ln>
+                  <a:solidFill>
+                    <a:schemeClr val="accent1">
+                      <a:shade val="50000"/>
+                      <a:alpha val="0"/>
+                    </a:schemeClr>
+                  </a:solidFill>
+                </a:ln>
+                <a:solidFill>
+                  <a:schemeClr val="accent5">
+                    <a:lumMod val="50000"/>
+                  </a:schemeClr>
+                </a:solidFill>
+                <a:latin typeface="S-Core Dream 3 Light" panose="020B0503030302020204" pitchFamily="34" charset="-127"/>
+                <a:ea typeface="S-Core Dream 3 Light" panose="020B0503030302020204" pitchFamily="34" charset="-127"/>
+              </a:rPr>
+              <a:t> </a:t>
+            </a:r>
+          </a:p>
+          <a:p>
+            <a:r>
+              <a:rPr lang="en-US" altLang="ko-KR" sz="2400" b="1" spc="-150" dirty="0" err="1">
+                <a:ln>
+                  <a:solidFill>
+                    <a:schemeClr val="accent1">
+                      <a:shade val="50000"/>
+                      <a:alpha val="0"/>
+                    </a:schemeClr>
+                  </a:solidFill>
+                </a:ln>
+                <a:solidFill>
+                  <a:schemeClr val="accent5">
+                    <a:lumMod val="50000"/>
+                  </a:schemeClr>
+                </a:solidFill>
+                <a:latin typeface="S-Core Dream 3 Light" panose="020B0503030302020204" pitchFamily="34" charset="-127"/>
+                <a:ea typeface="S-Core Dream 3 Light" panose="020B0503030302020204" pitchFamily="34" charset="-127"/>
+              </a:rPr>
+              <a:t>mysql</a:t>
+            </a:r>
+            <a:r>
+              <a:rPr lang="ko-KR" altLang="en-US" sz="2400" b="1" spc="-150" dirty="0">
+                <a:ln>
+                  <a:solidFill>
+                    <a:schemeClr val="accent1">
+                      <a:shade val="50000"/>
+                      <a:alpha val="0"/>
+                    </a:schemeClr>
+                  </a:solidFill>
+                </a:ln>
+                <a:solidFill>
+                  <a:schemeClr val="accent5">
+                    <a:lumMod val="50000"/>
+                  </a:schemeClr>
+                </a:solidFill>
+                <a:latin typeface="S-Core Dream 3 Light" panose="020B0503030302020204" pitchFamily="34" charset="-127"/>
+                <a:ea typeface="S-Core Dream 3 Light" panose="020B0503030302020204" pitchFamily="34" charset="-127"/>
+              </a:rPr>
+              <a:t> 데이터베이스를 사용해 보겠습니다</a:t>
+            </a:r>
+            <a:r>
+              <a:rPr lang="en-US" altLang="ko-KR" sz="2400" b="1" spc="-150" dirty="0">
+                <a:ln>
+                  <a:solidFill>
+                    <a:schemeClr val="accent1">
+                      <a:shade val="50000"/>
+                      <a:alpha val="0"/>
+                    </a:schemeClr>
+                  </a:solidFill>
+                </a:ln>
+                <a:solidFill>
+                  <a:schemeClr val="accent5">
+                    <a:lumMod val="50000"/>
+                  </a:schemeClr>
+                </a:solidFill>
+                <a:latin typeface="S-Core Dream 3 Light" panose="020B0503030302020204" pitchFamily="34" charset="-127"/>
+                <a:ea typeface="S-Core Dream 3 Light" panose="020B0503030302020204" pitchFamily="34" charset="-127"/>
+              </a:rPr>
+              <a:t>.</a:t>
+            </a:r>
+          </a:p>
+          <a:p>
             <a:endParaRPr lang="en-US" altLang="ko-KR" sz="2400" b="1" spc="-150" dirty="0">
               <a:ln>
                 <a:solidFill>
@@ -20720,6 +20803,26 @@
           </a:p>
           <a:p>
             <a:r>
+              <a:rPr lang="en-US" altLang="ko-KR" sz="2400" b="1" spc="-150" dirty="0" err="1">
+                <a:ln>
+                  <a:solidFill>
+                    <a:schemeClr val="accent1">
+                      <a:shade val="50000"/>
+                      <a:alpha val="0"/>
+                    </a:schemeClr>
+                  </a:solidFill>
+                </a:ln>
+                <a:solidFill>
+                  <a:schemeClr val="accent5">
+                    <a:lumMod val="50000"/>
+                  </a:schemeClr>
+                </a:solidFill>
+                <a:latin typeface="S-Core Dream 3 Light" panose="020B0503030302020204" pitchFamily="34" charset="-127"/>
+                <a:ea typeface="S-Core Dream 3 Light" panose="020B0503030302020204" pitchFamily="34" charset="-127"/>
+              </a:rPr>
+              <a:t>Mysql</a:t>
+            </a:r>
+            <a:r>
               <a:rPr lang="ko-KR" altLang="en-US" sz="2400" b="1" spc="-150" dirty="0">
                 <a:ln>
                   <a:solidFill>
@@ -20737,30 +20840,8 @@
                 <a:latin typeface="S-Core Dream 3 Light" panose="020B0503030302020204" pitchFamily="34" charset="-127"/>
                 <a:ea typeface="S-Core Dream 3 Light" panose="020B0503030302020204" pitchFamily="34" charset="-127"/>
               </a:rPr>
-              <a:t>또한 여러가지 조건을 중첩하여 사용할 수도 있습니다</a:t>
-            </a:r>
-            <a:r>
-              <a:rPr lang="en-US" altLang="ko-KR" sz="2400" b="1" spc="-150" dirty="0">
-                <a:ln>
-                  <a:solidFill>
-                    <a:schemeClr val="accent1">
-                      <a:shade val="50000"/>
-                      <a:alpha val="0"/>
-                    </a:schemeClr>
-                  </a:solidFill>
-                </a:ln>
-                <a:solidFill>
-                  <a:schemeClr val="accent5">
-                    <a:lumMod val="50000"/>
-                  </a:schemeClr>
-                </a:solidFill>
-                <a:latin typeface="S-Core Dream 3 Light" panose="020B0503030302020204" pitchFamily="34" charset="-127"/>
-                <a:ea typeface="S-Core Dream 3 Light" panose="020B0503030302020204" pitchFamily="34" charset="-127"/>
-              </a:rPr>
-              <a:t>.</a:t>
-            </a:r>
-          </a:p>
-          <a:p>
+              <a:t>은 그 자체로 하나의 프로그램이며</a:t>
+            </a:r>
             <a:endParaRPr lang="en-US" altLang="ko-KR" sz="2400" b="1" spc="-150" dirty="0">
               <a:ln>
                 <a:solidFill>
@@ -20781,6 +20862,46 @@
           </a:p>
           <a:p>
             <a:r>
+              <a:rPr lang="en-US" altLang="ko-KR" sz="2400" b="1" spc="-150" dirty="0">
+                <a:ln>
+                  <a:solidFill>
+                    <a:schemeClr val="accent1">
+                      <a:shade val="50000"/>
+                      <a:alpha val="0"/>
+                    </a:schemeClr>
+                  </a:solidFill>
+                </a:ln>
+                <a:solidFill>
+                  <a:schemeClr val="accent5">
+                    <a:lumMod val="50000"/>
+                  </a:schemeClr>
+                </a:solidFill>
+                <a:latin typeface="S-Core Dream 3 Light" panose="020B0503030302020204" pitchFamily="34" charset="-127"/>
+                <a:ea typeface="S-Core Dream 3 Light" panose="020B0503030302020204" pitchFamily="34" charset="-127"/>
+              </a:rPr>
+              <a:t>Python</a:t>
+            </a:r>
+            <a:r>
+              <a:rPr lang="ko-KR" altLang="en-US" sz="2400" b="1" spc="-150" dirty="0" err="1">
+                <a:ln>
+                  <a:solidFill>
+                    <a:schemeClr val="accent1">
+                      <a:shade val="50000"/>
+                      <a:alpha val="0"/>
+                    </a:schemeClr>
+                  </a:solidFill>
+                </a:ln>
+                <a:solidFill>
+                  <a:schemeClr val="accent5">
+                    <a:lumMod val="50000"/>
+                  </a:schemeClr>
+                </a:solidFill>
+                <a:latin typeface="S-Core Dream 3 Light" panose="020B0503030302020204" pitchFamily="34" charset="-127"/>
+                <a:ea typeface="S-Core Dream 3 Light" panose="020B0503030302020204" pitchFamily="34" charset="-127"/>
+              </a:rPr>
+              <a:t>으로</a:t>
+            </a:r>
+            <a:r>
               <a:rPr lang="ko-KR" altLang="en-US" sz="2400" b="1" spc="-150" dirty="0">
                 <a:ln>
                   <a:solidFill>
@@ -20798,27 +20919,27 @@
                 <a:latin typeface="S-Core Dream 3 Light" panose="020B0503030302020204" pitchFamily="34" charset="-127"/>
                 <a:ea typeface="S-Core Dream 3 Light" panose="020B0503030302020204" pitchFamily="34" charset="-127"/>
               </a:rPr>
-              <a:t>학년이 </a:t>
-            </a:r>
-            <a:r>
-              <a:rPr lang="en-US" altLang="ko-KR" sz="2400" b="1" spc="-150" dirty="0">
-                <a:ln>
-                  <a:solidFill>
-                    <a:schemeClr val="accent1">
-                      <a:shade val="50000"/>
-                      <a:alpha val="0"/>
-                    </a:schemeClr>
-                  </a:solidFill>
-                </a:ln>
-                <a:solidFill>
-                  <a:schemeClr val="accent5">
-                    <a:lumMod val="50000"/>
-                  </a:schemeClr>
-                </a:solidFill>
-                <a:latin typeface="S-Core Dream 3 Light" panose="020B0503030302020204" pitchFamily="34" charset="-127"/>
-                <a:ea typeface="S-Core Dream 3 Light" panose="020B0503030302020204" pitchFamily="34" charset="-127"/>
-              </a:rPr>
-              <a:t>1</a:t>
+              <a:t> 접근이 가능하도록 하는 </a:t>
+            </a:r>
+            <a:r>
+              <a:rPr lang="en-US" altLang="ko-KR" sz="2400" b="1" spc="-150" dirty="0" err="1">
+                <a:ln>
+                  <a:solidFill>
+                    <a:schemeClr val="accent1">
+                      <a:shade val="50000"/>
+                      <a:alpha val="0"/>
+                    </a:schemeClr>
+                  </a:solidFill>
+                </a:ln>
+                <a:solidFill>
+                  <a:schemeClr val="accent5">
+                    <a:lumMod val="50000"/>
+                  </a:schemeClr>
+                </a:solidFill>
+                <a:latin typeface="S-Core Dream 3 Light" panose="020B0503030302020204" pitchFamily="34" charset="-127"/>
+                <a:ea typeface="S-Core Dream 3 Light" panose="020B0503030302020204" pitchFamily="34" charset="-127"/>
+              </a:rPr>
+              <a:t>pymysql</a:t>
             </a:r>
             <a:r>
               <a:rPr lang="ko-KR" altLang="en-US" sz="2400" b="1" spc="-150" dirty="0">
@@ -20838,87 +20959,7 @@
                 <a:latin typeface="S-Core Dream 3 Light" panose="020B0503030302020204" pitchFamily="34" charset="-127"/>
                 <a:ea typeface="S-Core Dream 3 Light" panose="020B0503030302020204" pitchFamily="34" charset="-127"/>
               </a:rPr>
-              <a:t>학년이면서</a:t>
-            </a:r>
-            <a:r>
-              <a:rPr lang="en-US" altLang="ko-KR" sz="2400" b="1" spc="-150" dirty="0">
-                <a:ln>
-                  <a:solidFill>
-                    <a:schemeClr val="accent1">
-                      <a:shade val="50000"/>
-                      <a:alpha val="0"/>
-                    </a:schemeClr>
-                  </a:solidFill>
-                </a:ln>
-                <a:solidFill>
-                  <a:schemeClr val="accent5">
-                    <a:lumMod val="50000"/>
-                  </a:schemeClr>
-                </a:solidFill>
-                <a:latin typeface="S-Core Dream 3 Light" panose="020B0503030302020204" pitchFamily="34" charset="-127"/>
-                <a:ea typeface="S-Core Dream 3 Light" panose="020B0503030302020204" pitchFamily="34" charset="-127"/>
-              </a:rPr>
-              <a:t>(AND) </a:t>
-            </a:r>
-            <a:r>
-              <a:rPr lang="ko-KR" altLang="en-US" sz="2400" b="1" spc="-150" dirty="0">
-                <a:ln>
-                  <a:solidFill>
-                    <a:schemeClr val="accent1">
-                      <a:shade val="50000"/>
-                      <a:alpha val="0"/>
-                    </a:schemeClr>
-                  </a:solidFill>
-                </a:ln>
-                <a:solidFill>
-                  <a:schemeClr val="accent5">
-                    <a:lumMod val="50000"/>
-                  </a:schemeClr>
-                </a:solidFill>
-                <a:latin typeface="S-Core Dream 3 Light" panose="020B0503030302020204" pitchFamily="34" charset="-127"/>
-                <a:ea typeface="S-Core Dream 3 Light" panose="020B0503030302020204" pitchFamily="34" charset="-127"/>
-              </a:rPr>
-              <a:t>이름이 </a:t>
-            </a:r>
-            <a:r>
-              <a:rPr lang="en-US" altLang="ko-KR" sz="2400" b="1" spc="-150" dirty="0" err="1">
-                <a:ln>
-                  <a:solidFill>
-                    <a:schemeClr val="accent1">
-                      <a:shade val="50000"/>
-                      <a:alpha val="0"/>
-                    </a:schemeClr>
-                  </a:solidFill>
-                </a:ln>
-                <a:solidFill>
-                  <a:schemeClr val="accent5">
-                    <a:lumMod val="50000"/>
-                  </a:schemeClr>
-                </a:solidFill>
-                <a:latin typeface="S-Core Dream 3 Light" panose="020B0503030302020204" pitchFamily="34" charset="-127"/>
-                <a:ea typeface="S-Core Dream 3 Light" panose="020B0503030302020204" pitchFamily="34" charset="-127"/>
-              </a:rPr>
-              <a:t>nancy</a:t>
-            </a:r>
-            <a:r>
-              <a:rPr lang="ko-KR" altLang="en-US" sz="2400" b="1" spc="-150" dirty="0">
-                <a:ln>
-                  <a:solidFill>
-                    <a:schemeClr val="accent1">
-                      <a:shade val="50000"/>
-                      <a:alpha val="0"/>
-                    </a:schemeClr>
-                  </a:solidFill>
-                </a:ln>
-                <a:solidFill>
-                  <a:schemeClr val="accent5">
-                    <a:lumMod val="50000"/>
-                  </a:schemeClr>
-                </a:solidFill>
-                <a:latin typeface="S-Core Dream 3 Light" panose="020B0503030302020204" pitchFamily="34" charset="-127"/>
-                <a:ea typeface="S-Core Dream 3 Light" panose="020B0503030302020204" pitchFamily="34" charset="-127"/>
-              </a:rPr>
-              <a:t>인 행을 </a:t>
+              <a:t> 모듈을</a:t>
             </a:r>
             <a:endParaRPr lang="en-US" altLang="ko-KR" sz="2400" b="1" spc="-150" dirty="0">
               <a:ln>
@@ -20957,7 +20998,7 @@
                 <a:latin typeface="S-Core Dream 3 Light" panose="020B0503030302020204" pitchFamily="34" charset="-127"/>
                 <a:ea typeface="S-Core Dream 3 Light" panose="020B0503030302020204" pitchFamily="34" charset="-127"/>
               </a:rPr>
-              <a:t>조회하고 싶을 때에는 아래와 같이 수행합니다</a:t>
+              <a:t>통해 데이터베이스를 제어 합니다</a:t>
             </a:r>
             <a:r>
               <a:rPr lang="en-US" altLang="ko-KR" sz="2400" b="1" spc="-150" dirty="0">
@@ -20999,135 +21040,12 @@
               <a:ea typeface="S-Core Dream 3 Light" panose="020B0503030302020204" pitchFamily="34" charset="-127"/>
             </a:endParaRPr>
           </a:p>
-          <a:p>
-            <a:r>
-              <a:rPr lang="en-US" altLang="ko-KR" sz="2400" b="1" spc="-150" dirty="0">
-                <a:ln>
-                  <a:solidFill>
-                    <a:schemeClr val="accent1">
-                      <a:shade val="50000"/>
-                      <a:alpha val="0"/>
-                    </a:schemeClr>
-                  </a:solidFill>
-                </a:ln>
-                <a:solidFill>
-                  <a:schemeClr val="accent5">
-                    <a:lumMod val="50000"/>
-                  </a:schemeClr>
-                </a:solidFill>
-                <a:latin typeface="S-Core Dream 3 Light" panose="020B0503030302020204" pitchFamily="34" charset="-127"/>
-                <a:ea typeface="S-Core Dream 3 Light" panose="020B0503030302020204" pitchFamily="34" charset="-127"/>
-              </a:rPr>
-              <a:t>SELECT * FROM Student</a:t>
-            </a:r>
-          </a:p>
-          <a:p>
-            <a:r>
-              <a:rPr lang="en-US" altLang="ko-KR" sz="2400" b="1" spc="-150" dirty="0">
-                <a:ln>
-                  <a:solidFill>
-                    <a:schemeClr val="accent1">
-                      <a:shade val="50000"/>
-                      <a:alpha val="0"/>
-                    </a:schemeClr>
-                  </a:solidFill>
-                </a:ln>
-                <a:solidFill>
-                  <a:schemeClr val="accent5">
-                    <a:lumMod val="50000"/>
-                  </a:schemeClr>
-                </a:solidFill>
-                <a:latin typeface="S-Core Dream 3 Light" panose="020B0503030302020204" pitchFamily="34" charset="-127"/>
-                <a:ea typeface="S-Core Dream 3 Light" panose="020B0503030302020204" pitchFamily="34" charset="-127"/>
-              </a:rPr>
-              <a:t>WHERE grade = 1 and name = ‘</a:t>
-            </a:r>
-            <a:r>
-              <a:rPr lang="en-US" altLang="ko-KR" sz="2400" b="1" spc="-150" dirty="0" err="1">
-                <a:ln>
-                  <a:solidFill>
-                    <a:schemeClr val="accent1">
-                      <a:shade val="50000"/>
-                      <a:alpha val="0"/>
-                    </a:schemeClr>
-                  </a:solidFill>
-                </a:ln>
-                <a:solidFill>
-                  <a:schemeClr val="accent5">
-                    <a:lumMod val="50000"/>
-                  </a:schemeClr>
-                </a:solidFill>
-                <a:latin typeface="S-Core Dream 3 Light" panose="020B0503030302020204" pitchFamily="34" charset="-127"/>
-                <a:ea typeface="S-Core Dream 3 Light" panose="020B0503030302020204" pitchFamily="34" charset="-127"/>
-              </a:rPr>
-              <a:t>nancy</a:t>
-            </a:r>
-            <a:r>
-              <a:rPr lang="en-US" altLang="ko-KR" sz="2400" b="1" spc="-150" dirty="0">
-                <a:ln>
-                  <a:solidFill>
-                    <a:schemeClr val="accent1">
-                      <a:shade val="50000"/>
-                      <a:alpha val="0"/>
-                    </a:schemeClr>
-                  </a:solidFill>
-                </a:ln>
-                <a:solidFill>
-                  <a:schemeClr val="accent5">
-                    <a:lumMod val="50000"/>
-                  </a:schemeClr>
-                </a:solidFill>
-                <a:latin typeface="S-Core Dream 3 Light" panose="020B0503030302020204" pitchFamily="34" charset="-127"/>
-                <a:ea typeface="S-Core Dream 3 Light" panose="020B0503030302020204" pitchFamily="34" charset="-127"/>
-              </a:rPr>
-              <a:t>’;</a:t>
-            </a:r>
-          </a:p>
-          <a:p>
-            <a:r>
-              <a:rPr lang="ko-KR" altLang="en-US" sz="2400" b="1" spc="-150" dirty="0">
-                <a:ln>
-                  <a:solidFill>
-                    <a:schemeClr val="accent1">
-                      <a:shade val="50000"/>
-                      <a:alpha val="0"/>
-                    </a:schemeClr>
-                  </a:solidFill>
-                </a:ln>
-                <a:solidFill>
-                  <a:schemeClr val="accent5">
-                    <a:lumMod val="50000"/>
-                  </a:schemeClr>
-                </a:solidFill>
-                <a:latin typeface="S-Core Dream 3 Light" panose="020B0503030302020204" pitchFamily="34" charset="-127"/>
-                <a:ea typeface="S-Core Dream 3 Light" panose="020B0503030302020204" pitchFamily="34" charset="-127"/>
-              </a:rPr>
-              <a:t> </a:t>
-            </a:r>
-            <a:endParaRPr lang="en-US" altLang="ko-KR" sz="2400" b="1" spc="-150" dirty="0">
-              <a:ln>
-                <a:solidFill>
-                  <a:schemeClr val="accent1">
-                    <a:shade val="50000"/>
-                    <a:alpha val="0"/>
-                  </a:schemeClr>
-                </a:solidFill>
-              </a:ln>
-              <a:solidFill>
-                <a:schemeClr val="accent5">
-                  <a:lumMod val="50000"/>
-                </a:schemeClr>
-              </a:solidFill>
-              <a:latin typeface="S-Core Dream 3 Light" panose="020B0503030302020204" pitchFamily="34" charset="-127"/>
-              <a:ea typeface="S-Core Dream 3 Light" panose="020B0503030302020204" pitchFamily="34" charset="-127"/>
-            </a:endParaRPr>
-          </a:p>
         </p:txBody>
       </p:sp>
     </p:spTree>
     <p:extLst>
       <p:ext uri="{BB962C8B-B14F-4D97-AF65-F5344CB8AC3E}">
-        <p14:creationId xmlns:p14="http://schemas.microsoft.com/office/powerpoint/2010/main" val="2021984826"/>
+        <p14:creationId xmlns:p14="http://schemas.microsoft.com/office/powerpoint/2010/main" val="1740702222"/>
       </p:ext>
     </p:extLst>
   </p:cSld>
@@ -21450,7 +21368,7 @@
         <p:spPr>
           <a:xfrm>
             <a:off x="1027523" y="2090172"/>
-            <a:ext cx="9366422" cy="4154984"/>
+            <a:ext cx="9366422" cy="1938992"/>
           </a:xfrm>
           <a:prstGeom prst="rect">
             <a:avLst/>
@@ -21601,8 +21519,65 @@
                 <a:latin typeface="S-Core Dream 5 Medium" panose="020B0503030302020204" pitchFamily="34" charset="-127"/>
                 <a:ea typeface="S-Core Dream 5 Medium" panose="020B0503030302020204" pitchFamily="34" charset="-127"/>
               </a:rPr>
-              <a:t>WHERE</a:t>
-            </a:r>
+              <a:t>Python</a:t>
+            </a:r>
+            <a:r>
+              <a:rPr lang="ko-KR" altLang="en-US" sz="2400" b="1" spc="-150" dirty="0" err="1">
+                <a:ln>
+                  <a:solidFill>
+                    <a:schemeClr val="accent1">
+                      <a:shade val="50000"/>
+                      <a:alpha val="0"/>
+                    </a:schemeClr>
+                  </a:solidFill>
+                </a:ln>
+                <a:solidFill>
+                  <a:schemeClr val="accent5">
+                    <a:lumMod val="50000"/>
+                  </a:schemeClr>
+                </a:solidFill>
+                <a:latin typeface="S-Core Dream 5 Medium" panose="020B0503030302020204" pitchFamily="34" charset="-127"/>
+                <a:ea typeface="S-Core Dream 5 Medium" panose="020B0503030302020204" pitchFamily="34" charset="-127"/>
+              </a:rPr>
+              <a:t>으로</a:t>
+            </a:r>
+            <a:r>
+              <a:rPr lang="ko-KR" altLang="en-US" sz="2400" b="1" spc="-150" dirty="0">
+                <a:ln>
+                  <a:solidFill>
+                    <a:schemeClr val="accent1">
+                      <a:shade val="50000"/>
+                      <a:alpha val="0"/>
+                    </a:schemeClr>
+                  </a:solidFill>
+                </a:ln>
+                <a:solidFill>
+                  <a:schemeClr val="accent5">
+                    <a:lumMod val="50000"/>
+                  </a:schemeClr>
+                </a:solidFill>
+                <a:latin typeface="S-Core Dream 5 Medium" panose="020B0503030302020204" pitchFamily="34" charset="-127"/>
+                <a:ea typeface="S-Core Dream 5 Medium" panose="020B0503030302020204" pitchFamily="34" charset="-127"/>
+              </a:rPr>
+              <a:t> 데이터베이스 사용하기</a:t>
+            </a:r>
+            <a:endParaRPr lang="en-US" altLang="ko-KR" sz="2400" b="1" spc="-150" dirty="0">
+              <a:ln>
+                <a:solidFill>
+                  <a:schemeClr val="accent1">
+                    <a:shade val="50000"/>
+                    <a:alpha val="0"/>
+                  </a:schemeClr>
+                </a:solidFill>
+              </a:ln>
+              <a:solidFill>
+                <a:schemeClr val="accent5">
+                  <a:lumMod val="50000"/>
+                </a:schemeClr>
+              </a:solidFill>
+              <a:latin typeface="S-Core Dream 5 Medium" panose="020B0503030302020204" pitchFamily="34" charset="-127"/>
+              <a:ea typeface="S-Core Dream 5 Medium" panose="020B0503030302020204" pitchFamily="34" charset="-127"/>
+            </a:endParaRPr>
           </a:p>
           <a:p>
             <a:endParaRPr lang="en-US" altLang="ko-KR" sz="2400" b="1" spc="-150" dirty="0">
@@ -21624,6 +21599,86 @@
             </a:endParaRPr>
           </a:p>
           <a:p>
+            <a:r>
+              <a:rPr lang="en-US" altLang="ko-KR" sz="2400" b="1" spc="-150" dirty="0" err="1">
+                <a:ln>
+                  <a:solidFill>
+                    <a:schemeClr val="accent1">
+                      <a:shade val="50000"/>
+                      <a:alpha val="0"/>
+                    </a:schemeClr>
+                  </a:solidFill>
+                </a:ln>
+                <a:solidFill>
+                  <a:schemeClr val="accent5">
+                    <a:lumMod val="50000"/>
+                  </a:schemeClr>
+                </a:solidFill>
+                <a:latin typeface="S-Core Dream 3 Light" panose="020B0503030302020204" pitchFamily="34" charset="-127"/>
+                <a:ea typeface="S-Core Dream 3 Light" panose="020B0503030302020204" pitchFamily="34" charset="-127"/>
+              </a:rPr>
+              <a:t>Pymysql</a:t>
+            </a:r>
+            <a:r>
+              <a:rPr lang="ko-KR" altLang="en-US" sz="2400" b="1" spc="-150" dirty="0">
+                <a:ln>
+                  <a:solidFill>
+                    <a:schemeClr val="accent1">
+                      <a:shade val="50000"/>
+                      <a:alpha val="0"/>
+                    </a:schemeClr>
+                  </a:solidFill>
+                </a:ln>
+                <a:solidFill>
+                  <a:schemeClr val="accent5">
+                    <a:lumMod val="50000"/>
+                  </a:schemeClr>
+                </a:solidFill>
+                <a:latin typeface="S-Core Dream 3 Light" panose="020B0503030302020204" pitchFamily="34" charset="-127"/>
+                <a:ea typeface="S-Core Dream 3 Light" panose="020B0503030302020204" pitchFamily="34" charset="-127"/>
+              </a:rPr>
+              <a:t> 설치</a:t>
+            </a:r>
+            <a:r>
+              <a:rPr lang="en-US" altLang="ko-KR" sz="2400" b="1" spc="-150" dirty="0">
+                <a:ln>
+                  <a:solidFill>
+                    <a:schemeClr val="accent1">
+                      <a:shade val="50000"/>
+                      <a:alpha val="0"/>
+                    </a:schemeClr>
+                  </a:solidFill>
+                </a:ln>
+                <a:solidFill>
+                  <a:schemeClr val="accent5">
+                    <a:lumMod val="50000"/>
+                  </a:schemeClr>
+                </a:solidFill>
+                <a:latin typeface="S-Core Dream 3 Light" panose="020B0503030302020204" pitchFamily="34" charset="-127"/>
+                <a:ea typeface="S-Core Dream 3 Light" panose="020B0503030302020204" pitchFamily="34" charset="-127"/>
+              </a:rPr>
+              <a:t> </a:t>
+            </a:r>
+            <a:r>
+              <a:rPr lang="ko-KR" altLang="en-US" sz="2400" b="1" spc="-150" dirty="0">
+                <a:ln>
+                  <a:solidFill>
+                    <a:schemeClr val="accent1">
+                      <a:shade val="50000"/>
+                      <a:alpha val="0"/>
+                    </a:schemeClr>
+                  </a:solidFill>
+                </a:ln>
+                <a:solidFill>
+                  <a:schemeClr val="accent5">
+                    <a:lumMod val="50000"/>
+                  </a:schemeClr>
+                </a:solidFill>
+                <a:latin typeface="S-Core Dream 3 Light" panose="020B0503030302020204" pitchFamily="34" charset="-127"/>
+                <a:ea typeface="S-Core Dream 3 Light" panose="020B0503030302020204" pitchFamily="34" charset="-127"/>
+              </a:rPr>
+              <a:t>하기</a:t>
+            </a:r>
             <a:endParaRPr lang="en-US" altLang="ko-KR" sz="2400" b="1" spc="-150" dirty="0">
               <a:ln>
                 <a:solidFill>
@@ -21643,48 +21698,6 @@
             </a:endParaRPr>
           </a:p>
           <a:p>
-            <a:r>
-              <a:rPr lang="ko-KR" altLang="en-US" sz="2400" b="1" spc="-150" dirty="0">
-                <a:ln>
-                  <a:solidFill>
-                    <a:schemeClr val="accent1">
-                      <a:shade val="50000"/>
-                      <a:alpha val="0"/>
-                    </a:schemeClr>
-                  </a:solidFill>
-                </a:ln>
-                <a:solidFill>
-                  <a:schemeClr val="accent5">
-                    <a:lumMod val="50000"/>
-                  </a:schemeClr>
-                </a:solidFill>
-                <a:latin typeface="S-Core Dream 3 Light" panose="020B0503030302020204" pitchFamily="34" charset="-127"/>
-                <a:ea typeface="S-Core Dream 3 Light" panose="020B0503030302020204" pitchFamily="34" charset="-127"/>
-              </a:rPr>
-              <a:t>또한 여러가지 조건을 중첩하여 사용할 수도 있습니다</a:t>
-            </a:r>
-            <a:r>
-              <a:rPr lang="en-US" altLang="ko-KR" sz="2400" b="1" spc="-150" dirty="0">
-                <a:ln>
-                  <a:solidFill>
-                    <a:schemeClr val="accent1">
-                      <a:shade val="50000"/>
-                      <a:alpha val="0"/>
-                    </a:schemeClr>
-                  </a:solidFill>
-                </a:ln>
-                <a:solidFill>
-                  <a:schemeClr val="accent5">
-                    <a:lumMod val="50000"/>
-                  </a:schemeClr>
-                </a:solidFill>
-                <a:latin typeface="S-Core Dream 3 Light" panose="020B0503030302020204" pitchFamily="34" charset="-127"/>
-                <a:ea typeface="S-Core Dream 3 Light" panose="020B0503030302020204" pitchFamily="34" charset="-127"/>
-              </a:rPr>
-              <a:t>.</a:t>
-            </a:r>
-          </a:p>
-          <a:p>
             <a:endParaRPr lang="en-US" altLang="ko-KR" sz="2400" b="1" spc="-150" dirty="0">
               <a:ln>
                 <a:solidFill>
@@ -21704,146 +21717,6 @@
             </a:endParaRPr>
           </a:p>
           <a:p>
-            <a:r>
-              <a:rPr lang="ko-KR" altLang="en-US" sz="2400" b="1" spc="-150" dirty="0">
-                <a:ln>
-                  <a:solidFill>
-                    <a:schemeClr val="accent1">
-                      <a:shade val="50000"/>
-                      <a:alpha val="0"/>
-                    </a:schemeClr>
-                  </a:solidFill>
-                </a:ln>
-                <a:solidFill>
-                  <a:schemeClr val="accent5">
-                    <a:lumMod val="50000"/>
-                  </a:schemeClr>
-                </a:solidFill>
-                <a:latin typeface="S-Core Dream 3 Light" panose="020B0503030302020204" pitchFamily="34" charset="-127"/>
-                <a:ea typeface="S-Core Dream 3 Light" panose="020B0503030302020204" pitchFamily="34" charset="-127"/>
-              </a:rPr>
-              <a:t>학년이 </a:t>
-            </a:r>
-            <a:r>
-              <a:rPr lang="en-US" altLang="ko-KR" sz="2400" b="1" spc="-150" dirty="0">
-                <a:ln>
-                  <a:solidFill>
-                    <a:schemeClr val="accent1">
-                      <a:shade val="50000"/>
-                      <a:alpha val="0"/>
-                    </a:schemeClr>
-                  </a:solidFill>
-                </a:ln>
-                <a:solidFill>
-                  <a:schemeClr val="accent5">
-                    <a:lumMod val="50000"/>
-                  </a:schemeClr>
-                </a:solidFill>
-                <a:latin typeface="S-Core Dream 3 Light" panose="020B0503030302020204" pitchFamily="34" charset="-127"/>
-                <a:ea typeface="S-Core Dream 3 Light" panose="020B0503030302020204" pitchFamily="34" charset="-127"/>
-              </a:rPr>
-              <a:t>1</a:t>
-            </a:r>
-            <a:r>
-              <a:rPr lang="ko-KR" altLang="en-US" sz="2400" b="1" spc="-150" dirty="0">
-                <a:ln>
-                  <a:solidFill>
-                    <a:schemeClr val="accent1">
-                      <a:shade val="50000"/>
-                      <a:alpha val="0"/>
-                    </a:schemeClr>
-                  </a:solidFill>
-                </a:ln>
-                <a:solidFill>
-                  <a:schemeClr val="accent5">
-                    <a:lumMod val="50000"/>
-                  </a:schemeClr>
-                </a:solidFill>
-                <a:latin typeface="S-Core Dream 3 Light" panose="020B0503030302020204" pitchFamily="34" charset="-127"/>
-                <a:ea typeface="S-Core Dream 3 Light" panose="020B0503030302020204" pitchFamily="34" charset="-127"/>
-              </a:rPr>
-              <a:t>학년이거나</a:t>
-            </a:r>
-            <a:r>
-              <a:rPr lang="en-US" altLang="ko-KR" sz="2400" b="1" spc="-150" dirty="0">
-                <a:ln>
-                  <a:solidFill>
-                    <a:schemeClr val="accent1">
-                      <a:shade val="50000"/>
-                      <a:alpha val="0"/>
-                    </a:schemeClr>
-                  </a:solidFill>
-                </a:ln>
-                <a:solidFill>
-                  <a:schemeClr val="accent5">
-                    <a:lumMod val="50000"/>
-                  </a:schemeClr>
-                </a:solidFill>
-                <a:latin typeface="S-Core Dream 3 Light" panose="020B0503030302020204" pitchFamily="34" charset="-127"/>
-                <a:ea typeface="S-Core Dream 3 Light" panose="020B0503030302020204" pitchFamily="34" charset="-127"/>
-              </a:rPr>
-              <a:t>(OR) </a:t>
-            </a:r>
-            <a:r>
-              <a:rPr lang="ko-KR" altLang="en-US" sz="2400" b="1" spc="-150" dirty="0">
-                <a:ln>
-                  <a:solidFill>
-                    <a:schemeClr val="accent1">
-                      <a:shade val="50000"/>
-                      <a:alpha val="0"/>
-                    </a:schemeClr>
-                  </a:solidFill>
-                </a:ln>
-                <a:solidFill>
-                  <a:schemeClr val="accent5">
-                    <a:lumMod val="50000"/>
-                  </a:schemeClr>
-                </a:solidFill>
-                <a:latin typeface="S-Core Dream 3 Light" panose="020B0503030302020204" pitchFamily="34" charset="-127"/>
-                <a:ea typeface="S-Core Dream 3 Light" panose="020B0503030302020204" pitchFamily="34" charset="-127"/>
-              </a:rPr>
-              <a:t>이름이 </a:t>
-            </a:r>
-            <a:r>
-              <a:rPr lang="en-US" altLang="ko-KR" sz="2400" b="1" spc="-150" dirty="0">
-                <a:ln>
-                  <a:solidFill>
-                    <a:schemeClr val="accent1">
-                      <a:shade val="50000"/>
-                      <a:alpha val="0"/>
-                    </a:schemeClr>
-                  </a:solidFill>
-                </a:ln>
-                <a:solidFill>
-                  <a:schemeClr val="accent5">
-                    <a:lumMod val="50000"/>
-                  </a:schemeClr>
-                </a:solidFill>
-                <a:latin typeface="S-Core Dream 3 Light" panose="020B0503030302020204" pitchFamily="34" charset="-127"/>
-                <a:ea typeface="S-Core Dream 3 Light" panose="020B0503030302020204" pitchFamily="34" charset="-127"/>
-              </a:rPr>
-              <a:t>louis</a:t>
-            </a:r>
-            <a:r>
-              <a:rPr lang="ko-KR" altLang="en-US" sz="2400" b="1" spc="-150" dirty="0">
-                <a:ln>
-                  <a:solidFill>
-                    <a:schemeClr val="accent1">
-                      <a:shade val="50000"/>
-                      <a:alpha val="0"/>
-                    </a:schemeClr>
-                  </a:solidFill>
-                </a:ln>
-                <a:solidFill>
-                  <a:schemeClr val="accent5">
-                    <a:lumMod val="50000"/>
-                  </a:schemeClr>
-                </a:solidFill>
-                <a:latin typeface="S-Core Dream 3 Light" panose="020B0503030302020204" pitchFamily="34" charset="-127"/>
-                <a:ea typeface="S-Core Dream 3 Light" panose="020B0503030302020204" pitchFamily="34" charset="-127"/>
-              </a:rPr>
-              <a:t>인 행을 </a:t>
-            </a:r>
             <a:endParaRPr lang="en-US" altLang="ko-KR" sz="2400" b="1" spc="-150" dirty="0">
               <a:ln>
                 <a:solidFill>
@@ -21862,156 +21735,42 @@
               <a:ea typeface="S-Core Dream 3 Light" panose="020B0503030302020204" pitchFamily="34" charset="-127"/>
             </a:endParaRPr>
           </a:p>
-          <a:p>
-            <a:r>
-              <a:rPr lang="ko-KR" altLang="en-US" sz="2400" b="1" spc="-150" dirty="0">
-                <a:ln>
-                  <a:solidFill>
-                    <a:schemeClr val="accent1">
-                      <a:shade val="50000"/>
-                      <a:alpha val="0"/>
-                    </a:schemeClr>
-                  </a:solidFill>
-                </a:ln>
-                <a:solidFill>
-                  <a:schemeClr val="accent5">
-                    <a:lumMod val="50000"/>
-                  </a:schemeClr>
-                </a:solidFill>
-                <a:latin typeface="S-Core Dream 3 Light" panose="020B0503030302020204" pitchFamily="34" charset="-127"/>
-                <a:ea typeface="S-Core Dream 3 Light" panose="020B0503030302020204" pitchFamily="34" charset="-127"/>
-              </a:rPr>
-              <a:t>조회하고 싶을 때에는 아래와 같이 수행합니다</a:t>
-            </a:r>
-            <a:r>
-              <a:rPr lang="en-US" altLang="ko-KR" sz="2400" b="1" spc="-150" dirty="0">
-                <a:ln>
-                  <a:solidFill>
-                    <a:schemeClr val="accent1">
-                      <a:shade val="50000"/>
-                      <a:alpha val="0"/>
-                    </a:schemeClr>
-                  </a:solidFill>
-                </a:ln>
-                <a:solidFill>
-                  <a:schemeClr val="accent5">
-                    <a:lumMod val="50000"/>
-                  </a:schemeClr>
-                </a:solidFill>
-                <a:latin typeface="S-Core Dream 3 Light" panose="020B0503030302020204" pitchFamily="34" charset="-127"/>
-                <a:ea typeface="S-Core Dream 3 Light" panose="020B0503030302020204" pitchFamily="34" charset="-127"/>
-              </a:rPr>
-              <a:t>.</a:t>
-            </a:r>
-          </a:p>
-          <a:p>
-            <a:endParaRPr lang="en-US" altLang="ko-KR" sz="2400" b="1" spc="-150" dirty="0">
-              <a:ln>
-                <a:solidFill>
-                  <a:schemeClr val="accent1">
-                    <a:shade val="50000"/>
-                    <a:alpha val="0"/>
-                  </a:schemeClr>
-                </a:solidFill>
-              </a:ln>
-              <a:solidFill>
-                <a:schemeClr val="accent5">
-                  <a:lumMod val="50000"/>
-                </a:schemeClr>
-              </a:solidFill>
-              <a:latin typeface="S-Core Dream 3 Light" panose="020B0503030302020204" pitchFamily="34" charset="-127"/>
-              <a:ea typeface="S-Core Dream 3 Light" panose="020B0503030302020204" pitchFamily="34" charset="-127"/>
-            </a:endParaRPr>
-          </a:p>
-          <a:p>
-            <a:r>
-              <a:rPr lang="en-US" altLang="ko-KR" sz="2400" b="1" spc="-150" dirty="0">
-                <a:ln>
-                  <a:solidFill>
-                    <a:schemeClr val="accent1">
-                      <a:shade val="50000"/>
-                      <a:alpha val="0"/>
-                    </a:schemeClr>
-                  </a:solidFill>
-                </a:ln>
-                <a:solidFill>
-                  <a:schemeClr val="accent5">
-                    <a:lumMod val="50000"/>
-                  </a:schemeClr>
-                </a:solidFill>
-                <a:latin typeface="S-Core Dream 3 Light" panose="020B0503030302020204" pitchFamily="34" charset="-127"/>
-                <a:ea typeface="S-Core Dream 3 Light" panose="020B0503030302020204" pitchFamily="34" charset="-127"/>
-              </a:rPr>
-              <a:t>SELECT * FROM Student</a:t>
-            </a:r>
-          </a:p>
-          <a:p>
-            <a:r>
-              <a:rPr lang="en-US" altLang="ko-KR" sz="2400" b="1" spc="-150" dirty="0">
-                <a:ln>
-                  <a:solidFill>
-                    <a:schemeClr val="accent1">
-                      <a:shade val="50000"/>
-                      <a:alpha val="0"/>
-                    </a:schemeClr>
-                  </a:solidFill>
-                </a:ln>
-                <a:solidFill>
-                  <a:schemeClr val="accent5">
-                    <a:lumMod val="50000"/>
-                  </a:schemeClr>
-                </a:solidFill>
-                <a:latin typeface="S-Core Dream 3 Light" panose="020B0503030302020204" pitchFamily="34" charset="-127"/>
-                <a:ea typeface="S-Core Dream 3 Light" panose="020B0503030302020204" pitchFamily="34" charset="-127"/>
-              </a:rPr>
-              <a:t>WHERE grade = 1 or name = ‘louis’;</a:t>
-            </a:r>
-          </a:p>
-          <a:p>
-            <a:r>
-              <a:rPr lang="ko-KR" altLang="en-US" sz="2400" b="1" spc="-150" dirty="0">
-                <a:ln>
-                  <a:solidFill>
-                    <a:schemeClr val="accent1">
-                      <a:shade val="50000"/>
-                      <a:alpha val="0"/>
-                    </a:schemeClr>
-                  </a:solidFill>
-                </a:ln>
-                <a:solidFill>
-                  <a:schemeClr val="accent5">
-                    <a:lumMod val="50000"/>
-                  </a:schemeClr>
-                </a:solidFill>
-                <a:latin typeface="S-Core Dream 3 Light" panose="020B0503030302020204" pitchFamily="34" charset="-127"/>
-                <a:ea typeface="S-Core Dream 3 Light" panose="020B0503030302020204" pitchFamily="34" charset="-127"/>
-              </a:rPr>
-              <a:t> </a:t>
-            </a:r>
-            <a:endParaRPr lang="en-US" altLang="ko-KR" sz="2400" b="1" spc="-150" dirty="0">
-              <a:ln>
-                <a:solidFill>
-                  <a:schemeClr val="accent1">
-                    <a:shade val="50000"/>
-                    <a:alpha val="0"/>
-                  </a:schemeClr>
-                </a:solidFill>
-              </a:ln>
-              <a:solidFill>
-                <a:schemeClr val="accent5">
-                  <a:lumMod val="50000"/>
-                </a:schemeClr>
-              </a:solidFill>
-              <a:latin typeface="S-Core Dream 3 Light" panose="020B0503030302020204" pitchFamily="34" charset="-127"/>
-              <a:ea typeface="S-Core Dream 3 Light" panose="020B0503030302020204" pitchFamily="34" charset="-127"/>
-            </a:endParaRPr>
-          </a:p>
         </p:txBody>
       </p:sp>
+      <p:pic>
+        <p:nvPicPr>
+          <p:cNvPr id="6" name="그림 5">
+            <a:extLst>
+              <a:ext uri="{FF2B5EF4-FFF2-40B4-BE49-F238E27FC236}">
+                <a16:creationId xmlns:a16="http://schemas.microsoft.com/office/drawing/2014/main" id="{9977B313-CAA2-A166-26EE-7F1AD77DC0F2}"/>
+              </a:ext>
+            </a:extLst>
+          </p:cNvPr>
+          <p:cNvPicPr>
+            <a:picLocks noChangeAspect="1"/>
+          </p:cNvPicPr>
+          <p:nvPr/>
+        </p:nvPicPr>
+        <p:blipFill>
+          <a:blip r:embed="rId2"/>
+          <a:stretch>
+            <a:fillRect/>
+          </a:stretch>
+        </p:blipFill>
+        <p:spPr>
+          <a:xfrm>
+            <a:off x="1027523" y="3429000"/>
+            <a:ext cx="5727700" cy="1346200"/>
+          </a:xfrm>
+          <a:prstGeom prst="rect">
+            <a:avLst/>
+          </a:prstGeom>
+        </p:spPr>
+      </p:pic>
     </p:spTree>
     <p:extLst>
       <p:ext uri="{BB962C8B-B14F-4D97-AF65-F5344CB8AC3E}">
-        <p14:creationId xmlns:p14="http://schemas.microsoft.com/office/powerpoint/2010/main" val="267092517"/>
+        <p14:creationId xmlns:p14="http://schemas.microsoft.com/office/powerpoint/2010/main" val="1084288023"/>
       </p:ext>
     </p:extLst>
   </p:cSld>
@@ -22566,6 +22325,26 @@
           </a:p>
           <a:p>
             <a:r>
+              <a:rPr lang="en-US" altLang="ko-KR" sz="2400" b="1" spc="-150" dirty="0" err="1">
+                <a:ln>
+                  <a:solidFill>
+                    <a:schemeClr val="accent1">
+                      <a:shade val="50000"/>
+                      <a:alpha val="0"/>
+                    </a:schemeClr>
+                  </a:solidFill>
+                </a:ln>
+                <a:solidFill>
+                  <a:schemeClr val="accent5">
+                    <a:lumMod val="50000"/>
+                  </a:schemeClr>
+                </a:solidFill>
+                <a:latin typeface="S-Core Dream 3 Light" panose="020B0503030302020204" pitchFamily="34" charset="-127"/>
+                <a:ea typeface="S-Core Dream 3 Light" panose="020B0503030302020204" pitchFamily="34" charset="-127"/>
+              </a:rPr>
+              <a:t>Mysql</a:t>
+            </a:r>
+            <a:r>
               <a:rPr lang="ko-KR" altLang="en-US" sz="2400" b="1" spc="-150" dirty="0">
                 <a:ln>
                   <a:solidFill>
@@ -22583,7 +22362,7 @@
                 <a:latin typeface="S-Core Dream 3 Light" panose="020B0503030302020204" pitchFamily="34" charset="-127"/>
                 <a:ea typeface="S-Core Dream 3 Light" panose="020B0503030302020204" pitchFamily="34" charset="-127"/>
               </a:rPr>
-              <a:t>데이터베이스는 여러가지 종류가 있으며</a:t>
+              <a:t> 접속 하기</a:t>
             </a:r>
             <a:endParaRPr lang="en-US" altLang="ko-KR" sz="2400" b="1" spc="-150" dirty="0">
               <a:ln>
@@ -22604,48 +22383,6 @@
             </a:endParaRPr>
           </a:p>
           <a:p>
-            <a:r>
-              <a:rPr lang="ko-KR" altLang="en-US" sz="2400" b="1" spc="-150" dirty="0">
-                <a:ln>
-                  <a:solidFill>
-                    <a:schemeClr val="accent1">
-                      <a:shade val="50000"/>
-                      <a:alpha val="0"/>
-                    </a:schemeClr>
-                  </a:solidFill>
-                </a:ln>
-                <a:solidFill>
-                  <a:schemeClr val="accent5">
-                    <a:lumMod val="50000"/>
-                  </a:schemeClr>
-                </a:solidFill>
-                <a:latin typeface="S-Core Dream 3 Light" panose="020B0503030302020204" pitchFamily="34" charset="-127"/>
-                <a:ea typeface="S-Core Dream 3 Light" panose="020B0503030302020204" pitchFamily="34" charset="-127"/>
-              </a:rPr>
-              <a:t>여러가지 방법으로 사용할 수 있습니다</a:t>
-            </a:r>
-            <a:r>
-              <a:rPr lang="en-US" altLang="ko-KR" sz="2400" b="1" spc="-150" dirty="0">
-                <a:ln>
-                  <a:solidFill>
-                    <a:schemeClr val="accent1">
-                      <a:shade val="50000"/>
-                      <a:alpha val="0"/>
-                    </a:schemeClr>
-                  </a:solidFill>
-                </a:ln>
-                <a:solidFill>
-                  <a:schemeClr val="accent5">
-                    <a:lumMod val="50000"/>
-                  </a:schemeClr>
-                </a:solidFill>
-                <a:latin typeface="S-Core Dream 3 Light" panose="020B0503030302020204" pitchFamily="34" charset="-127"/>
-                <a:ea typeface="S-Core Dream 3 Light" panose="020B0503030302020204" pitchFamily="34" charset="-127"/>
-              </a:rPr>
-              <a:t>.</a:t>
-            </a:r>
-          </a:p>
-          <a:p>
             <a:endParaRPr lang="en-US" altLang="ko-KR" sz="2400" b="1" spc="-150" dirty="0">
               <a:ln>
                 <a:solidFill>
@@ -22665,148 +22402,6 @@
             </a:endParaRPr>
           </a:p>
           <a:p>
-            <a:r>
-              <a:rPr lang="ko-KR" altLang="en-US" sz="2400" b="1" spc="-150" dirty="0">
-                <a:ln>
-                  <a:solidFill>
-                    <a:schemeClr val="accent1">
-                      <a:shade val="50000"/>
-                      <a:alpha val="0"/>
-                    </a:schemeClr>
-                  </a:solidFill>
-                </a:ln>
-                <a:solidFill>
-                  <a:schemeClr val="accent5">
-                    <a:lumMod val="50000"/>
-                  </a:schemeClr>
-                </a:solidFill>
-                <a:latin typeface="S-Core Dream 3 Light" panose="020B0503030302020204" pitchFamily="34" charset="-127"/>
-                <a:ea typeface="S-Core Dream 3 Light" panose="020B0503030302020204" pitchFamily="34" charset="-127"/>
-              </a:rPr>
-              <a:t>기본적인 </a:t>
-            </a:r>
-            <a:r>
-              <a:rPr lang="en-US" altLang="ko-KR" sz="2400" b="1" spc="-150" dirty="0">
-                <a:ln>
-                  <a:solidFill>
-                    <a:schemeClr val="accent1">
-                      <a:shade val="50000"/>
-                      <a:alpha val="0"/>
-                    </a:schemeClr>
-                  </a:solidFill>
-                </a:ln>
-                <a:solidFill>
-                  <a:schemeClr val="accent5">
-                    <a:lumMod val="50000"/>
-                  </a:schemeClr>
-                </a:solidFill>
-                <a:latin typeface="S-Core Dream 3 Light" panose="020B0503030302020204" pitchFamily="34" charset="-127"/>
-                <a:ea typeface="S-Core Dream 3 Light" panose="020B0503030302020204" pitchFamily="34" charset="-127"/>
-              </a:rPr>
-              <a:t>SQL</a:t>
-            </a:r>
-            <a:r>
-              <a:rPr lang="ko-KR" altLang="en-US" sz="2400" b="1" spc="-150" dirty="0">
-                <a:ln>
-                  <a:solidFill>
-                    <a:schemeClr val="accent1">
-                      <a:shade val="50000"/>
-                      <a:alpha val="0"/>
-                    </a:schemeClr>
-                  </a:solidFill>
-                </a:ln>
-                <a:solidFill>
-                  <a:schemeClr val="accent5">
-                    <a:lumMod val="50000"/>
-                  </a:schemeClr>
-                </a:solidFill>
-                <a:latin typeface="S-Core Dream 3 Light" panose="020B0503030302020204" pitchFamily="34" charset="-127"/>
-                <a:ea typeface="S-Core Dream 3 Light" panose="020B0503030302020204" pitchFamily="34" charset="-127"/>
-              </a:rPr>
-              <a:t>에 대해 알아보기 위해 </a:t>
-            </a:r>
-            <a:r>
-              <a:rPr lang="en-US" altLang="ko-KR" sz="2400" b="1" spc="-150" dirty="0">
-                <a:ln>
-                  <a:solidFill>
-                    <a:schemeClr val="accent1">
-                      <a:shade val="50000"/>
-                      <a:alpha val="0"/>
-                    </a:schemeClr>
-                  </a:solidFill>
-                </a:ln>
-                <a:solidFill>
-                  <a:schemeClr val="accent5">
-                    <a:lumMod val="50000"/>
-                  </a:schemeClr>
-                </a:solidFill>
-                <a:latin typeface="S-Core Dream 3 Light" panose="020B0503030302020204" pitchFamily="34" charset="-127"/>
-                <a:ea typeface="S-Core Dream 3 Light" panose="020B0503030302020204" pitchFamily="34" charset="-127"/>
-              </a:rPr>
-              <a:t>Sqlite3</a:t>
-            </a:r>
-            <a:r>
-              <a:rPr lang="ko-KR" altLang="en-US" sz="2400" b="1" spc="-150" dirty="0" err="1">
-                <a:ln>
-                  <a:solidFill>
-                    <a:schemeClr val="accent1">
-                      <a:shade val="50000"/>
-                      <a:alpha val="0"/>
-                    </a:schemeClr>
-                  </a:solidFill>
-                </a:ln>
-                <a:solidFill>
-                  <a:schemeClr val="accent5">
-                    <a:lumMod val="50000"/>
-                  </a:schemeClr>
-                </a:solidFill>
-                <a:latin typeface="S-Core Dream 3 Light" panose="020B0503030302020204" pitchFamily="34" charset="-127"/>
-                <a:ea typeface="S-Core Dream 3 Light" panose="020B0503030302020204" pitchFamily="34" charset="-127"/>
-              </a:rPr>
-              <a:t>를</a:t>
-            </a:r>
-            <a:r>
-              <a:rPr lang="ko-KR" altLang="en-US" sz="2400" b="1" spc="-150" dirty="0">
-                <a:ln>
-                  <a:solidFill>
-                    <a:schemeClr val="accent1">
-                      <a:shade val="50000"/>
-                      <a:alpha val="0"/>
-                    </a:schemeClr>
-                  </a:solidFill>
-                </a:ln>
-                <a:solidFill>
-                  <a:schemeClr val="accent5">
-                    <a:lumMod val="50000"/>
-                  </a:schemeClr>
-                </a:solidFill>
-                <a:latin typeface="S-Core Dream 3 Light" panose="020B0503030302020204" pitchFamily="34" charset="-127"/>
-                <a:ea typeface="S-Core Dream 3 Light" panose="020B0503030302020204" pitchFamily="34" charset="-127"/>
-              </a:rPr>
-              <a:t> 사용했습니다</a:t>
-            </a:r>
-            <a:r>
-              <a:rPr lang="en-US" altLang="ko-KR" sz="2400" b="1" spc="-150" dirty="0">
-                <a:ln>
-                  <a:solidFill>
-                    <a:schemeClr val="accent1">
-                      <a:shade val="50000"/>
-                      <a:alpha val="0"/>
-                    </a:schemeClr>
-                  </a:solidFill>
-                </a:ln>
-                <a:solidFill>
-                  <a:schemeClr val="accent5">
-                    <a:lumMod val="50000"/>
-                  </a:schemeClr>
-                </a:solidFill>
-                <a:latin typeface="S-Core Dream 3 Light" panose="020B0503030302020204" pitchFamily="34" charset="-127"/>
-                <a:ea typeface="S-Core Dream 3 Light" panose="020B0503030302020204" pitchFamily="34" charset="-127"/>
-              </a:rPr>
-              <a:t>.</a:t>
-            </a:r>
-          </a:p>
-          <a:p>
             <a:endParaRPr lang="en-US" altLang="ko-KR" sz="2400" b="1" spc="-150" dirty="0">
               <a:ln>
                 <a:solidFill>
@@ -22825,12 +22420,80 @@
               <a:ea typeface="S-Core Dream 3 Light" panose="020B0503030302020204" pitchFamily="34" charset="-127"/>
             </a:endParaRPr>
           </a:p>
+          <a:p>
+            <a:endParaRPr lang="en-US" altLang="ko-KR" sz="2400" b="1" spc="-150" dirty="0">
+              <a:ln>
+                <a:solidFill>
+                  <a:schemeClr val="accent1">
+                    <a:shade val="50000"/>
+                    <a:alpha val="0"/>
+                  </a:schemeClr>
+                </a:solidFill>
+              </a:ln>
+              <a:solidFill>
+                <a:schemeClr val="accent5">
+                  <a:lumMod val="50000"/>
+                </a:schemeClr>
+              </a:solidFill>
+              <a:latin typeface="S-Core Dream 3 Light" panose="020B0503030302020204" pitchFamily="34" charset="-127"/>
+              <a:ea typeface="S-Core Dream 3 Light" panose="020B0503030302020204" pitchFamily="34" charset="-127"/>
+            </a:endParaRPr>
+          </a:p>
+          <a:p>
+            <a:endParaRPr lang="en-US" altLang="ko-KR" sz="2400" b="1" spc="-150" dirty="0">
+              <a:ln>
+                <a:solidFill>
+                  <a:schemeClr val="accent1">
+                    <a:shade val="50000"/>
+                    <a:alpha val="0"/>
+                  </a:schemeClr>
+                </a:solidFill>
+              </a:ln>
+              <a:solidFill>
+                <a:schemeClr val="accent5">
+                  <a:lumMod val="50000"/>
+                </a:schemeClr>
+              </a:solidFill>
+              <a:latin typeface="S-Core Dream 3 Light" panose="020B0503030302020204" pitchFamily="34" charset="-127"/>
+              <a:ea typeface="S-Core Dream 3 Light" panose="020B0503030302020204" pitchFamily="34" charset="-127"/>
+            </a:endParaRPr>
+          </a:p>
         </p:txBody>
       </p:sp>
+      <p:pic>
+        <p:nvPicPr>
+          <p:cNvPr id="7" name="그림 6">
+            <a:extLst>
+              <a:ext uri="{FF2B5EF4-FFF2-40B4-BE49-F238E27FC236}">
+                <a16:creationId xmlns:a16="http://schemas.microsoft.com/office/drawing/2014/main" id="{94BB2505-3427-0332-C0BC-296E52770307}"/>
+              </a:ext>
+            </a:extLst>
+          </p:cNvPr>
+          <p:cNvPicPr>
+            <a:picLocks noChangeAspect="1"/>
+          </p:cNvPicPr>
+          <p:nvPr/>
+        </p:nvPicPr>
+        <p:blipFill>
+          <a:blip r:embed="rId2"/>
+          <a:stretch>
+            <a:fillRect/>
+          </a:stretch>
+        </p:blipFill>
+        <p:spPr>
+          <a:xfrm>
+            <a:off x="1027523" y="3341007"/>
+            <a:ext cx="9029700" cy="2527300"/>
+          </a:xfrm>
+          <a:prstGeom prst="rect">
+            <a:avLst/>
+          </a:prstGeom>
+        </p:spPr>
+      </p:pic>
     </p:spTree>
     <p:extLst>
       <p:ext uri="{BB962C8B-B14F-4D97-AF65-F5344CB8AC3E}">
-        <p14:creationId xmlns:p14="http://schemas.microsoft.com/office/powerpoint/2010/main" val="4066529953"/>
+        <p14:creationId xmlns:p14="http://schemas.microsoft.com/office/powerpoint/2010/main" val="421680850"/>
       </p:ext>
     </p:extLst>
   </p:cSld>
@@ -23153,7 +22816,7 @@
         <p:spPr>
           <a:xfrm>
             <a:off x="1027523" y="2090172"/>
-            <a:ext cx="9366422" cy="3416320"/>
+            <a:ext cx="9366422" cy="3046988"/>
           </a:xfrm>
           <a:prstGeom prst="rect">
             <a:avLst/>
@@ -23402,30 +23065,8 @@
                 <a:latin typeface="S-Core Dream 3 Light" panose="020B0503030302020204" pitchFamily="34" charset="-127"/>
                 <a:ea typeface="S-Core Dream 3 Light" panose="020B0503030302020204" pitchFamily="34" charset="-127"/>
               </a:rPr>
-              <a:t>이제 실무에서 많이 사용되는</a:t>
-            </a:r>
-            <a:r>
-              <a:rPr lang="en-US" altLang="ko-KR" sz="2400" b="1" spc="-150" dirty="0">
-                <a:ln>
-                  <a:solidFill>
-                    <a:schemeClr val="accent1">
-                      <a:shade val="50000"/>
-                      <a:alpha val="0"/>
-                    </a:schemeClr>
-                  </a:solidFill>
-                </a:ln>
-                <a:solidFill>
-                  <a:schemeClr val="accent5">
-                    <a:lumMod val="50000"/>
-                  </a:schemeClr>
-                </a:solidFill>
-                <a:latin typeface="S-Core Dream 3 Light" panose="020B0503030302020204" pitchFamily="34" charset="-127"/>
-                <a:ea typeface="S-Core Dream 3 Light" panose="020B0503030302020204" pitchFamily="34" charset="-127"/>
-              </a:rPr>
-              <a:t> </a:t>
-            </a:r>
-          </a:p>
-          <a:p>
+              <a:t>예시 코드는 </a:t>
+            </a:r>
             <a:r>
               <a:rPr lang="en-US" altLang="ko-KR" sz="2400" b="1" spc="-150" dirty="0" err="1">
                 <a:ln>
@@ -23444,7 +23085,7 @@
                 <a:latin typeface="S-Core Dream 3 Light" panose="020B0503030302020204" pitchFamily="34" charset="-127"/>
                 <a:ea typeface="S-Core Dream 3 Light" panose="020B0503030302020204" pitchFamily="34" charset="-127"/>
               </a:rPr>
-              <a:t>mysql</a:t>
+              <a:t>pymysql</a:t>
             </a:r>
             <a:r>
               <a:rPr lang="ko-KR" altLang="en-US" sz="2400" b="1" spc="-150" dirty="0">
@@ -23464,30 +23105,8 @@
                 <a:latin typeface="S-Core Dream 3 Light" panose="020B0503030302020204" pitchFamily="34" charset="-127"/>
                 <a:ea typeface="S-Core Dream 3 Light" panose="020B0503030302020204" pitchFamily="34" charset="-127"/>
               </a:rPr>
-              <a:t> 데이터베이스를 사용해 보겠습니다</a:t>
-            </a:r>
-            <a:r>
-              <a:rPr lang="en-US" altLang="ko-KR" sz="2400" b="1" spc="-150" dirty="0">
-                <a:ln>
-                  <a:solidFill>
-                    <a:schemeClr val="accent1">
-                      <a:shade val="50000"/>
-                      <a:alpha val="0"/>
-                    </a:schemeClr>
-                  </a:solidFill>
-                </a:ln>
-                <a:solidFill>
-                  <a:schemeClr val="accent5">
-                    <a:lumMod val="50000"/>
-                  </a:schemeClr>
-                </a:solidFill>
-                <a:latin typeface="S-Core Dream 3 Light" panose="020B0503030302020204" pitchFamily="34" charset="-127"/>
-                <a:ea typeface="S-Core Dream 3 Light" panose="020B0503030302020204" pitchFamily="34" charset="-127"/>
-              </a:rPr>
-              <a:t>.</a:t>
-            </a:r>
-          </a:p>
-          <a:p>
+              <a:t> 모듈을 통해 </a:t>
+            </a:r>
             <a:endParaRPr lang="en-US" altLang="ko-KR" sz="2400" b="1" spc="-150" dirty="0">
               <a:ln>
                 <a:solidFill>
@@ -23508,26 +23127,6 @@
           </a:p>
           <a:p>
             <a:r>
-              <a:rPr lang="en-US" altLang="ko-KR" sz="2400" b="1" spc="-150" dirty="0" err="1">
-                <a:ln>
-                  <a:solidFill>
-                    <a:schemeClr val="accent1">
-                      <a:shade val="50000"/>
-                      <a:alpha val="0"/>
-                    </a:schemeClr>
-                  </a:solidFill>
-                </a:ln>
-                <a:solidFill>
-                  <a:schemeClr val="accent5">
-                    <a:lumMod val="50000"/>
-                  </a:schemeClr>
-                </a:solidFill>
-                <a:latin typeface="S-Core Dream 3 Light" panose="020B0503030302020204" pitchFamily="34" charset="-127"/>
-                <a:ea typeface="S-Core Dream 3 Light" panose="020B0503030302020204" pitchFamily="34" charset="-127"/>
-              </a:rPr>
-              <a:t>Mysql</a:t>
-            </a:r>
-            <a:r>
               <a:rPr lang="ko-KR" altLang="en-US" sz="2400" b="1" spc="-150" dirty="0">
                 <a:ln>
                   <a:solidFill>
@@ -23545,7 +23144,7 @@
                 <a:latin typeface="S-Core Dream 3 Light" panose="020B0503030302020204" pitchFamily="34" charset="-127"/>
                 <a:ea typeface="S-Core Dream 3 Light" panose="020B0503030302020204" pitchFamily="34" charset="-127"/>
               </a:rPr>
-              <a:t>은 그 자체로 하나의 프로그램이며</a:t>
+              <a:t>데이터베이스에 연결하는</a:t>
             </a:r>
             <a:endParaRPr lang="en-US" altLang="ko-KR" sz="2400" b="1" spc="-150" dirty="0">
               <a:ln>
@@ -23567,6 +23166,26 @@
           </a:p>
           <a:p>
             <a:r>
+              <a:rPr lang="ko-KR" altLang="en-US" sz="2400" b="1" spc="-150" dirty="0">
+                <a:ln>
+                  <a:solidFill>
+                    <a:schemeClr val="accent1">
+                      <a:shade val="50000"/>
+                      <a:alpha val="0"/>
+                    </a:schemeClr>
+                  </a:solidFill>
+                </a:ln>
+                <a:solidFill>
+                  <a:schemeClr val="accent5">
+                    <a:lumMod val="50000"/>
+                  </a:schemeClr>
+                </a:solidFill>
+                <a:latin typeface="S-Core Dream 3 Light" panose="020B0503030302020204" pitchFamily="34" charset="-127"/>
+                <a:ea typeface="S-Core Dream 3 Light" panose="020B0503030302020204" pitchFamily="34" charset="-127"/>
+              </a:rPr>
+              <a:t>코드 입니다</a:t>
+            </a:r>
+            <a:r>
               <a:rPr lang="en-US" altLang="ko-KR" sz="2400" b="1" spc="-150" dirty="0">
                 <a:ln>
                   <a:solidFill>
@@ -23584,88 +23203,10 @@
                 <a:latin typeface="S-Core Dream 3 Light" panose="020B0503030302020204" pitchFamily="34" charset="-127"/>
                 <a:ea typeface="S-Core Dream 3 Light" panose="020B0503030302020204" pitchFamily="34" charset="-127"/>
               </a:rPr>
-              <a:t>Python</a:t>
-            </a:r>
-            <a:r>
-              <a:rPr lang="ko-KR" altLang="en-US" sz="2400" b="1" spc="-150" dirty="0" err="1">
-                <a:ln>
-                  <a:solidFill>
-                    <a:schemeClr val="accent1">
-                      <a:shade val="50000"/>
-                      <a:alpha val="0"/>
-                    </a:schemeClr>
-                  </a:solidFill>
-                </a:ln>
-                <a:solidFill>
-                  <a:schemeClr val="accent5">
-                    <a:lumMod val="50000"/>
-                  </a:schemeClr>
-                </a:solidFill>
-                <a:latin typeface="S-Core Dream 3 Light" panose="020B0503030302020204" pitchFamily="34" charset="-127"/>
-                <a:ea typeface="S-Core Dream 3 Light" panose="020B0503030302020204" pitchFamily="34" charset="-127"/>
-              </a:rPr>
-              <a:t>으로</a:t>
-            </a:r>
-            <a:r>
-              <a:rPr lang="ko-KR" altLang="en-US" sz="2400" b="1" spc="-150" dirty="0">
-                <a:ln>
-                  <a:solidFill>
-                    <a:schemeClr val="accent1">
-                      <a:shade val="50000"/>
-                      <a:alpha val="0"/>
-                    </a:schemeClr>
-                  </a:solidFill>
-                </a:ln>
-                <a:solidFill>
-                  <a:schemeClr val="accent5">
-                    <a:lumMod val="50000"/>
-                  </a:schemeClr>
-                </a:solidFill>
-                <a:latin typeface="S-Core Dream 3 Light" panose="020B0503030302020204" pitchFamily="34" charset="-127"/>
-                <a:ea typeface="S-Core Dream 3 Light" panose="020B0503030302020204" pitchFamily="34" charset="-127"/>
-              </a:rPr>
-              <a:t> 접근이 가능하도록 하는 </a:t>
-            </a:r>
-            <a:r>
-              <a:rPr lang="en-US" altLang="ko-KR" sz="2400" b="1" spc="-150" dirty="0" err="1">
-                <a:ln>
-                  <a:solidFill>
-                    <a:schemeClr val="accent1">
-                      <a:shade val="50000"/>
-                      <a:alpha val="0"/>
-                    </a:schemeClr>
-                  </a:solidFill>
-                </a:ln>
-                <a:solidFill>
-                  <a:schemeClr val="accent5">
-                    <a:lumMod val="50000"/>
-                  </a:schemeClr>
-                </a:solidFill>
-                <a:latin typeface="S-Core Dream 3 Light" panose="020B0503030302020204" pitchFamily="34" charset="-127"/>
-                <a:ea typeface="S-Core Dream 3 Light" panose="020B0503030302020204" pitchFamily="34" charset="-127"/>
-              </a:rPr>
-              <a:t>pymysql</a:t>
-            </a:r>
-            <a:r>
-              <a:rPr lang="ko-KR" altLang="en-US" sz="2400" b="1" spc="-150" dirty="0">
-                <a:ln>
-                  <a:solidFill>
-                    <a:schemeClr val="accent1">
-                      <a:shade val="50000"/>
-                      <a:alpha val="0"/>
-                    </a:schemeClr>
-                  </a:solidFill>
-                </a:ln>
-                <a:solidFill>
-                  <a:schemeClr val="accent5">
-                    <a:lumMod val="50000"/>
-                  </a:schemeClr>
-                </a:solidFill>
-                <a:latin typeface="S-Core Dream 3 Light" panose="020B0503030302020204" pitchFamily="34" charset="-127"/>
-                <a:ea typeface="S-Core Dream 3 Light" panose="020B0503030302020204" pitchFamily="34" charset="-127"/>
-              </a:rPr>
-              <a:t> 모듈을</a:t>
-            </a:r>
+              <a:t>.</a:t>
+            </a:r>
+          </a:p>
+          <a:p>
             <a:endParaRPr lang="en-US" altLang="ko-KR" sz="2400" b="1" spc="-150" dirty="0">
               <a:ln>
                 <a:solidFill>
@@ -23703,30 +23244,48 @@
                 <a:latin typeface="S-Core Dream 3 Light" panose="020B0503030302020204" pitchFamily="34" charset="-127"/>
                 <a:ea typeface="S-Core Dream 3 Light" panose="020B0503030302020204" pitchFamily="34" charset="-127"/>
               </a:rPr>
-              <a:t>통해 데이터베이스를 제어 합니다</a:t>
-            </a:r>
-            <a:r>
-              <a:rPr lang="en-US" altLang="ko-KR" sz="2400" b="1" spc="-150" dirty="0">
-                <a:ln>
-                  <a:solidFill>
-                    <a:schemeClr val="accent1">
-                      <a:shade val="50000"/>
-                      <a:alpha val="0"/>
-                    </a:schemeClr>
-                  </a:solidFill>
-                </a:ln>
-                <a:solidFill>
-                  <a:schemeClr val="accent5">
-                    <a:lumMod val="50000"/>
-                  </a:schemeClr>
-                </a:solidFill>
-                <a:latin typeface="S-Core Dream 3 Light" panose="020B0503030302020204" pitchFamily="34" charset="-127"/>
-                <a:ea typeface="S-Core Dream 3 Light" panose="020B0503030302020204" pitchFamily="34" charset="-127"/>
-              </a:rPr>
-              <a:t>.</a:t>
-            </a:r>
-          </a:p>
-          <a:p>
+              <a:t>이제 </a:t>
+            </a:r>
+            <a:r>
+              <a:rPr lang="en-US" altLang="ko-KR" sz="2400" b="1" spc="-150" dirty="0" err="1">
+                <a:ln>
+                  <a:solidFill>
+                    <a:schemeClr val="accent1">
+                      <a:shade val="50000"/>
+                      <a:alpha val="0"/>
+                    </a:schemeClr>
+                  </a:solidFill>
+                </a:ln>
+                <a:solidFill>
+                  <a:schemeClr val="accent5">
+                    <a:lumMod val="50000"/>
+                  </a:schemeClr>
+                </a:solidFill>
+                <a:latin typeface="S-Core Dream 3 Light" panose="020B0503030302020204" pitchFamily="34" charset="-127"/>
+                <a:ea typeface="S-Core Dream 3 Light" panose="020B0503030302020204" pitchFamily="34" charset="-127"/>
+              </a:rPr>
+              <a:t>pymysql</a:t>
+            </a:r>
+            <a:r>
+              <a:rPr lang="ko-KR" altLang="en-US" sz="2400" b="1" spc="-150" dirty="0">
+                <a:ln>
+                  <a:solidFill>
+                    <a:schemeClr val="accent1">
+                      <a:shade val="50000"/>
+                      <a:alpha val="0"/>
+                    </a:schemeClr>
+                  </a:solidFill>
+                </a:ln>
+                <a:solidFill>
+                  <a:schemeClr val="accent5">
+                    <a:lumMod val="50000"/>
+                  </a:schemeClr>
+                </a:solidFill>
+                <a:latin typeface="S-Core Dream 3 Light" panose="020B0503030302020204" pitchFamily="34" charset="-127"/>
+                <a:ea typeface="S-Core Dream 3 Light" panose="020B0503030302020204" pitchFamily="34" charset="-127"/>
+              </a:rPr>
+              <a:t> 모듈의 커서를 이용해</a:t>
+            </a:r>
             <a:endParaRPr lang="en-US" altLang="ko-KR" sz="2400" b="1" spc="-150" dirty="0">
               <a:ln>
                 <a:solidFill>
@@ -23745,12 +23304,54 @@
               <a:ea typeface="S-Core Dream 3 Light" panose="020B0503030302020204" pitchFamily="34" charset="-127"/>
             </a:endParaRPr>
           </a:p>
+          <a:p>
+            <a:r>
+              <a:rPr lang="ko-KR" altLang="en-US" sz="2400" b="1" spc="-150" dirty="0">
+                <a:ln>
+                  <a:solidFill>
+                    <a:schemeClr val="accent1">
+                      <a:shade val="50000"/>
+                      <a:alpha val="0"/>
+                    </a:schemeClr>
+                  </a:solidFill>
+                </a:ln>
+                <a:solidFill>
+                  <a:schemeClr val="accent5">
+                    <a:lumMod val="50000"/>
+                  </a:schemeClr>
+                </a:solidFill>
+                <a:latin typeface="S-Core Dream 3 Light" panose="020B0503030302020204" pitchFamily="34" charset="-127"/>
+                <a:ea typeface="S-Core Dream 3 Light" panose="020B0503030302020204" pitchFamily="34" charset="-127"/>
+              </a:rPr>
+              <a:t>쿼리를 수행하여 보겠습니다</a:t>
+            </a:r>
+            <a:r>
+              <a:rPr lang="en-US" altLang="ko-KR" sz="2400" b="1" spc="-150" dirty="0">
+                <a:ln>
+                  <a:solidFill>
+                    <a:schemeClr val="accent1">
+                      <a:shade val="50000"/>
+                      <a:alpha val="0"/>
+                    </a:schemeClr>
+                  </a:solidFill>
+                </a:ln>
+                <a:solidFill>
+                  <a:schemeClr val="accent5">
+                    <a:lumMod val="50000"/>
+                  </a:schemeClr>
+                </a:solidFill>
+                <a:latin typeface="S-Core Dream 3 Light" panose="020B0503030302020204" pitchFamily="34" charset="-127"/>
+                <a:ea typeface="S-Core Dream 3 Light" panose="020B0503030302020204" pitchFamily="34" charset="-127"/>
+              </a:rPr>
+              <a:t>.</a:t>
+            </a:r>
+          </a:p>
         </p:txBody>
       </p:sp>
     </p:spTree>
     <p:extLst>
       <p:ext uri="{BB962C8B-B14F-4D97-AF65-F5344CB8AC3E}">
-        <p14:creationId xmlns:p14="http://schemas.microsoft.com/office/powerpoint/2010/main" val="1740702222"/>
+        <p14:creationId xmlns:p14="http://schemas.microsoft.com/office/powerpoint/2010/main" val="843198895"/>
       </p:ext>
     </p:extLst>
   </p:cSld>
@@ -24073,7 +23674,7 @@
         <p:spPr>
           <a:xfrm>
             <a:off x="1027523" y="2090172"/>
-            <a:ext cx="9366422" cy="1938992"/>
+            <a:ext cx="9366422" cy="830997"/>
           </a:xfrm>
           <a:prstGeom prst="rect">
             <a:avLst/>
@@ -24285,6 +23886,26 @@
             </a:endParaRPr>
           </a:p>
           <a:p>
+            <a:r>
+              <a:rPr lang="ko-KR" altLang="en-US" sz="2400" b="1" spc="-150" dirty="0">
+                <a:ln>
+                  <a:solidFill>
+                    <a:schemeClr val="accent1">
+                      <a:shade val="50000"/>
+                      <a:alpha val="0"/>
+                    </a:schemeClr>
+                  </a:solidFill>
+                </a:ln>
+                <a:solidFill>
+                  <a:schemeClr val="accent5">
+                    <a:lumMod val="50000"/>
+                  </a:schemeClr>
+                </a:solidFill>
+                <a:latin typeface="S-Core Dream 3 Light" panose="020B0503030302020204" pitchFamily="34" charset="-127"/>
+                <a:ea typeface="S-Core Dream 3 Light" panose="020B0503030302020204" pitchFamily="34" charset="-127"/>
+              </a:rPr>
+              <a:t> </a:t>
+            </a:r>
             <a:endParaRPr lang="en-US" altLang="ko-KR" sz="2400" b="1" spc="-150" dirty="0">
               <a:ln>
                 <a:solidFill>
@@ -24303,143 +23924,6 @@
               <a:ea typeface="S-Core Dream 3 Light" panose="020B0503030302020204" pitchFamily="34" charset="-127"/>
             </a:endParaRPr>
           </a:p>
-          <a:p>
-            <a:r>
-              <a:rPr lang="en-US" altLang="ko-KR" sz="2400" b="1" spc="-150" dirty="0" err="1">
-                <a:ln>
-                  <a:solidFill>
-                    <a:schemeClr val="accent1">
-                      <a:shade val="50000"/>
-                      <a:alpha val="0"/>
-                    </a:schemeClr>
-                  </a:solidFill>
-                </a:ln>
-                <a:solidFill>
-                  <a:schemeClr val="accent5">
-                    <a:lumMod val="50000"/>
-                  </a:schemeClr>
-                </a:solidFill>
-                <a:latin typeface="S-Core Dream 3 Light" panose="020B0503030302020204" pitchFamily="34" charset="-127"/>
-                <a:ea typeface="S-Core Dream 3 Light" panose="020B0503030302020204" pitchFamily="34" charset="-127"/>
-              </a:rPr>
-              <a:t>Pymysql</a:t>
-            </a:r>
-            <a:r>
-              <a:rPr lang="ko-KR" altLang="en-US" sz="2400" b="1" spc="-150" dirty="0">
-                <a:ln>
-                  <a:solidFill>
-                    <a:schemeClr val="accent1">
-                      <a:shade val="50000"/>
-                      <a:alpha val="0"/>
-                    </a:schemeClr>
-                  </a:solidFill>
-                </a:ln>
-                <a:solidFill>
-                  <a:schemeClr val="accent5">
-                    <a:lumMod val="50000"/>
-                  </a:schemeClr>
-                </a:solidFill>
-                <a:latin typeface="S-Core Dream 3 Light" panose="020B0503030302020204" pitchFamily="34" charset="-127"/>
-                <a:ea typeface="S-Core Dream 3 Light" panose="020B0503030302020204" pitchFamily="34" charset="-127"/>
-              </a:rPr>
-              <a:t> 설치</a:t>
-            </a:r>
-            <a:r>
-              <a:rPr lang="en-US" altLang="ko-KR" sz="2400" b="1" spc="-150" dirty="0">
-                <a:ln>
-                  <a:solidFill>
-                    <a:schemeClr val="accent1">
-                      <a:shade val="50000"/>
-                      <a:alpha val="0"/>
-                    </a:schemeClr>
-                  </a:solidFill>
-                </a:ln>
-                <a:solidFill>
-                  <a:schemeClr val="accent5">
-                    <a:lumMod val="50000"/>
-                  </a:schemeClr>
-                </a:solidFill>
-                <a:latin typeface="S-Core Dream 3 Light" panose="020B0503030302020204" pitchFamily="34" charset="-127"/>
-                <a:ea typeface="S-Core Dream 3 Light" panose="020B0503030302020204" pitchFamily="34" charset="-127"/>
-              </a:rPr>
-              <a:t> </a:t>
-            </a:r>
-            <a:r>
-              <a:rPr lang="ko-KR" altLang="en-US" sz="2400" b="1" spc="-150" dirty="0">
-                <a:ln>
-                  <a:solidFill>
-                    <a:schemeClr val="accent1">
-                      <a:shade val="50000"/>
-                      <a:alpha val="0"/>
-                    </a:schemeClr>
-                  </a:solidFill>
-                </a:ln>
-                <a:solidFill>
-                  <a:schemeClr val="accent5">
-                    <a:lumMod val="50000"/>
-                  </a:schemeClr>
-                </a:solidFill>
-                <a:latin typeface="S-Core Dream 3 Light" panose="020B0503030302020204" pitchFamily="34" charset="-127"/>
-                <a:ea typeface="S-Core Dream 3 Light" panose="020B0503030302020204" pitchFamily="34" charset="-127"/>
-              </a:rPr>
-              <a:t>하기</a:t>
-            </a:r>
-            <a:endParaRPr lang="en-US" altLang="ko-KR" sz="2400" b="1" spc="-150" dirty="0">
-              <a:ln>
-                <a:solidFill>
-                  <a:schemeClr val="accent1">
-                    <a:shade val="50000"/>
-                    <a:alpha val="0"/>
-                  </a:schemeClr>
-                </a:solidFill>
-              </a:ln>
-              <a:solidFill>
-                <a:schemeClr val="accent5">
-                  <a:lumMod val="50000"/>
-                </a:schemeClr>
-              </a:solidFill>
-              <a:latin typeface="S-Core Dream 3 Light" panose="020B0503030302020204" pitchFamily="34" charset="-127"/>
-              <a:ea typeface="S-Core Dream 3 Light" panose="020B0503030302020204" pitchFamily="34" charset="-127"/>
-            </a:endParaRPr>
-          </a:p>
-          <a:p>
-            <a:endParaRPr lang="en-US" altLang="ko-KR" sz="2400" b="1" spc="-150" dirty="0">
-              <a:ln>
-                <a:solidFill>
-                  <a:schemeClr val="accent1">
-                    <a:shade val="50000"/>
-                    <a:alpha val="0"/>
-                  </a:schemeClr>
-                </a:solidFill>
-              </a:ln>
-              <a:solidFill>
-                <a:schemeClr val="accent5">
-                  <a:lumMod val="50000"/>
-                </a:schemeClr>
-              </a:solidFill>
-              <a:latin typeface="S-Core Dream 3 Light" panose="020B0503030302020204" pitchFamily="34" charset="-127"/>
-              <a:ea typeface="S-Core Dream 3 Light" panose="020B0503030302020204" pitchFamily="34" charset="-127"/>
-            </a:endParaRPr>
-          </a:p>
-          <a:p>
-            <a:endParaRPr lang="en-US" altLang="ko-KR" sz="2400" b="1" spc="-150" dirty="0">
-              <a:ln>
-                <a:solidFill>
-                  <a:schemeClr val="accent1">
-                    <a:shade val="50000"/>
-                    <a:alpha val="0"/>
-                  </a:schemeClr>
-                </a:solidFill>
-              </a:ln>
-              <a:solidFill>
-                <a:schemeClr val="accent5">
-                  <a:lumMod val="50000"/>
-                </a:schemeClr>
-              </a:solidFill>
-              <a:latin typeface="S-Core Dream 3 Light" panose="020B0503030302020204" pitchFamily="34" charset="-127"/>
-              <a:ea typeface="S-Core Dream 3 Light" panose="020B0503030302020204" pitchFamily="34" charset="-127"/>
-            </a:endParaRPr>
-          </a:p>
         </p:txBody>
       </p:sp>
       <p:pic>
@@ -24447,7 +23931,7 @@
           <p:cNvPr id="6" name="그림 5">
             <a:extLst>
               <a:ext uri="{FF2B5EF4-FFF2-40B4-BE49-F238E27FC236}">
-                <a16:creationId xmlns:a16="http://schemas.microsoft.com/office/drawing/2014/main" id="{9977B313-CAA2-A166-26EE-7F1AD77DC0F2}"/>
+                <a16:creationId xmlns:a16="http://schemas.microsoft.com/office/drawing/2014/main" id="{4E2048A1-724C-571F-437E-D79738C26214}"/>
               </a:ext>
             </a:extLst>
           </p:cNvPr>
@@ -24464,8 +23948,8 @@
         </p:blipFill>
         <p:spPr>
           <a:xfrm>
-            <a:off x="1027523" y="3429000"/>
-            <a:ext cx="5727700" cy="1346200"/>
+            <a:off x="1027523" y="2913597"/>
+            <a:ext cx="8991600" cy="3175000"/>
           </a:xfrm>
           <a:prstGeom prst="rect">
             <a:avLst/>
@@ -24475,7 +23959,7 @@
     </p:spTree>
     <p:extLst>
       <p:ext uri="{BB962C8B-B14F-4D97-AF65-F5344CB8AC3E}">
-        <p14:creationId xmlns:p14="http://schemas.microsoft.com/office/powerpoint/2010/main" val="1084288023"/>
+        <p14:creationId xmlns:p14="http://schemas.microsoft.com/office/powerpoint/2010/main" val="2812655773"/>
       </p:ext>
     </p:extLst>
   </p:cSld>
@@ -24798,7 +24282,7 @@
         <p:spPr>
           <a:xfrm>
             <a:off x="1027523" y="2090172"/>
-            <a:ext cx="9366422" cy="2677656"/>
+            <a:ext cx="9366422" cy="3046988"/>
           </a:xfrm>
           <a:prstGeom prst="rect">
             <a:avLst/>
@@ -25010,6 +24494,26 @@
             </a:endParaRPr>
           </a:p>
           <a:p>
+            <a:r>
+              <a:rPr lang="ko-KR" altLang="en-US" sz="2400" b="1" spc="-150" dirty="0">
+                <a:ln>
+                  <a:solidFill>
+                    <a:schemeClr val="accent1">
+                      <a:shade val="50000"/>
+                      <a:alpha val="0"/>
+                    </a:schemeClr>
+                  </a:solidFill>
+                </a:ln>
+                <a:solidFill>
+                  <a:schemeClr val="accent5">
+                    <a:lumMod val="50000"/>
+                  </a:schemeClr>
+                </a:solidFill>
+                <a:latin typeface="S-Core Dream 3 Light" panose="020B0503030302020204" pitchFamily="34" charset="-127"/>
+                <a:ea typeface="S-Core Dream 3 Light" panose="020B0503030302020204" pitchFamily="34" charset="-127"/>
+              </a:rPr>
+              <a:t> </a:t>
+            </a:r>
             <a:endParaRPr lang="en-US" altLang="ko-KR" sz="2400" b="1" spc="-150" dirty="0">
               <a:ln>
                 <a:solidFill>
@@ -25047,7 +24551,27 @@
                 <a:latin typeface="S-Core Dream 3 Light" panose="020B0503030302020204" pitchFamily="34" charset="-127"/>
                 <a:ea typeface="S-Core Dream 3 Light" panose="020B0503030302020204" pitchFamily="34" charset="-127"/>
               </a:rPr>
-              <a:t>Mysql</a:t>
+              <a:t>Sql</a:t>
+            </a:r>
+            <a:r>
+              <a:rPr lang="en-US" altLang="ko-KR" sz="2400" b="1" spc="-150" dirty="0">
+                <a:ln>
+                  <a:solidFill>
+                    <a:schemeClr val="accent1">
+                      <a:shade val="50000"/>
+                      <a:alpha val="0"/>
+                    </a:schemeClr>
+                  </a:solidFill>
+                </a:ln>
+                <a:solidFill>
+                  <a:schemeClr val="accent5">
+                    <a:lumMod val="50000"/>
+                  </a:schemeClr>
+                </a:solidFill>
+                <a:latin typeface="S-Core Dream 3 Light" panose="020B0503030302020204" pitchFamily="34" charset="-127"/>
+                <a:ea typeface="S-Core Dream 3 Light" panose="020B0503030302020204" pitchFamily="34" charset="-127"/>
+              </a:rPr>
+              <a:t> </a:t>
             </a:r>
             <a:r>
               <a:rPr lang="ko-KR" altLang="en-US" sz="2400" b="1" spc="-150" dirty="0">
@@ -25067,7 +24591,47 @@
                 <a:latin typeface="S-Core Dream 3 Light" panose="020B0503030302020204" pitchFamily="34" charset="-127"/>
                 <a:ea typeface="S-Core Dream 3 Light" panose="020B0503030302020204" pitchFamily="34" charset="-127"/>
               </a:rPr>
-              <a:t> 접속 하기</a:t>
+              <a:t>구문 문자열을 </a:t>
+            </a:r>
+            <a:r>
+              <a:rPr lang="en-US" altLang="ko-KR" sz="2400" b="1" spc="-150" dirty="0">
+                <a:ln>
+                  <a:solidFill>
+                    <a:schemeClr val="accent1">
+                      <a:shade val="50000"/>
+                      <a:alpha val="0"/>
+                    </a:schemeClr>
+                  </a:solidFill>
+                </a:ln>
+                <a:solidFill>
+                  <a:schemeClr val="accent5">
+                    <a:lumMod val="50000"/>
+                  </a:schemeClr>
+                </a:solidFill>
+                <a:latin typeface="S-Core Dream 3 Light" panose="020B0503030302020204" pitchFamily="34" charset="-127"/>
+                <a:ea typeface="S-Core Dream 3 Light" panose="020B0503030302020204" pitchFamily="34" charset="-127"/>
+              </a:rPr>
+              <a:t>cursor</a:t>
+            </a:r>
+            <a:r>
+              <a:rPr lang="ko-KR" altLang="en-US" sz="2400" b="1" spc="-150" dirty="0">
+                <a:ln>
+                  <a:solidFill>
+                    <a:schemeClr val="accent1">
+                      <a:shade val="50000"/>
+                      <a:alpha val="0"/>
+                    </a:schemeClr>
+                  </a:solidFill>
+                </a:ln>
+                <a:solidFill>
+                  <a:schemeClr val="accent5">
+                    <a:lumMod val="50000"/>
+                  </a:schemeClr>
+                </a:solidFill>
+                <a:latin typeface="S-Core Dream 3 Light" panose="020B0503030302020204" pitchFamily="34" charset="-127"/>
+                <a:ea typeface="S-Core Dream 3 Light" panose="020B0503030302020204" pitchFamily="34" charset="-127"/>
+              </a:rPr>
+              <a:t>의 </a:t>
             </a:r>
             <a:endParaRPr lang="en-US" altLang="ko-KR" sz="2400" b="1" spc="-150" dirty="0">
               <a:ln>
@@ -25088,6 +24652,46 @@
             </a:endParaRPr>
           </a:p>
           <a:p>
+            <a:r>
+              <a:rPr lang="en-US" altLang="ko-KR" sz="2400" b="1" spc="-150" dirty="0">
+                <a:ln>
+                  <a:solidFill>
+                    <a:schemeClr val="accent1">
+                      <a:shade val="50000"/>
+                      <a:alpha val="0"/>
+                    </a:schemeClr>
+                  </a:solidFill>
+                </a:ln>
+                <a:solidFill>
+                  <a:schemeClr val="accent5">
+                    <a:lumMod val="50000"/>
+                  </a:schemeClr>
+                </a:solidFill>
+                <a:latin typeface="S-Core Dream 3 Light" panose="020B0503030302020204" pitchFamily="34" charset="-127"/>
+                <a:ea typeface="S-Core Dream 3 Light" panose="020B0503030302020204" pitchFamily="34" charset="-127"/>
+              </a:rPr>
+              <a:t>execute</a:t>
+            </a:r>
+            <a:r>
+              <a:rPr lang="ko-KR" altLang="en-US" sz="2400" b="1" spc="-150" dirty="0">
+                <a:ln>
+                  <a:solidFill>
+                    <a:schemeClr val="accent1">
+                      <a:shade val="50000"/>
+                      <a:alpha val="0"/>
+                    </a:schemeClr>
+                  </a:solidFill>
+                </a:ln>
+                <a:solidFill>
+                  <a:schemeClr val="accent5">
+                    <a:lumMod val="50000"/>
+                  </a:schemeClr>
+                </a:solidFill>
+                <a:latin typeface="S-Core Dream 3 Light" panose="020B0503030302020204" pitchFamily="34" charset="-127"/>
+                <a:ea typeface="S-Core Dream 3 Light" panose="020B0503030302020204" pitchFamily="34" charset="-127"/>
+              </a:rPr>
+              <a:t> 함수에 전달함으로써 </a:t>
+            </a:r>
             <a:endParaRPr lang="en-US" altLang="ko-KR" sz="2400" b="1" spc="-150" dirty="0">
               <a:ln>
                 <a:solidFill>
@@ -25107,6 +24711,68 @@
             </a:endParaRPr>
           </a:p>
           <a:p>
+            <a:r>
+              <a:rPr lang="en-US" altLang="ko-KR" sz="2400" b="1" spc="-150" dirty="0" err="1">
+                <a:ln>
+                  <a:solidFill>
+                    <a:schemeClr val="accent1">
+                      <a:shade val="50000"/>
+                      <a:alpha val="0"/>
+                    </a:schemeClr>
+                  </a:solidFill>
+                </a:ln>
+                <a:solidFill>
+                  <a:schemeClr val="accent5">
+                    <a:lumMod val="50000"/>
+                  </a:schemeClr>
+                </a:solidFill>
+                <a:latin typeface="S-Core Dream 3 Light" panose="020B0503030302020204" pitchFamily="34" charset="-127"/>
+                <a:ea typeface="S-Core Dream 3 Light" panose="020B0503030302020204" pitchFamily="34" charset="-127"/>
+              </a:rPr>
+              <a:t>Sql</a:t>
+            </a:r>
+            <a:r>
+              <a:rPr lang="ko-KR" altLang="en-US" sz="2400" b="1" spc="-150" dirty="0">
+                <a:ln>
+                  <a:solidFill>
+                    <a:schemeClr val="accent1">
+                      <a:shade val="50000"/>
+                      <a:alpha val="0"/>
+                    </a:schemeClr>
+                  </a:solidFill>
+                </a:ln>
+                <a:solidFill>
+                  <a:schemeClr val="accent5">
+                    <a:lumMod val="50000"/>
+                  </a:schemeClr>
+                </a:solidFill>
+                <a:latin typeface="S-Core Dream 3 Light" panose="020B0503030302020204" pitchFamily="34" charset="-127"/>
+                <a:ea typeface="S-Core Dream 3 Light" panose="020B0503030302020204" pitchFamily="34" charset="-127"/>
+              </a:rPr>
+              <a:t> 구문을 수행할 수 있습니다</a:t>
+            </a:r>
+            <a:r>
+              <a:rPr lang="en-US" altLang="ko-KR" sz="2400" b="1" spc="-150" dirty="0">
+                <a:ln>
+                  <a:solidFill>
+                    <a:schemeClr val="accent1">
+                      <a:shade val="50000"/>
+                      <a:alpha val="0"/>
+                    </a:schemeClr>
+                  </a:solidFill>
+                </a:ln>
+                <a:solidFill>
+                  <a:schemeClr val="accent5">
+                    <a:lumMod val="50000"/>
+                  </a:schemeClr>
+                </a:solidFill>
+                <a:latin typeface="S-Core Dream 3 Light" panose="020B0503030302020204" pitchFamily="34" charset="-127"/>
+                <a:ea typeface="S-Core Dream 3 Light" panose="020B0503030302020204" pitchFamily="34" charset="-127"/>
+              </a:rPr>
+              <a:t>.</a:t>
+            </a:r>
+          </a:p>
+          <a:p>
             <a:endParaRPr lang="en-US" altLang="ko-KR" sz="2400" b="1" spc="-150" dirty="0">
               <a:ln>
                 <a:solidFill>
@@ -25126,6 +24792,106 @@
             </a:endParaRPr>
           </a:p>
           <a:p>
+            <a:r>
+              <a:rPr lang="ko-KR" altLang="en-US" sz="2400" b="1" spc="-150" dirty="0">
+                <a:ln>
+                  <a:solidFill>
+                    <a:schemeClr val="accent1">
+                      <a:shade val="50000"/>
+                      <a:alpha val="0"/>
+                    </a:schemeClr>
+                  </a:solidFill>
+                </a:ln>
+                <a:solidFill>
+                  <a:schemeClr val="accent5">
+                    <a:lumMod val="50000"/>
+                  </a:schemeClr>
+                </a:solidFill>
+                <a:latin typeface="S-Core Dream 3 Light" panose="020B0503030302020204" pitchFamily="34" charset="-127"/>
+                <a:ea typeface="S-Core Dream 3 Light" panose="020B0503030302020204" pitchFamily="34" charset="-127"/>
+              </a:rPr>
+              <a:t>그리고 </a:t>
+            </a:r>
+            <a:r>
+              <a:rPr lang="en-US" altLang="ko-KR" sz="2400" b="1" spc="-150" dirty="0">
+                <a:ln>
+                  <a:solidFill>
+                    <a:schemeClr val="accent1">
+                      <a:shade val="50000"/>
+                      <a:alpha val="0"/>
+                    </a:schemeClr>
+                  </a:solidFill>
+                </a:ln>
+                <a:solidFill>
+                  <a:schemeClr val="accent5">
+                    <a:lumMod val="50000"/>
+                  </a:schemeClr>
+                </a:solidFill>
+                <a:latin typeface="S-Core Dream 3 Light" panose="020B0503030302020204" pitchFamily="34" charset="-127"/>
+                <a:ea typeface="S-Core Dream 3 Light" panose="020B0503030302020204" pitchFamily="34" charset="-127"/>
+              </a:rPr>
+              <a:t>create, insert,</a:t>
+            </a:r>
+            <a:r>
+              <a:rPr lang="ko-KR" altLang="en-US" sz="2400" b="1" spc="-150" dirty="0">
+                <a:ln>
+                  <a:solidFill>
+                    <a:schemeClr val="accent1">
+                      <a:shade val="50000"/>
+                      <a:alpha val="0"/>
+                    </a:schemeClr>
+                  </a:solidFill>
+                </a:ln>
+                <a:solidFill>
+                  <a:schemeClr val="accent5">
+                    <a:lumMod val="50000"/>
+                  </a:schemeClr>
+                </a:solidFill>
+                <a:latin typeface="S-Core Dream 3 Light" panose="020B0503030302020204" pitchFamily="34" charset="-127"/>
+                <a:ea typeface="S-Core Dream 3 Light" panose="020B0503030302020204" pitchFamily="34" charset="-127"/>
+              </a:rPr>
+              <a:t> </a:t>
+            </a:r>
+            <a:r>
+              <a:rPr lang="en-US" altLang="ko-KR" sz="2400" b="1" spc="-150" dirty="0">
+                <a:ln>
+                  <a:solidFill>
+                    <a:schemeClr val="accent1">
+                      <a:shade val="50000"/>
+                      <a:alpha val="0"/>
+                    </a:schemeClr>
+                  </a:solidFill>
+                </a:ln>
+                <a:solidFill>
+                  <a:schemeClr val="accent5">
+                    <a:lumMod val="50000"/>
+                  </a:schemeClr>
+                </a:solidFill>
+                <a:latin typeface="S-Core Dream 3 Light" panose="020B0503030302020204" pitchFamily="34" charset="-127"/>
+                <a:ea typeface="S-Core Dream 3 Light" panose="020B0503030302020204" pitchFamily="34" charset="-127"/>
+              </a:rPr>
+              <a:t>update</a:t>
+            </a:r>
+            <a:r>
+              <a:rPr lang="ko-KR" altLang="en-US" sz="2400" b="1" spc="-150" dirty="0">
+                <a:ln>
+                  <a:solidFill>
+                    <a:schemeClr val="accent1">
+                      <a:shade val="50000"/>
+                      <a:alpha val="0"/>
+                    </a:schemeClr>
+                  </a:solidFill>
+                </a:ln>
+                <a:solidFill>
+                  <a:schemeClr val="accent5">
+                    <a:lumMod val="50000"/>
+                  </a:schemeClr>
+                </a:solidFill>
+                <a:latin typeface="S-Core Dream 3 Light" panose="020B0503030302020204" pitchFamily="34" charset="-127"/>
+                <a:ea typeface="S-Core Dream 3 Light" panose="020B0503030302020204" pitchFamily="34" charset="-127"/>
+              </a:rPr>
+              <a:t> 등의 쿼리를 수행한 이후</a:t>
+            </a:r>
             <a:endParaRPr lang="en-US" altLang="ko-KR" sz="2400" b="1" spc="-150" dirty="0">
               <a:ln>
                 <a:solidFill>
@@ -25145,60 +24911,113 @@
             </a:endParaRPr>
           </a:p>
           <a:p>
-            <a:endParaRPr lang="en-US" altLang="ko-KR" sz="2400" b="1" spc="-150" dirty="0">
-              <a:ln>
-                <a:solidFill>
-                  <a:schemeClr val="accent1">
-                    <a:shade val="50000"/>
-                    <a:alpha val="0"/>
-                  </a:schemeClr>
-                </a:solidFill>
-              </a:ln>
-              <a:solidFill>
-                <a:schemeClr val="accent5">
-                  <a:lumMod val="50000"/>
-                </a:schemeClr>
-              </a:solidFill>
-              <a:latin typeface="S-Core Dream 3 Light" panose="020B0503030302020204" pitchFamily="34" charset="-127"/>
-              <a:ea typeface="S-Core Dream 3 Light" panose="020B0503030302020204" pitchFamily="34" charset="-127"/>
-            </a:endParaRPr>
+            <a:r>
+              <a:rPr lang="en-US" altLang="ko-KR" sz="2400" b="1" spc="-150" dirty="0">
+                <a:ln>
+                  <a:solidFill>
+                    <a:schemeClr val="accent1">
+                      <a:shade val="50000"/>
+                      <a:alpha val="0"/>
+                    </a:schemeClr>
+                  </a:solidFill>
+                </a:ln>
+                <a:solidFill>
+                  <a:schemeClr val="accent5">
+                    <a:lumMod val="50000"/>
+                  </a:schemeClr>
+                </a:solidFill>
+                <a:latin typeface="S-Core Dream 3 Light" panose="020B0503030302020204" pitchFamily="34" charset="-127"/>
+                <a:ea typeface="S-Core Dream 3 Light" panose="020B0503030302020204" pitchFamily="34" charset="-127"/>
+              </a:rPr>
+              <a:t>Commit</a:t>
+            </a:r>
+            <a:r>
+              <a:rPr lang="ko-KR" altLang="en-US" sz="2400" b="1" spc="-150" dirty="0">
+                <a:ln>
+                  <a:solidFill>
+                    <a:schemeClr val="accent1">
+                      <a:shade val="50000"/>
+                      <a:alpha val="0"/>
+                    </a:schemeClr>
+                  </a:solidFill>
+                </a:ln>
+                <a:solidFill>
+                  <a:schemeClr val="accent5">
+                    <a:lumMod val="50000"/>
+                  </a:schemeClr>
+                </a:solidFill>
+                <a:latin typeface="S-Core Dream 3 Light" panose="020B0503030302020204" pitchFamily="34" charset="-127"/>
+                <a:ea typeface="S-Core Dream 3 Light" panose="020B0503030302020204" pitchFamily="34" charset="-127"/>
+              </a:rPr>
+              <a:t> 함수를 통해 </a:t>
+            </a:r>
+            <a:r>
+              <a:rPr lang="en-US" altLang="ko-KR" sz="2400" b="1" spc="-150" dirty="0">
+                <a:ln>
+                  <a:solidFill>
+                    <a:schemeClr val="accent1">
+                      <a:shade val="50000"/>
+                      <a:alpha val="0"/>
+                    </a:schemeClr>
+                  </a:solidFill>
+                </a:ln>
+                <a:solidFill>
+                  <a:schemeClr val="accent5">
+                    <a:lumMod val="50000"/>
+                  </a:schemeClr>
+                </a:solidFill>
+                <a:latin typeface="S-Core Dream 3 Light" panose="020B0503030302020204" pitchFamily="34" charset="-127"/>
+                <a:ea typeface="S-Core Dream 3 Light" panose="020B0503030302020204" pitchFamily="34" charset="-127"/>
+              </a:rPr>
+              <a:t>DB</a:t>
+            </a:r>
+            <a:r>
+              <a:rPr lang="ko-KR" altLang="en-US" sz="2400" b="1" spc="-150" dirty="0">
+                <a:ln>
+                  <a:solidFill>
+                    <a:schemeClr val="accent1">
+                      <a:shade val="50000"/>
+                      <a:alpha val="0"/>
+                    </a:schemeClr>
+                  </a:solidFill>
+                </a:ln>
+                <a:solidFill>
+                  <a:schemeClr val="accent5">
+                    <a:lumMod val="50000"/>
+                  </a:schemeClr>
+                </a:solidFill>
+                <a:latin typeface="S-Core Dream 3 Light" panose="020B0503030302020204" pitchFamily="34" charset="-127"/>
+                <a:ea typeface="S-Core Dream 3 Light" panose="020B0503030302020204" pitchFamily="34" charset="-127"/>
+              </a:rPr>
+              <a:t>에 최종 반영합니다</a:t>
+            </a:r>
+            <a:r>
+              <a:rPr lang="en-US" altLang="ko-KR" sz="2400" b="1" spc="-150" dirty="0">
+                <a:ln>
+                  <a:solidFill>
+                    <a:schemeClr val="accent1">
+                      <a:shade val="50000"/>
+                      <a:alpha val="0"/>
+                    </a:schemeClr>
+                  </a:solidFill>
+                </a:ln>
+                <a:solidFill>
+                  <a:schemeClr val="accent5">
+                    <a:lumMod val="50000"/>
+                  </a:schemeClr>
+                </a:solidFill>
+                <a:latin typeface="S-Core Dream 3 Light" panose="020B0503030302020204" pitchFamily="34" charset="-127"/>
+                <a:ea typeface="S-Core Dream 3 Light" panose="020B0503030302020204" pitchFamily="34" charset="-127"/>
+              </a:rPr>
+              <a:t>.</a:t>
+            </a:r>
           </a:p>
         </p:txBody>
       </p:sp>
-      <p:pic>
-        <p:nvPicPr>
-          <p:cNvPr id="7" name="그림 6">
-            <a:extLst>
-              <a:ext uri="{FF2B5EF4-FFF2-40B4-BE49-F238E27FC236}">
-                <a16:creationId xmlns:a16="http://schemas.microsoft.com/office/drawing/2014/main" id="{94BB2505-3427-0332-C0BC-296E52770307}"/>
-              </a:ext>
-            </a:extLst>
-          </p:cNvPr>
-          <p:cNvPicPr>
-            <a:picLocks noChangeAspect="1"/>
-          </p:cNvPicPr>
-          <p:nvPr/>
-        </p:nvPicPr>
-        <p:blipFill>
-          <a:blip r:embed="rId2"/>
-          <a:stretch>
-            <a:fillRect/>
-          </a:stretch>
-        </p:blipFill>
-        <p:spPr>
-          <a:xfrm>
-            <a:off x="1027523" y="3341007"/>
-            <a:ext cx="9029700" cy="2527300"/>
-          </a:xfrm>
-          <a:prstGeom prst="rect">
-            <a:avLst/>
-          </a:prstGeom>
-        </p:spPr>
-      </p:pic>
     </p:spTree>
     <p:extLst>
       <p:ext uri="{BB962C8B-B14F-4D97-AF65-F5344CB8AC3E}">
-        <p14:creationId xmlns:p14="http://schemas.microsoft.com/office/powerpoint/2010/main" val="421680850"/>
+        <p14:creationId xmlns:p14="http://schemas.microsoft.com/office/powerpoint/2010/main" val="698136667"/>
       </p:ext>
     </p:extLst>
   </p:cSld>
@@ -25521,7 +25340,7 @@
         <p:spPr>
           <a:xfrm>
             <a:off x="1027523" y="2090172"/>
-            <a:ext cx="9366422" cy="3046988"/>
+            <a:ext cx="9366422" cy="1938992"/>
           </a:xfrm>
           <a:prstGeom prst="rect">
             <a:avLst/>
@@ -25733,6 +25552,26 @@
             </a:endParaRPr>
           </a:p>
           <a:p>
+            <a:r>
+              <a:rPr lang="ko-KR" altLang="en-US" sz="2400" b="1" spc="-150" dirty="0">
+                <a:ln>
+                  <a:solidFill>
+                    <a:schemeClr val="accent1">
+                      <a:shade val="50000"/>
+                      <a:alpha val="0"/>
+                    </a:schemeClr>
+                  </a:solidFill>
+                </a:ln>
+                <a:solidFill>
+                  <a:schemeClr val="accent5">
+                    <a:lumMod val="50000"/>
+                  </a:schemeClr>
+                </a:solidFill>
+                <a:latin typeface="S-Core Dream 3 Light" panose="020B0503030302020204" pitchFamily="34" charset="-127"/>
+                <a:ea typeface="S-Core Dream 3 Light" panose="020B0503030302020204" pitchFamily="34" charset="-127"/>
+              </a:rPr>
+              <a:t> </a:t>
+            </a:r>
             <a:endParaRPr lang="en-US" altLang="ko-KR" sz="2400" b="1" spc="-150" dirty="0">
               <a:ln>
                 <a:solidFill>
@@ -25770,27 +25609,27 @@
                 <a:latin typeface="S-Core Dream 3 Light" panose="020B0503030302020204" pitchFamily="34" charset="-127"/>
                 <a:ea typeface="S-Core Dream 3 Light" panose="020B0503030302020204" pitchFamily="34" charset="-127"/>
               </a:rPr>
-              <a:t>예시 코드는 </a:t>
-            </a:r>
-            <a:r>
-              <a:rPr lang="en-US" altLang="ko-KR" sz="2400" b="1" spc="-150" dirty="0" err="1">
-                <a:ln>
-                  <a:solidFill>
-                    <a:schemeClr val="accent1">
-                      <a:shade val="50000"/>
-                      <a:alpha val="0"/>
-                    </a:schemeClr>
-                  </a:solidFill>
-                </a:ln>
-                <a:solidFill>
-                  <a:schemeClr val="accent5">
-                    <a:lumMod val="50000"/>
-                  </a:schemeClr>
-                </a:solidFill>
-                <a:latin typeface="S-Core Dream 3 Light" panose="020B0503030302020204" pitchFamily="34" charset="-127"/>
-                <a:ea typeface="S-Core Dream 3 Light" panose="020B0503030302020204" pitchFamily="34" charset="-127"/>
-              </a:rPr>
-              <a:t>pymysql</a:t>
+              <a:t>만약 </a:t>
+            </a:r>
+            <a:r>
+              <a:rPr lang="en-US" altLang="ko-KR" sz="2400" b="1" spc="-150" dirty="0">
+                <a:ln>
+                  <a:solidFill>
+                    <a:schemeClr val="accent1">
+                      <a:shade val="50000"/>
+                      <a:alpha val="0"/>
+                    </a:schemeClr>
+                  </a:solidFill>
+                </a:ln>
+                <a:solidFill>
+                  <a:schemeClr val="accent5">
+                    <a:lumMod val="50000"/>
+                  </a:schemeClr>
+                </a:solidFill>
+                <a:latin typeface="S-Core Dream 3 Light" panose="020B0503030302020204" pitchFamily="34" charset="-127"/>
+                <a:ea typeface="S-Core Dream 3 Light" panose="020B0503030302020204" pitchFamily="34" charset="-127"/>
+              </a:rPr>
+              <a:t>commit</a:t>
             </a:r>
             <a:r>
               <a:rPr lang="ko-KR" altLang="en-US" sz="2400" b="1" spc="-150" dirty="0">
@@ -25810,7 +25649,7 @@
                 <a:latin typeface="S-Core Dream 3 Light" panose="020B0503030302020204" pitchFamily="34" charset="-127"/>
                 <a:ea typeface="S-Core Dream 3 Light" panose="020B0503030302020204" pitchFamily="34" charset="-127"/>
               </a:rPr>
-              <a:t> 모듈을 통해 </a:t>
+              <a:t>을 호출하지 않는다면</a:t>
             </a:r>
             <a:endParaRPr lang="en-US" altLang="ko-KR" sz="2400" b="1" spc="-150" dirty="0">
               <a:ln>
@@ -25832,6 +25671,26 @@
           </a:p>
           <a:p>
             <a:r>
+              <a:rPr lang="en-US" altLang="ko-KR" sz="2400" b="1" spc="-150" dirty="0">
+                <a:ln>
+                  <a:solidFill>
+                    <a:schemeClr val="accent1">
+                      <a:shade val="50000"/>
+                      <a:alpha val="0"/>
+                    </a:schemeClr>
+                  </a:solidFill>
+                </a:ln>
+                <a:solidFill>
+                  <a:schemeClr val="accent5">
+                    <a:lumMod val="50000"/>
+                  </a:schemeClr>
+                </a:solidFill>
+                <a:latin typeface="S-Core Dream 3 Light" panose="020B0503030302020204" pitchFamily="34" charset="-127"/>
+                <a:ea typeface="S-Core Dream 3 Light" panose="020B0503030302020204" pitchFamily="34" charset="-127"/>
+              </a:rPr>
+              <a:t>DB</a:t>
+            </a:r>
+            <a:r>
               <a:rPr lang="ko-KR" altLang="en-US" sz="2400" b="1" spc="-150" dirty="0">
                 <a:ln>
                   <a:solidFill>
@@ -25849,8 +25708,30 @@
                 <a:latin typeface="S-Core Dream 3 Light" panose="020B0503030302020204" pitchFamily="34" charset="-127"/>
                 <a:ea typeface="S-Core Dream 3 Light" panose="020B0503030302020204" pitchFamily="34" charset="-127"/>
               </a:rPr>
-              <a:t>데이터베이스에 연결하는</a:t>
-            </a:r>
+              <a:t>에 적용되지 않습니다</a:t>
+            </a:r>
+            <a:r>
+              <a:rPr lang="en-US" altLang="ko-KR" sz="2400" b="1" spc="-150" dirty="0">
+                <a:ln>
+                  <a:solidFill>
+                    <a:schemeClr val="accent1">
+                      <a:shade val="50000"/>
+                      <a:alpha val="0"/>
+                    </a:schemeClr>
+                  </a:solidFill>
+                </a:ln>
+                <a:solidFill>
+                  <a:schemeClr val="accent5">
+                    <a:lumMod val="50000"/>
+                  </a:schemeClr>
+                </a:solidFill>
+                <a:latin typeface="S-Core Dream 3 Light" panose="020B0503030302020204" pitchFamily="34" charset="-127"/>
+                <a:ea typeface="S-Core Dream 3 Light" panose="020B0503030302020204" pitchFamily="34" charset="-127"/>
+              </a:rPr>
+              <a:t>.</a:t>
+            </a:r>
+          </a:p>
+          <a:p>
             <a:endParaRPr lang="en-US" altLang="ko-KR" sz="2400" b="1" spc="-150" dirty="0">
               <a:ln>
                 <a:solidFill>
@@ -25869,194 +25750,12 @@
               <a:ea typeface="S-Core Dream 3 Light" panose="020B0503030302020204" pitchFamily="34" charset="-127"/>
             </a:endParaRPr>
           </a:p>
-          <a:p>
-            <a:r>
-              <a:rPr lang="ko-KR" altLang="en-US" sz="2400" b="1" spc="-150" dirty="0">
-                <a:ln>
-                  <a:solidFill>
-                    <a:schemeClr val="accent1">
-                      <a:shade val="50000"/>
-                      <a:alpha val="0"/>
-                    </a:schemeClr>
-                  </a:solidFill>
-                </a:ln>
-                <a:solidFill>
-                  <a:schemeClr val="accent5">
-                    <a:lumMod val="50000"/>
-                  </a:schemeClr>
-                </a:solidFill>
-                <a:latin typeface="S-Core Dream 3 Light" panose="020B0503030302020204" pitchFamily="34" charset="-127"/>
-                <a:ea typeface="S-Core Dream 3 Light" panose="020B0503030302020204" pitchFamily="34" charset="-127"/>
-              </a:rPr>
-              <a:t>코드 입니다</a:t>
-            </a:r>
-            <a:r>
-              <a:rPr lang="en-US" altLang="ko-KR" sz="2400" b="1" spc="-150" dirty="0">
-                <a:ln>
-                  <a:solidFill>
-                    <a:schemeClr val="accent1">
-                      <a:shade val="50000"/>
-                      <a:alpha val="0"/>
-                    </a:schemeClr>
-                  </a:solidFill>
-                </a:ln>
-                <a:solidFill>
-                  <a:schemeClr val="accent5">
-                    <a:lumMod val="50000"/>
-                  </a:schemeClr>
-                </a:solidFill>
-                <a:latin typeface="S-Core Dream 3 Light" panose="020B0503030302020204" pitchFamily="34" charset="-127"/>
-                <a:ea typeface="S-Core Dream 3 Light" panose="020B0503030302020204" pitchFamily="34" charset="-127"/>
-              </a:rPr>
-              <a:t>.</a:t>
-            </a:r>
-          </a:p>
-          <a:p>
-            <a:endParaRPr lang="en-US" altLang="ko-KR" sz="2400" b="1" spc="-150" dirty="0">
-              <a:ln>
-                <a:solidFill>
-                  <a:schemeClr val="accent1">
-                    <a:shade val="50000"/>
-                    <a:alpha val="0"/>
-                  </a:schemeClr>
-                </a:solidFill>
-              </a:ln>
-              <a:solidFill>
-                <a:schemeClr val="accent5">
-                  <a:lumMod val="50000"/>
-                </a:schemeClr>
-              </a:solidFill>
-              <a:latin typeface="S-Core Dream 3 Light" panose="020B0503030302020204" pitchFamily="34" charset="-127"/>
-              <a:ea typeface="S-Core Dream 3 Light" panose="020B0503030302020204" pitchFamily="34" charset="-127"/>
-            </a:endParaRPr>
-          </a:p>
-          <a:p>
-            <a:r>
-              <a:rPr lang="ko-KR" altLang="en-US" sz="2400" b="1" spc="-150" dirty="0">
-                <a:ln>
-                  <a:solidFill>
-                    <a:schemeClr val="accent1">
-                      <a:shade val="50000"/>
-                      <a:alpha val="0"/>
-                    </a:schemeClr>
-                  </a:solidFill>
-                </a:ln>
-                <a:solidFill>
-                  <a:schemeClr val="accent5">
-                    <a:lumMod val="50000"/>
-                  </a:schemeClr>
-                </a:solidFill>
-                <a:latin typeface="S-Core Dream 3 Light" panose="020B0503030302020204" pitchFamily="34" charset="-127"/>
-                <a:ea typeface="S-Core Dream 3 Light" panose="020B0503030302020204" pitchFamily="34" charset="-127"/>
-              </a:rPr>
-              <a:t>이제 </a:t>
-            </a:r>
-            <a:r>
-              <a:rPr lang="en-US" altLang="ko-KR" sz="2400" b="1" spc="-150" dirty="0" err="1">
-                <a:ln>
-                  <a:solidFill>
-                    <a:schemeClr val="accent1">
-                      <a:shade val="50000"/>
-                      <a:alpha val="0"/>
-                    </a:schemeClr>
-                  </a:solidFill>
-                </a:ln>
-                <a:solidFill>
-                  <a:schemeClr val="accent5">
-                    <a:lumMod val="50000"/>
-                  </a:schemeClr>
-                </a:solidFill>
-                <a:latin typeface="S-Core Dream 3 Light" panose="020B0503030302020204" pitchFamily="34" charset="-127"/>
-                <a:ea typeface="S-Core Dream 3 Light" panose="020B0503030302020204" pitchFamily="34" charset="-127"/>
-              </a:rPr>
-              <a:t>pymysql</a:t>
-            </a:r>
-            <a:r>
-              <a:rPr lang="ko-KR" altLang="en-US" sz="2400" b="1" spc="-150" dirty="0">
-                <a:ln>
-                  <a:solidFill>
-                    <a:schemeClr val="accent1">
-                      <a:shade val="50000"/>
-                      <a:alpha val="0"/>
-                    </a:schemeClr>
-                  </a:solidFill>
-                </a:ln>
-                <a:solidFill>
-                  <a:schemeClr val="accent5">
-                    <a:lumMod val="50000"/>
-                  </a:schemeClr>
-                </a:solidFill>
-                <a:latin typeface="S-Core Dream 3 Light" panose="020B0503030302020204" pitchFamily="34" charset="-127"/>
-                <a:ea typeface="S-Core Dream 3 Light" panose="020B0503030302020204" pitchFamily="34" charset="-127"/>
-              </a:rPr>
-              <a:t> 모듈의 커서를 이용해</a:t>
-            </a:r>
-            <a:endParaRPr lang="en-US" altLang="ko-KR" sz="2400" b="1" spc="-150" dirty="0">
-              <a:ln>
-                <a:solidFill>
-                  <a:schemeClr val="accent1">
-                    <a:shade val="50000"/>
-                    <a:alpha val="0"/>
-                  </a:schemeClr>
-                </a:solidFill>
-              </a:ln>
-              <a:solidFill>
-                <a:schemeClr val="accent5">
-                  <a:lumMod val="50000"/>
-                </a:schemeClr>
-              </a:solidFill>
-              <a:latin typeface="S-Core Dream 3 Light" panose="020B0503030302020204" pitchFamily="34" charset="-127"/>
-              <a:ea typeface="S-Core Dream 3 Light" panose="020B0503030302020204" pitchFamily="34" charset="-127"/>
-            </a:endParaRPr>
-          </a:p>
-          <a:p>
-            <a:r>
-              <a:rPr lang="ko-KR" altLang="en-US" sz="2400" b="1" spc="-150" dirty="0">
-                <a:ln>
-                  <a:solidFill>
-                    <a:schemeClr val="accent1">
-                      <a:shade val="50000"/>
-                      <a:alpha val="0"/>
-                    </a:schemeClr>
-                  </a:solidFill>
-                </a:ln>
-                <a:solidFill>
-                  <a:schemeClr val="accent5">
-                    <a:lumMod val="50000"/>
-                  </a:schemeClr>
-                </a:solidFill>
-                <a:latin typeface="S-Core Dream 3 Light" panose="020B0503030302020204" pitchFamily="34" charset="-127"/>
-                <a:ea typeface="S-Core Dream 3 Light" panose="020B0503030302020204" pitchFamily="34" charset="-127"/>
-              </a:rPr>
-              <a:t>쿼리를 수행하여 보겠습니다</a:t>
-            </a:r>
-            <a:r>
-              <a:rPr lang="en-US" altLang="ko-KR" sz="2400" b="1" spc="-150" dirty="0">
-                <a:ln>
-                  <a:solidFill>
-                    <a:schemeClr val="accent1">
-                      <a:shade val="50000"/>
-                      <a:alpha val="0"/>
-                    </a:schemeClr>
-                  </a:solidFill>
-                </a:ln>
-                <a:solidFill>
-                  <a:schemeClr val="accent5">
-                    <a:lumMod val="50000"/>
-                  </a:schemeClr>
-                </a:solidFill>
-                <a:latin typeface="S-Core Dream 3 Light" panose="020B0503030302020204" pitchFamily="34" charset="-127"/>
-                <a:ea typeface="S-Core Dream 3 Light" panose="020B0503030302020204" pitchFamily="34" charset="-127"/>
-              </a:rPr>
-              <a:t>.</a:t>
-            </a:r>
-          </a:p>
         </p:txBody>
       </p:sp>
     </p:spTree>
     <p:extLst>
       <p:ext uri="{BB962C8B-B14F-4D97-AF65-F5344CB8AC3E}">
-        <p14:creationId xmlns:p14="http://schemas.microsoft.com/office/powerpoint/2010/main" val="843198895"/>
+        <p14:creationId xmlns:p14="http://schemas.microsoft.com/office/powerpoint/2010/main" val="2783905351"/>
       </p:ext>
     </p:extLst>
   </p:cSld>
@@ -26379,7 +26078,7 @@
         <p:spPr>
           <a:xfrm>
             <a:off x="1027523" y="2090172"/>
-            <a:ext cx="9366422" cy="830997"/>
+            <a:ext cx="9366422" cy="3416320"/>
           </a:xfrm>
           <a:prstGeom prst="rect">
             <a:avLst/>
@@ -26629,6 +26328,202 @@
               <a:ea typeface="S-Core Dream 3 Light" panose="020B0503030302020204" pitchFamily="34" charset="-127"/>
             </a:endParaRPr>
           </a:p>
+          <a:p>
+            <a:r>
+              <a:rPr lang="ko-KR" altLang="en-US" sz="2400" b="1" spc="-150" dirty="0">
+                <a:ln>
+                  <a:solidFill>
+                    <a:schemeClr val="accent1">
+                      <a:shade val="50000"/>
+                      <a:alpha val="0"/>
+                    </a:schemeClr>
+                  </a:solidFill>
+                </a:ln>
+                <a:solidFill>
+                  <a:schemeClr val="accent5">
+                    <a:lumMod val="50000"/>
+                  </a:schemeClr>
+                </a:solidFill>
+                <a:latin typeface="S-Core Dream 3 Light" panose="020B0503030302020204" pitchFamily="34" charset="-127"/>
+                <a:ea typeface="S-Core Dream 3 Light" panose="020B0503030302020204" pitchFamily="34" charset="-127"/>
+              </a:rPr>
+              <a:t>이번에는 </a:t>
+            </a:r>
+            <a:r>
+              <a:rPr lang="en-US" altLang="ko-KR" sz="2400" b="1" spc="-150" dirty="0">
+                <a:ln>
+                  <a:solidFill>
+                    <a:schemeClr val="accent1">
+                      <a:shade val="50000"/>
+                      <a:alpha val="0"/>
+                    </a:schemeClr>
+                  </a:solidFill>
+                </a:ln>
+                <a:solidFill>
+                  <a:schemeClr val="accent5">
+                    <a:lumMod val="50000"/>
+                  </a:schemeClr>
+                </a:solidFill>
+                <a:latin typeface="S-Core Dream 3 Light" panose="020B0503030302020204" pitchFamily="34" charset="-127"/>
+                <a:ea typeface="S-Core Dream 3 Light" panose="020B0503030302020204" pitchFamily="34" charset="-127"/>
+              </a:rPr>
+              <a:t>INSERT</a:t>
+            </a:r>
+            <a:r>
+              <a:rPr lang="ko-KR" altLang="en-US" sz="2400" b="1" spc="-150" dirty="0">
+                <a:ln>
+                  <a:solidFill>
+                    <a:schemeClr val="accent1">
+                      <a:shade val="50000"/>
+                      <a:alpha val="0"/>
+                    </a:schemeClr>
+                  </a:solidFill>
+                </a:ln>
+                <a:solidFill>
+                  <a:schemeClr val="accent5">
+                    <a:lumMod val="50000"/>
+                  </a:schemeClr>
+                </a:solidFill>
+                <a:latin typeface="S-Core Dream 3 Light" panose="020B0503030302020204" pitchFamily="34" charset="-127"/>
+                <a:ea typeface="S-Core Dream 3 Light" panose="020B0503030302020204" pitchFamily="34" charset="-127"/>
+              </a:rPr>
+              <a:t> 쿼리를 수행해 보도록 하겠습니다</a:t>
+            </a:r>
+            <a:r>
+              <a:rPr lang="en-US" altLang="ko-KR" sz="2400" b="1" spc="-150" dirty="0">
+                <a:ln>
+                  <a:solidFill>
+                    <a:schemeClr val="accent1">
+                      <a:shade val="50000"/>
+                      <a:alpha val="0"/>
+                    </a:schemeClr>
+                  </a:solidFill>
+                </a:ln>
+                <a:solidFill>
+                  <a:schemeClr val="accent5">
+                    <a:lumMod val="50000"/>
+                  </a:schemeClr>
+                </a:solidFill>
+                <a:latin typeface="S-Core Dream 3 Light" panose="020B0503030302020204" pitchFamily="34" charset="-127"/>
+                <a:ea typeface="S-Core Dream 3 Light" panose="020B0503030302020204" pitchFamily="34" charset="-127"/>
+              </a:rPr>
+              <a:t>.</a:t>
+            </a:r>
+          </a:p>
+          <a:p>
+            <a:endParaRPr lang="en-US" altLang="ko-KR" sz="2400" b="1" spc="-150" dirty="0">
+              <a:ln>
+                <a:solidFill>
+                  <a:schemeClr val="accent1">
+                    <a:shade val="50000"/>
+                    <a:alpha val="0"/>
+                  </a:schemeClr>
+                </a:solidFill>
+              </a:ln>
+              <a:solidFill>
+                <a:schemeClr val="accent5">
+                  <a:lumMod val="50000"/>
+                </a:schemeClr>
+              </a:solidFill>
+              <a:latin typeface="S-Core Dream 3 Light" panose="020B0503030302020204" pitchFamily="34" charset="-127"/>
+              <a:ea typeface="S-Core Dream 3 Light" panose="020B0503030302020204" pitchFamily="34" charset="-127"/>
+            </a:endParaRPr>
+          </a:p>
+          <a:p>
+            <a:endParaRPr lang="en-US" altLang="ko-KR" sz="2400" b="1" spc="-150" dirty="0">
+              <a:ln>
+                <a:solidFill>
+                  <a:schemeClr val="accent1">
+                    <a:shade val="50000"/>
+                    <a:alpha val="0"/>
+                  </a:schemeClr>
+                </a:solidFill>
+              </a:ln>
+              <a:solidFill>
+                <a:schemeClr val="accent5">
+                  <a:lumMod val="50000"/>
+                </a:schemeClr>
+              </a:solidFill>
+              <a:latin typeface="S-Core Dream 3 Light" panose="020B0503030302020204" pitchFamily="34" charset="-127"/>
+              <a:ea typeface="S-Core Dream 3 Light" panose="020B0503030302020204" pitchFamily="34" charset="-127"/>
+            </a:endParaRPr>
+          </a:p>
+          <a:p>
+            <a:endParaRPr lang="en-US" altLang="ko-KR" sz="2400" b="1" spc="-150" dirty="0">
+              <a:ln>
+                <a:solidFill>
+                  <a:schemeClr val="accent1">
+                    <a:shade val="50000"/>
+                    <a:alpha val="0"/>
+                  </a:schemeClr>
+                </a:solidFill>
+              </a:ln>
+              <a:solidFill>
+                <a:schemeClr val="accent5">
+                  <a:lumMod val="50000"/>
+                </a:schemeClr>
+              </a:solidFill>
+              <a:latin typeface="S-Core Dream 3 Light" panose="020B0503030302020204" pitchFamily="34" charset="-127"/>
+              <a:ea typeface="S-Core Dream 3 Light" panose="020B0503030302020204" pitchFamily="34" charset="-127"/>
+            </a:endParaRPr>
+          </a:p>
+          <a:p>
+            <a:endParaRPr lang="en-US" altLang="ko-KR" sz="2400" b="1" spc="-150" dirty="0">
+              <a:ln>
+                <a:solidFill>
+                  <a:schemeClr val="accent1">
+                    <a:shade val="50000"/>
+                    <a:alpha val="0"/>
+                  </a:schemeClr>
+                </a:solidFill>
+              </a:ln>
+              <a:solidFill>
+                <a:schemeClr val="accent5">
+                  <a:lumMod val="50000"/>
+                </a:schemeClr>
+              </a:solidFill>
+              <a:latin typeface="S-Core Dream 3 Light" panose="020B0503030302020204" pitchFamily="34" charset="-127"/>
+              <a:ea typeface="S-Core Dream 3 Light" panose="020B0503030302020204" pitchFamily="34" charset="-127"/>
+            </a:endParaRPr>
+          </a:p>
+          <a:p>
+            <a:endParaRPr lang="en-US" altLang="ko-KR" sz="2400" b="1" spc="-150" dirty="0">
+              <a:ln>
+                <a:solidFill>
+                  <a:schemeClr val="accent1">
+                    <a:shade val="50000"/>
+                    <a:alpha val="0"/>
+                  </a:schemeClr>
+                </a:solidFill>
+              </a:ln>
+              <a:solidFill>
+                <a:schemeClr val="accent5">
+                  <a:lumMod val="50000"/>
+                </a:schemeClr>
+              </a:solidFill>
+              <a:latin typeface="S-Core Dream 3 Light" panose="020B0503030302020204" pitchFamily="34" charset="-127"/>
+              <a:ea typeface="S-Core Dream 3 Light" panose="020B0503030302020204" pitchFamily="34" charset="-127"/>
+            </a:endParaRPr>
+          </a:p>
+          <a:p>
+            <a:endParaRPr lang="en-US" altLang="ko-KR" sz="2400" b="1" spc="-150" dirty="0">
+              <a:ln>
+                <a:solidFill>
+                  <a:schemeClr val="accent1">
+                    <a:shade val="50000"/>
+                    <a:alpha val="0"/>
+                  </a:schemeClr>
+                </a:solidFill>
+              </a:ln>
+              <a:solidFill>
+                <a:schemeClr val="accent5">
+                  <a:lumMod val="50000"/>
+                </a:schemeClr>
+              </a:solidFill>
+              <a:latin typeface="S-Core Dream 3 Light" panose="020B0503030302020204" pitchFamily="34" charset="-127"/>
+              <a:ea typeface="S-Core Dream 3 Light" panose="020B0503030302020204" pitchFamily="34" charset="-127"/>
+            </a:endParaRPr>
+          </a:p>
         </p:txBody>
       </p:sp>
       <p:pic>
@@ -26636,7 +26531,7 @@
           <p:cNvPr id="6" name="그림 5">
             <a:extLst>
               <a:ext uri="{FF2B5EF4-FFF2-40B4-BE49-F238E27FC236}">
-                <a16:creationId xmlns:a16="http://schemas.microsoft.com/office/drawing/2014/main" id="{4E2048A1-724C-571F-437E-D79738C26214}"/>
+                <a16:creationId xmlns:a16="http://schemas.microsoft.com/office/drawing/2014/main" id="{2F7E499B-B3FC-3C18-18C1-458AE83FE359}"/>
               </a:ext>
             </a:extLst>
           </p:cNvPr>
@@ -26653,8 +26548,8 @@
         </p:blipFill>
         <p:spPr>
           <a:xfrm>
-            <a:off x="1027523" y="2913597"/>
-            <a:ext cx="8991600" cy="3175000"/>
+            <a:off x="1027523" y="3429000"/>
+            <a:ext cx="8033839" cy="2863547"/>
           </a:xfrm>
           <a:prstGeom prst="rect">
             <a:avLst/>
@@ -26664,7 +26559,7 @@
     </p:spTree>
     <p:extLst>
       <p:ext uri="{BB962C8B-B14F-4D97-AF65-F5344CB8AC3E}">
-        <p14:creationId xmlns:p14="http://schemas.microsoft.com/office/powerpoint/2010/main" val="2812655773"/>
+        <p14:creationId xmlns:p14="http://schemas.microsoft.com/office/powerpoint/2010/main" val="1020080238"/>
       </p:ext>
     </p:extLst>
   </p:cSld>
@@ -26987,7 +26882,7 @@
         <p:spPr>
           <a:xfrm>
             <a:off x="1027523" y="2090172"/>
-            <a:ext cx="9366422" cy="3046988"/>
+            <a:ext cx="9366422" cy="2677656"/>
           </a:xfrm>
           <a:prstGeom prst="rect">
             <a:avLst/>
@@ -27239,26 +27134,6 @@
           </a:p>
           <a:p>
             <a:r>
-              <a:rPr lang="en-US" altLang="ko-KR" sz="2400" b="1" spc="-150" dirty="0" err="1">
-                <a:ln>
-                  <a:solidFill>
-                    <a:schemeClr val="accent1">
-                      <a:shade val="50000"/>
-                      <a:alpha val="0"/>
-                    </a:schemeClr>
-                  </a:solidFill>
-                </a:ln>
-                <a:solidFill>
-                  <a:schemeClr val="accent5">
-                    <a:lumMod val="50000"/>
-                  </a:schemeClr>
-                </a:solidFill>
-                <a:latin typeface="S-Core Dream 3 Light" panose="020B0503030302020204" pitchFamily="34" charset="-127"/>
-                <a:ea typeface="S-Core Dream 3 Light" panose="020B0503030302020204" pitchFamily="34" charset="-127"/>
-              </a:rPr>
-              <a:t>Sql</a:t>
-            </a:r>
-            <a:r>
               <a:rPr lang="en-US" altLang="ko-KR" sz="2400" b="1" spc="-150" dirty="0">
                 <a:ln>
                   <a:solidFill>
@@ -27276,7 +27151,7 @@
                 <a:latin typeface="S-Core Dream 3 Light" panose="020B0503030302020204" pitchFamily="34" charset="-127"/>
                 <a:ea typeface="S-Core Dream 3 Light" panose="020B0503030302020204" pitchFamily="34" charset="-127"/>
               </a:rPr>
-              <a:t> </a:t>
+              <a:t>SELECT </a:t>
             </a:r>
             <a:r>
               <a:rPr lang="ko-KR" altLang="en-US" sz="2400" b="1" spc="-150" dirty="0">
@@ -27296,7 +27171,7 @@
                 <a:latin typeface="S-Core Dream 3 Light" panose="020B0503030302020204" pitchFamily="34" charset="-127"/>
                 <a:ea typeface="S-Core Dream 3 Light" panose="020B0503030302020204" pitchFamily="34" charset="-127"/>
               </a:rPr>
-              <a:t>구문 문자열을 </a:t>
+              <a:t>쿼리를 통해 레코드를 불러 옵니다</a:t>
             </a:r>
             <a:r>
               <a:rPr lang="en-US" altLang="ko-KR" sz="2400" b="1" spc="-150" dirty="0">
@@ -27316,28 +27191,10 @@
                 <a:latin typeface="S-Core Dream 3 Light" panose="020B0503030302020204" pitchFamily="34" charset="-127"/>
                 <a:ea typeface="S-Core Dream 3 Light" panose="020B0503030302020204" pitchFamily="34" charset="-127"/>
               </a:rPr>
-              <a:t>cursor</a:t>
-            </a:r>
-            <a:r>
-              <a:rPr lang="ko-KR" altLang="en-US" sz="2400" b="1" spc="-150" dirty="0">
-                <a:ln>
-                  <a:solidFill>
-                    <a:schemeClr val="accent1">
-                      <a:shade val="50000"/>
-                      <a:alpha val="0"/>
-                    </a:schemeClr>
-                  </a:solidFill>
-                </a:ln>
-                <a:solidFill>
-                  <a:schemeClr val="accent5">
-                    <a:lumMod val="50000"/>
-                  </a:schemeClr>
-                </a:solidFill>
-                <a:latin typeface="S-Core Dream 3 Light" panose="020B0503030302020204" pitchFamily="34" charset="-127"/>
-                <a:ea typeface="S-Core Dream 3 Light" panose="020B0503030302020204" pitchFamily="34" charset="-127"/>
-              </a:rPr>
-              <a:t>의 </a:t>
-            </a:r>
+              <a:t>.</a:t>
+            </a:r>
+          </a:p>
+          <a:p>
             <a:endParaRPr lang="en-US" altLang="ko-KR" sz="2400" b="1" spc="-150" dirty="0">
               <a:ln>
                 <a:solidFill>
@@ -27357,46 +27214,6 @@
             </a:endParaRPr>
           </a:p>
           <a:p>
-            <a:r>
-              <a:rPr lang="en-US" altLang="ko-KR" sz="2400" b="1" spc="-150" dirty="0">
-                <a:ln>
-                  <a:solidFill>
-                    <a:schemeClr val="accent1">
-                      <a:shade val="50000"/>
-                      <a:alpha val="0"/>
-                    </a:schemeClr>
-                  </a:solidFill>
-                </a:ln>
-                <a:solidFill>
-                  <a:schemeClr val="accent5">
-                    <a:lumMod val="50000"/>
-                  </a:schemeClr>
-                </a:solidFill>
-                <a:latin typeface="S-Core Dream 3 Light" panose="020B0503030302020204" pitchFamily="34" charset="-127"/>
-                <a:ea typeface="S-Core Dream 3 Light" panose="020B0503030302020204" pitchFamily="34" charset="-127"/>
-              </a:rPr>
-              <a:t>execute</a:t>
-            </a:r>
-            <a:r>
-              <a:rPr lang="ko-KR" altLang="en-US" sz="2400" b="1" spc="-150" dirty="0">
-                <a:ln>
-                  <a:solidFill>
-                    <a:schemeClr val="accent1">
-                      <a:shade val="50000"/>
-                      <a:alpha val="0"/>
-                    </a:schemeClr>
-                  </a:solidFill>
-                </a:ln>
-                <a:solidFill>
-                  <a:schemeClr val="accent5">
-                    <a:lumMod val="50000"/>
-                  </a:schemeClr>
-                </a:solidFill>
-                <a:latin typeface="S-Core Dream 3 Light" panose="020B0503030302020204" pitchFamily="34" charset="-127"/>
-                <a:ea typeface="S-Core Dream 3 Light" panose="020B0503030302020204" pitchFamily="34" charset="-127"/>
-              </a:rPr>
-              <a:t> 함수에 전달함으로써 </a:t>
-            </a:r>
             <a:endParaRPr lang="en-US" altLang="ko-KR" sz="2400" b="1" spc="-150" dirty="0">
               <a:ln>
                 <a:solidFill>
@@ -27416,68 +27233,6 @@
             </a:endParaRPr>
           </a:p>
           <a:p>
-            <a:r>
-              <a:rPr lang="en-US" altLang="ko-KR" sz="2400" b="1" spc="-150" dirty="0" err="1">
-                <a:ln>
-                  <a:solidFill>
-                    <a:schemeClr val="accent1">
-                      <a:shade val="50000"/>
-                      <a:alpha val="0"/>
-                    </a:schemeClr>
-                  </a:solidFill>
-                </a:ln>
-                <a:solidFill>
-                  <a:schemeClr val="accent5">
-                    <a:lumMod val="50000"/>
-                  </a:schemeClr>
-                </a:solidFill>
-                <a:latin typeface="S-Core Dream 3 Light" panose="020B0503030302020204" pitchFamily="34" charset="-127"/>
-                <a:ea typeface="S-Core Dream 3 Light" panose="020B0503030302020204" pitchFamily="34" charset="-127"/>
-              </a:rPr>
-              <a:t>Sql</a:t>
-            </a:r>
-            <a:r>
-              <a:rPr lang="ko-KR" altLang="en-US" sz="2400" b="1" spc="-150" dirty="0">
-                <a:ln>
-                  <a:solidFill>
-                    <a:schemeClr val="accent1">
-                      <a:shade val="50000"/>
-                      <a:alpha val="0"/>
-                    </a:schemeClr>
-                  </a:solidFill>
-                </a:ln>
-                <a:solidFill>
-                  <a:schemeClr val="accent5">
-                    <a:lumMod val="50000"/>
-                  </a:schemeClr>
-                </a:solidFill>
-                <a:latin typeface="S-Core Dream 3 Light" panose="020B0503030302020204" pitchFamily="34" charset="-127"/>
-                <a:ea typeface="S-Core Dream 3 Light" panose="020B0503030302020204" pitchFamily="34" charset="-127"/>
-              </a:rPr>
-              <a:t> 구문을 수행할 수 있습니다</a:t>
-            </a:r>
-            <a:r>
-              <a:rPr lang="en-US" altLang="ko-KR" sz="2400" b="1" spc="-150" dirty="0">
-                <a:ln>
-                  <a:solidFill>
-                    <a:schemeClr val="accent1">
-                      <a:shade val="50000"/>
-                      <a:alpha val="0"/>
-                    </a:schemeClr>
-                  </a:solidFill>
-                </a:ln>
-                <a:solidFill>
-                  <a:schemeClr val="accent5">
-                    <a:lumMod val="50000"/>
-                  </a:schemeClr>
-                </a:solidFill>
-                <a:latin typeface="S-Core Dream 3 Light" panose="020B0503030302020204" pitchFamily="34" charset="-127"/>
-                <a:ea typeface="S-Core Dream 3 Light" panose="020B0503030302020204" pitchFamily="34" charset="-127"/>
-              </a:rPr>
-              <a:t>.</a:t>
-            </a:r>
-          </a:p>
-          <a:p>
             <a:endParaRPr lang="en-US" altLang="ko-KR" sz="2400" b="1" spc="-150" dirty="0">
               <a:ln>
                 <a:solidFill>
@@ -27497,106 +27252,6 @@
             </a:endParaRPr>
           </a:p>
           <a:p>
-            <a:r>
-              <a:rPr lang="ko-KR" altLang="en-US" sz="2400" b="1" spc="-150" dirty="0">
-                <a:ln>
-                  <a:solidFill>
-                    <a:schemeClr val="accent1">
-                      <a:shade val="50000"/>
-                      <a:alpha val="0"/>
-                    </a:schemeClr>
-                  </a:solidFill>
-                </a:ln>
-                <a:solidFill>
-                  <a:schemeClr val="accent5">
-                    <a:lumMod val="50000"/>
-                  </a:schemeClr>
-                </a:solidFill>
-                <a:latin typeface="S-Core Dream 3 Light" panose="020B0503030302020204" pitchFamily="34" charset="-127"/>
-                <a:ea typeface="S-Core Dream 3 Light" panose="020B0503030302020204" pitchFamily="34" charset="-127"/>
-              </a:rPr>
-              <a:t>그리고 </a:t>
-            </a:r>
-            <a:r>
-              <a:rPr lang="en-US" altLang="ko-KR" sz="2400" b="1" spc="-150" dirty="0">
-                <a:ln>
-                  <a:solidFill>
-                    <a:schemeClr val="accent1">
-                      <a:shade val="50000"/>
-                      <a:alpha val="0"/>
-                    </a:schemeClr>
-                  </a:solidFill>
-                </a:ln>
-                <a:solidFill>
-                  <a:schemeClr val="accent5">
-                    <a:lumMod val="50000"/>
-                  </a:schemeClr>
-                </a:solidFill>
-                <a:latin typeface="S-Core Dream 3 Light" panose="020B0503030302020204" pitchFamily="34" charset="-127"/>
-                <a:ea typeface="S-Core Dream 3 Light" panose="020B0503030302020204" pitchFamily="34" charset="-127"/>
-              </a:rPr>
-              <a:t>create, insert,</a:t>
-            </a:r>
-            <a:r>
-              <a:rPr lang="ko-KR" altLang="en-US" sz="2400" b="1" spc="-150" dirty="0">
-                <a:ln>
-                  <a:solidFill>
-                    <a:schemeClr val="accent1">
-                      <a:shade val="50000"/>
-                      <a:alpha val="0"/>
-                    </a:schemeClr>
-                  </a:solidFill>
-                </a:ln>
-                <a:solidFill>
-                  <a:schemeClr val="accent5">
-                    <a:lumMod val="50000"/>
-                  </a:schemeClr>
-                </a:solidFill>
-                <a:latin typeface="S-Core Dream 3 Light" panose="020B0503030302020204" pitchFamily="34" charset="-127"/>
-                <a:ea typeface="S-Core Dream 3 Light" panose="020B0503030302020204" pitchFamily="34" charset="-127"/>
-              </a:rPr>
-              <a:t> </a:t>
-            </a:r>
-            <a:r>
-              <a:rPr lang="en-US" altLang="ko-KR" sz="2400" b="1" spc="-150" dirty="0">
-                <a:ln>
-                  <a:solidFill>
-                    <a:schemeClr val="accent1">
-                      <a:shade val="50000"/>
-                      <a:alpha val="0"/>
-                    </a:schemeClr>
-                  </a:solidFill>
-                </a:ln>
-                <a:solidFill>
-                  <a:schemeClr val="accent5">
-                    <a:lumMod val="50000"/>
-                  </a:schemeClr>
-                </a:solidFill>
-                <a:latin typeface="S-Core Dream 3 Light" panose="020B0503030302020204" pitchFamily="34" charset="-127"/>
-                <a:ea typeface="S-Core Dream 3 Light" panose="020B0503030302020204" pitchFamily="34" charset="-127"/>
-              </a:rPr>
-              <a:t>update</a:t>
-            </a:r>
-            <a:r>
-              <a:rPr lang="ko-KR" altLang="en-US" sz="2400" b="1" spc="-150" dirty="0">
-                <a:ln>
-                  <a:solidFill>
-                    <a:schemeClr val="accent1">
-                      <a:shade val="50000"/>
-                      <a:alpha val="0"/>
-                    </a:schemeClr>
-                  </a:solidFill>
-                </a:ln>
-                <a:solidFill>
-                  <a:schemeClr val="accent5">
-                    <a:lumMod val="50000"/>
-                  </a:schemeClr>
-                </a:solidFill>
-                <a:latin typeface="S-Core Dream 3 Light" panose="020B0503030302020204" pitchFamily="34" charset="-127"/>
-                <a:ea typeface="S-Core Dream 3 Light" panose="020B0503030302020204" pitchFamily="34" charset="-127"/>
-              </a:rPr>
-              <a:t> 등의 쿼리를 수행한 이후</a:t>
-            </a:r>
             <a:endParaRPr lang="en-US" altLang="ko-KR" sz="2400" b="1" spc="-150" dirty="0">
               <a:ln>
                 <a:solidFill>
@@ -27615,114 +27270,42 @@
               <a:ea typeface="S-Core Dream 3 Light" panose="020B0503030302020204" pitchFamily="34" charset="-127"/>
             </a:endParaRPr>
           </a:p>
-          <a:p>
-            <a:r>
-              <a:rPr lang="en-US" altLang="ko-KR" sz="2400" b="1" spc="-150" dirty="0">
-                <a:ln>
-                  <a:solidFill>
-                    <a:schemeClr val="accent1">
-                      <a:shade val="50000"/>
-                      <a:alpha val="0"/>
-                    </a:schemeClr>
-                  </a:solidFill>
-                </a:ln>
-                <a:solidFill>
-                  <a:schemeClr val="accent5">
-                    <a:lumMod val="50000"/>
-                  </a:schemeClr>
-                </a:solidFill>
-                <a:latin typeface="S-Core Dream 3 Light" panose="020B0503030302020204" pitchFamily="34" charset="-127"/>
-                <a:ea typeface="S-Core Dream 3 Light" panose="020B0503030302020204" pitchFamily="34" charset="-127"/>
-              </a:rPr>
-              <a:t>Commit</a:t>
-            </a:r>
-            <a:r>
-              <a:rPr lang="ko-KR" altLang="en-US" sz="2400" b="1" spc="-150" dirty="0">
-                <a:ln>
-                  <a:solidFill>
-                    <a:schemeClr val="accent1">
-                      <a:shade val="50000"/>
-                      <a:alpha val="0"/>
-                    </a:schemeClr>
-                  </a:solidFill>
-                </a:ln>
-                <a:solidFill>
-                  <a:schemeClr val="accent5">
-                    <a:lumMod val="50000"/>
-                  </a:schemeClr>
-                </a:solidFill>
-                <a:latin typeface="S-Core Dream 3 Light" panose="020B0503030302020204" pitchFamily="34" charset="-127"/>
-                <a:ea typeface="S-Core Dream 3 Light" panose="020B0503030302020204" pitchFamily="34" charset="-127"/>
-              </a:rPr>
-              <a:t> 함수를 통해 </a:t>
-            </a:r>
-            <a:r>
-              <a:rPr lang="en-US" altLang="ko-KR" sz="2400" b="1" spc="-150" dirty="0">
-                <a:ln>
-                  <a:solidFill>
-                    <a:schemeClr val="accent1">
-                      <a:shade val="50000"/>
-                      <a:alpha val="0"/>
-                    </a:schemeClr>
-                  </a:solidFill>
-                </a:ln>
-                <a:solidFill>
-                  <a:schemeClr val="accent5">
-                    <a:lumMod val="50000"/>
-                  </a:schemeClr>
-                </a:solidFill>
-                <a:latin typeface="S-Core Dream 3 Light" panose="020B0503030302020204" pitchFamily="34" charset="-127"/>
-                <a:ea typeface="S-Core Dream 3 Light" panose="020B0503030302020204" pitchFamily="34" charset="-127"/>
-              </a:rPr>
-              <a:t>DB</a:t>
-            </a:r>
-            <a:r>
-              <a:rPr lang="ko-KR" altLang="en-US" sz="2400" b="1" spc="-150" dirty="0">
-                <a:ln>
-                  <a:solidFill>
-                    <a:schemeClr val="accent1">
-                      <a:shade val="50000"/>
-                      <a:alpha val="0"/>
-                    </a:schemeClr>
-                  </a:solidFill>
-                </a:ln>
-                <a:solidFill>
-                  <a:schemeClr val="accent5">
-                    <a:lumMod val="50000"/>
-                  </a:schemeClr>
-                </a:solidFill>
-                <a:latin typeface="S-Core Dream 3 Light" panose="020B0503030302020204" pitchFamily="34" charset="-127"/>
-                <a:ea typeface="S-Core Dream 3 Light" panose="020B0503030302020204" pitchFamily="34" charset="-127"/>
-              </a:rPr>
-              <a:t>에 최종 반영합니다</a:t>
-            </a:r>
-            <a:r>
-              <a:rPr lang="en-US" altLang="ko-KR" sz="2400" b="1" spc="-150" dirty="0">
-                <a:ln>
-                  <a:solidFill>
-                    <a:schemeClr val="accent1">
-                      <a:shade val="50000"/>
-                      <a:alpha val="0"/>
-                    </a:schemeClr>
-                  </a:solidFill>
-                </a:ln>
-                <a:solidFill>
-                  <a:schemeClr val="accent5">
-                    <a:lumMod val="50000"/>
-                  </a:schemeClr>
-                </a:solidFill>
-                <a:latin typeface="S-Core Dream 3 Light" panose="020B0503030302020204" pitchFamily="34" charset="-127"/>
-                <a:ea typeface="S-Core Dream 3 Light" panose="020B0503030302020204" pitchFamily="34" charset="-127"/>
-              </a:rPr>
-              <a:t>.</a:t>
-            </a:r>
-          </a:p>
         </p:txBody>
       </p:sp>
+      <p:pic>
+        <p:nvPicPr>
+          <p:cNvPr id="7" name="그림 6">
+            <a:extLst>
+              <a:ext uri="{FF2B5EF4-FFF2-40B4-BE49-F238E27FC236}">
+                <a16:creationId xmlns:a16="http://schemas.microsoft.com/office/drawing/2014/main" id="{A8AF91A6-B210-6E57-34A9-B144EF12DFA3}"/>
+              </a:ext>
+            </a:extLst>
+          </p:cNvPr>
+          <p:cNvPicPr>
+            <a:picLocks noChangeAspect="1"/>
+          </p:cNvPicPr>
+          <p:nvPr/>
+        </p:nvPicPr>
+        <p:blipFill>
+          <a:blip r:embed="rId2"/>
+          <a:stretch>
+            <a:fillRect/>
+          </a:stretch>
+        </p:blipFill>
+        <p:spPr>
+          <a:xfrm>
+            <a:off x="1027523" y="3429000"/>
+            <a:ext cx="8991600" cy="3213100"/>
+          </a:xfrm>
+          <a:prstGeom prst="rect">
+            <a:avLst/>
+          </a:prstGeom>
+        </p:spPr>
+      </p:pic>
     </p:spTree>
     <p:extLst>
       <p:ext uri="{BB962C8B-B14F-4D97-AF65-F5344CB8AC3E}">
-        <p14:creationId xmlns:p14="http://schemas.microsoft.com/office/powerpoint/2010/main" val="698136667"/>
+        <p14:creationId xmlns:p14="http://schemas.microsoft.com/office/powerpoint/2010/main" val="2916629741"/>
       </p:ext>
     </p:extLst>
   </p:cSld>
@@ -28297,6 +27880,26 @@
           </a:p>
           <a:p>
             <a:r>
+              <a:rPr lang="en-US" altLang="ko-KR" sz="2400" b="1" spc="-150" dirty="0">
+                <a:ln>
+                  <a:solidFill>
+                    <a:schemeClr val="accent1">
+                      <a:shade val="50000"/>
+                      <a:alpha val="0"/>
+                    </a:schemeClr>
+                  </a:solidFill>
+                </a:ln>
+                <a:solidFill>
+                  <a:schemeClr val="accent5">
+                    <a:lumMod val="50000"/>
+                  </a:schemeClr>
+                </a:solidFill>
+                <a:latin typeface="S-Core Dream 3 Light" panose="020B0503030302020204" pitchFamily="34" charset="-127"/>
+                <a:ea typeface="S-Core Dream 3 Light" panose="020B0503030302020204" pitchFamily="34" charset="-127"/>
+              </a:rPr>
+              <a:t>execute</a:t>
+            </a:r>
+            <a:r>
               <a:rPr lang="ko-KR" altLang="en-US" sz="2400" b="1" spc="-150" dirty="0">
                 <a:ln>
                   <a:solidFill>
@@ -28314,47 +27917,7 @@
                 <a:latin typeface="S-Core Dream 3 Light" panose="020B0503030302020204" pitchFamily="34" charset="-127"/>
                 <a:ea typeface="S-Core Dream 3 Light" panose="020B0503030302020204" pitchFamily="34" charset="-127"/>
               </a:rPr>
-              <a:t>만약 </a:t>
-            </a:r>
-            <a:r>
-              <a:rPr lang="en-US" altLang="ko-KR" sz="2400" b="1" spc="-150" dirty="0">
-                <a:ln>
-                  <a:solidFill>
-                    <a:schemeClr val="accent1">
-                      <a:shade val="50000"/>
-                      <a:alpha val="0"/>
-                    </a:schemeClr>
-                  </a:solidFill>
-                </a:ln>
-                <a:solidFill>
-                  <a:schemeClr val="accent5">
-                    <a:lumMod val="50000"/>
-                  </a:schemeClr>
-                </a:solidFill>
-                <a:latin typeface="S-Core Dream 3 Light" panose="020B0503030302020204" pitchFamily="34" charset="-127"/>
-                <a:ea typeface="S-Core Dream 3 Light" panose="020B0503030302020204" pitchFamily="34" charset="-127"/>
-              </a:rPr>
-              <a:t>commit</a:t>
-            </a:r>
-            <a:r>
-              <a:rPr lang="ko-KR" altLang="en-US" sz="2400" b="1" spc="-150" dirty="0">
-                <a:ln>
-                  <a:solidFill>
-                    <a:schemeClr val="accent1">
-                      <a:shade val="50000"/>
-                      <a:alpha val="0"/>
-                    </a:schemeClr>
-                  </a:solidFill>
-                </a:ln>
-                <a:solidFill>
-                  <a:schemeClr val="accent5">
-                    <a:lumMod val="50000"/>
-                  </a:schemeClr>
-                </a:solidFill>
-                <a:latin typeface="S-Core Dream 3 Light" panose="020B0503030302020204" pitchFamily="34" charset="-127"/>
-                <a:ea typeface="S-Core Dream 3 Light" panose="020B0503030302020204" pitchFamily="34" charset="-127"/>
-              </a:rPr>
-              <a:t>을 호출하지 않는다면</a:t>
+              <a:t> 함수로 쿼리를 실행한 후</a:t>
             </a:r>
             <a:endParaRPr lang="en-US" altLang="ko-KR" sz="2400" b="1" spc="-150" dirty="0">
               <a:ln>
@@ -28376,6 +27939,46 @@
           </a:p>
           <a:p>
             <a:r>
+              <a:rPr lang="en-US" altLang="ko-KR" sz="2400" b="1" spc="-150" dirty="0" err="1">
+                <a:ln>
+                  <a:solidFill>
+                    <a:schemeClr val="accent1">
+                      <a:shade val="50000"/>
+                      <a:alpha val="0"/>
+                    </a:schemeClr>
+                  </a:solidFill>
+                </a:ln>
+                <a:solidFill>
+                  <a:schemeClr val="accent5">
+                    <a:lumMod val="50000"/>
+                  </a:schemeClr>
+                </a:solidFill>
+                <a:latin typeface="S-Core Dream 3 Light" panose="020B0503030302020204" pitchFamily="34" charset="-127"/>
+                <a:ea typeface="S-Core Dream 3 Light" panose="020B0503030302020204" pitchFamily="34" charset="-127"/>
+              </a:rPr>
+              <a:t>fetchall</a:t>
+            </a:r>
+            <a:r>
+              <a:rPr lang="ko-KR" altLang="en-US" sz="2400" b="1" spc="-150" dirty="0">
+                <a:ln>
+                  <a:solidFill>
+                    <a:schemeClr val="accent1">
+                      <a:shade val="50000"/>
+                      <a:alpha val="0"/>
+                    </a:schemeClr>
+                  </a:solidFill>
+                </a:ln>
+                <a:solidFill>
+                  <a:schemeClr val="accent5">
+                    <a:lumMod val="50000"/>
+                  </a:schemeClr>
+                </a:solidFill>
+                <a:latin typeface="S-Core Dream 3 Light" panose="020B0503030302020204" pitchFamily="34" charset="-127"/>
+                <a:ea typeface="S-Core Dream 3 Light" panose="020B0503030302020204" pitchFamily="34" charset="-127"/>
+              </a:rPr>
+              <a:t> 함수를 이용해</a:t>
+            </a:r>
+            <a:r>
               <a:rPr lang="en-US" altLang="ko-KR" sz="2400" b="1" spc="-150" dirty="0">
                 <a:ln>
                   <a:solidFill>
@@ -28393,7 +27996,29 @@
                 <a:latin typeface="S-Core Dream 3 Light" panose="020B0503030302020204" pitchFamily="34" charset="-127"/>
                 <a:ea typeface="S-Core Dream 3 Light" panose="020B0503030302020204" pitchFamily="34" charset="-127"/>
               </a:rPr>
-              <a:t>DB</a:t>
+              <a:t> </a:t>
+            </a:r>
+          </a:p>
+          <a:p>
+            <a:r>
+              <a:rPr lang="en-US" altLang="ko-KR" sz="2400" b="1" spc="-150" dirty="0">
+                <a:ln>
+                  <a:solidFill>
+                    <a:schemeClr val="accent1">
+                      <a:shade val="50000"/>
+                      <a:alpha val="0"/>
+                    </a:schemeClr>
+                  </a:solidFill>
+                </a:ln>
+                <a:solidFill>
+                  <a:schemeClr val="accent5">
+                    <a:lumMod val="50000"/>
+                  </a:schemeClr>
+                </a:solidFill>
+                <a:latin typeface="S-Core Dream 3 Light" panose="020B0503030302020204" pitchFamily="34" charset="-127"/>
+                <a:ea typeface="S-Core Dream 3 Light" panose="020B0503030302020204" pitchFamily="34" charset="-127"/>
+              </a:rPr>
+              <a:t>SELECT </a:t>
             </a:r>
             <a:r>
               <a:rPr lang="ko-KR" altLang="en-US" sz="2400" b="1" spc="-150" dirty="0">
@@ -28413,7 +28038,7 @@
                 <a:latin typeface="S-Core Dream 3 Light" panose="020B0503030302020204" pitchFamily="34" charset="-127"/>
                 <a:ea typeface="S-Core Dream 3 Light" panose="020B0503030302020204" pitchFamily="34" charset="-127"/>
               </a:rPr>
-              <a:t>에 적용되지 않습니다</a:t>
+              <a:t>쿼리의 결과를 받아 옵니다</a:t>
             </a:r>
             <a:r>
               <a:rPr lang="en-US" altLang="ko-KR" sz="2400" b="1" spc="-150" dirty="0">
@@ -28435,32 +28060,13 @@
               </a:rPr>
               <a:t>.</a:t>
             </a:r>
-          </a:p>
-          <a:p>
-            <a:endParaRPr lang="en-US" altLang="ko-KR" sz="2400" b="1" spc="-150" dirty="0">
-              <a:ln>
-                <a:solidFill>
-                  <a:schemeClr val="accent1">
-                    <a:shade val="50000"/>
-                    <a:alpha val="0"/>
-                  </a:schemeClr>
-                </a:solidFill>
-              </a:ln>
-              <a:solidFill>
-                <a:schemeClr val="accent5">
-                  <a:lumMod val="50000"/>
-                </a:schemeClr>
-              </a:solidFill>
-              <a:latin typeface="S-Core Dream 3 Light" panose="020B0503030302020204" pitchFamily="34" charset="-127"/>
-              <a:ea typeface="S-Core Dream 3 Light" panose="020B0503030302020204" pitchFamily="34" charset="-127"/>
-            </a:endParaRPr>
           </a:p>
         </p:txBody>
       </p:sp>
     </p:spTree>
     <p:extLst>
       <p:ext uri="{BB962C8B-B14F-4D97-AF65-F5344CB8AC3E}">
-        <p14:creationId xmlns:p14="http://schemas.microsoft.com/office/powerpoint/2010/main" val="2783905351"/>
+        <p14:creationId xmlns:p14="http://schemas.microsoft.com/office/powerpoint/2010/main" val="1754709635"/>
       </p:ext>
     </p:extLst>
   </p:cSld>
@@ -29132,2317 +28738,6 @@
 </file>
 
 <file path=ppt/slides/slide40.xml><?xml version="1.0" encoding="utf-8"?>
-<p:sld xmlns:a="http://schemas.openxmlformats.org/drawingml/2006/main" xmlns:r="http://schemas.openxmlformats.org/officeDocument/2006/relationships" xmlns:p="http://schemas.openxmlformats.org/presentationml/2006/main">
-  <p:cSld>
-    <p:spTree>
-      <p:nvGrpSpPr>
-        <p:cNvPr id="1" name=""/>
-        <p:cNvGrpSpPr/>
-        <p:nvPr/>
-      </p:nvGrpSpPr>
-      <p:grpSpPr>
-        <a:xfrm>
-          <a:off x="0" y="0"/>
-          <a:ext cx="0" cy="0"/>
-          <a:chOff x="0" y="0"/>
-          <a:chExt cx="0" cy="0"/>
-        </a:xfrm>
-      </p:grpSpPr>
-      <p:grpSp>
-        <p:nvGrpSpPr>
-          <p:cNvPr id="2" name="그룹 1">
-            <a:extLst>
-              <a:ext uri="{FF2B5EF4-FFF2-40B4-BE49-F238E27FC236}">
-                <a16:creationId xmlns:a16="http://schemas.microsoft.com/office/drawing/2014/main" id="{9820B7D6-7697-98DD-3606-AF3D919B3FC6}"/>
-              </a:ext>
-            </a:extLst>
-          </p:cNvPr>
-          <p:cNvGrpSpPr/>
-          <p:nvPr/>
-        </p:nvGrpSpPr>
-        <p:grpSpPr>
-          <a:xfrm>
-            <a:off x="498565" y="387132"/>
-            <a:ext cx="11318467" cy="246221"/>
-            <a:chOff x="696685" y="387132"/>
-            <a:chExt cx="11318467" cy="246221"/>
-          </a:xfrm>
-        </p:grpSpPr>
-        <p:sp>
-          <p:nvSpPr>
-            <p:cNvPr id="3" name="TextBox 2">
-              <a:extLst>
-                <a:ext uri="{FF2B5EF4-FFF2-40B4-BE49-F238E27FC236}">
-                  <a16:creationId xmlns:a16="http://schemas.microsoft.com/office/drawing/2014/main" id="{ED748303-8099-660F-5433-815DD70D722E}"/>
-                </a:ext>
-              </a:extLst>
-            </p:cNvPr>
-            <p:cNvSpPr txBox="1"/>
-            <p:nvPr/>
-          </p:nvSpPr>
-          <p:spPr>
-            <a:xfrm>
-              <a:off x="9643990" y="387132"/>
-              <a:ext cx="2371162" cy="246221"/>
-            </a:xfrm>
-            <a:prstGeom prst="rect">
-              <a:avLst/>
-            </a:prstGeom>
-            <a:noFill/>
-          </p:spPr>
-          <p:txBody>
-            <a:bodyPr wrap="none" rtlCol="0">
-              <a:spAutoFit/>
-            </a:bodyPr>
-            <a:lstStyle/>
-            <a:p>
-              <a:pPr algn="r"/>
-              <a:r>
-                <a:rPr lang="en-US" altLang="ko-KR" sz="1000" dirty="0">
-                  <a:ln>
-                    <a:solidFill>
-                      <a:schemeClr val="accent1">
-                        <a:shade val="50000"/>
-                        <a:alpha val="0"/>
-                      </a:schemeClr>
-                    </a:solidFill>
-                  </a:ln>
-                  <a:solidFill>
-                    <a:schemeClr val="accent5">
-                      <a:lumMod val="50000"/>
-                    </a:schemeClr>
-                  </a:solidFill>
-                  <a:latin typeface="현대산스 Head Medium" panose="020B0600000101010101" pitchFamily="50" charset="-127"/>
-                  <a:ea typeface="현대산스 Head Medium" panose="020B0600000101010101" pitchFamily="50" charset="-127"/>
-                </a:rPr>
-                <a:t>AIBIZ INTERMEDIATE</a:t>
-              </a:r>
-              <a:r>
-                <a:rPr lang="ko-KR" altLang="en-US" sz="1000" dirty="0">
-                  <a:ln>
-                    <a:solidFill>
-                      <a:schemeClr val="accent1">
-                        <a:shade val="50000"/>
-                        <a:alpha val="0"/>
-                      </a:schemeClr>
-                    </a:solidFill>
-                  </a:ln>
-                  <a:solidFill>
-                    <a:schemeClr val="accent5">
-                      <a:lumMod val="50000"/>
-                    </a:schemeClr>
-                  </a:solidFill>
-                  <a:latin typeface="현대산스 Head Medium" panose="020B0600000101010101" pitchFamily="50" charset="-127"/>
-                  <a:ea typeface="현대산스 Head Medium" panose="020B0600000101010101" pitchFamily="50" charset="-127"/>
-                </a:rPr>
-                <a:t> </a:t>
-              </a:r>
-              <a:r>
-                <a:rPr lang="en-US" altLang="ko-KR" sz="1000" dirty="0">
-                  <a:ln>
-                    <a:solidFill>
-                      <a:schemeClr val="accent1">
-                        <a:shade val="50000"/>
-                        <a:alpha val="0"/>
-                      </a:schemeClr>
-                    </a:solidFill>
-                  </a:ln>
-                  <a:solidFill>
-                    <a:schemeClr val="accent5">
-                      <a:lumMod val="50000"/>
-                    </a:schemeClr>
-                  </a:solidFill>
-                  <a:latin typeface="현대산스 Head Medium" panose="020B0600000101010101" pitchFamily="50" charset="-127"/>
-                  <a:ea typeface="현대산스 Head Medium" panose="020B0600000101010101" pitchFamily="50" charset="-127"/>
-                </a:rPr>
-                <a:t>PYTHON CLASS</a:t>
-              </a:r>
-              <a:endParaRPr lang="ko-KR" altLang="en-US" sz="1000" dirty="0">
-                <a:ln>
-                  <a:solidFill>
-                    <a:schemeClr val="accent1">
-                      <a:shade val="50000"/>
-                      <a:alpha val="0"/>
-                    </a:schemeClr>
-                  </a:solidFill>
-                </a:ln>
-                <a:solidFill>
-                  <a:schemeClr val="accent5">
-                    <a:lumMod val="50000"/>
-                  </a:schemeClr>
-                </a:solidFill>
-                <a:latin typeface="현대산스 Head Medium" panose="020B0600000101010101" pitchFamily="50" charset="-127"/>
-                <a:ea typeface="현대산스 Head Medium" panose="020B0600000101010101" pitchFamily="50" charset="-127"/>
-              </a:endParaRPr>
-            </a:p>
-          </p:txBody>
-        </p:sp>
-        <p:cxnSp>
-          <p:nvCxnSpPr>
-            <p:cNvPr id="4" name="직선 연결선 20">
-              <a:extLst>
-                <a:ext uri="{FF2B5EF4-FFF2-40B4-BE49-F238E27FC236}">
-                  <a16:creationId xmlns:a16="http://schemas.microsoft.com/office/drawing/2014/main" id="{3F3D8E48-89A6-E3E3-FAF9-B769844468EC}"/>
-                </a:ext>
-              </a:extLst>
-            </p:cNvPr>
-            <p:cNvCxnSpPr/>
-            <p:nvPr/>
-          </p:nvCxnSpPr>
-          <p:spPr>
-            <a:xfrm>
-              <a:off x="696685" y="510243"/>
-              <a:ext cx="9035143" cy="0"/>
-            </a:xfrm>
-            <a:prstGeom prst="line">
-              <a:avLst/>
-            </a:prstGeom>
-            <a:ln>
-              <a:solidFill>
-                <a:schemeClr val="bg1">
-                  <a:lumMod val="75000"/>
-                </a:schemeClr>
-              </a:solidFill>
-            </a:ln>
-          </p:spPr>
-          <p:style>
-            <a:lnRef idx="1">
-              <a:schemeClr val="accent1"/>
-            </a:lnRef>
-            <a:fillRef idx="0">
-              <a:schemeClr val="accent1"/>
-            </a:fillRef>
-            <a:effectRef idx="0">
-              <a:schemeClr val="accent1"/>
-            </a:effectRef>
-            <a:fontRef idx="minor">
-              <a:schemeClr val="tx1"/>
-            </a:fontRef>
-          </p:style>
-        </p:cxnSp>
-      </p:grpSp>
-      <p:sp>
-        <p:nvSpPr>
-          <p:cNvPr id="5" name="TextBox 4">
-            <a:extLst>
-              <a:ext uri="{FF2B5EF4-FFF2-40B4-BE49-F238E27FC236}">
-                <a16:creationId xmlns:a16="http://schemas.microsoft.com/office/drawing/2014/main" id="{9FAC99F8-843F-420A-D546-2E032E345CBE}"/>
-              </a:ext>
-            </a:extLst>
-          </p:cNvPr>
-          <p:cNvSpPr txBox="1"/>
-          <p:nvPr/>
-        </p:nvSpPr>
-        <p:spPr>
-          <a:xfrm>
-            <a:off x="578281" y="863418"/>
-            <a:ext cx="3793026" cy="646331"/>
-          </a:xfrm>
-          <a:prstGeom prst="rect">
-            <a:avLst/>
-          </a:prstGeom>
-          <a:noFill/>
-        </p:spPr>
-        <p:txBody>
-          <a:bodyPr wrap="none" rtlCol="0">
-            <a:spAutoFit/>
-          </a:bodyPr>
-          <a:lstStyle/>
-          <a:p>
-            <a:r>
-              <a:rPr lang="ko-KR" altLang="en-US" sz="3600" spc="-150" dirty="0" err="1">
-                <a:ln>
-                  <a:solidFill>
-                    <a:schemeClr val="accent1">
-                      <a:shade val="50000"/>
-                      <a:alpha val="0"/>
-                    </a:schemeClr>
-                  </a:solidFill>
-                </a:ln>
-                <a:solidFill>
-                  <a:schemeClr val="accent5">
-                    <a:lumMod val="50000"/>
-                  </a:schemeClr>
-                </a:solidFill>
-                <a:latin typeface="에스코어 드림 6 Bold" panose="020B0703030302020204" pitchFamily="34" charset="-127"/>
-                <a:ea typeface="에스코어 드림 6 Bold" panose="020B0703030302020204" pitchFamily="34" charset="-127"/>
-              </a:rPr>
-              <a:t>알아두면</a:t>
-            </a:r>
-            <a:r>
-              <a:rPr lang="ko-KR" altLang="en-US" sz="3600" spc="-150" dirty="0">
-                <a:ln>
-                  <a:solidFill>
-                    <a:schemeClr val="accent1">
-                      <a:shade val="50000"/>
-                      <a:alpha val="0"/>
-                    </a:schemeClr>
-                  </a:solidFill>
-                </a:ln>
-                <a:solidFill>
-                  <a:schemeClr val="accent5">
-                    <a:lumMod val="50000"/>
-                  </a:schemeClr>
-                </a:solidFill>
-                <a:latin typeface="에스코어 드림 6 Bold" panose="020B0703030302020204" pitchFamily="34" charset="-127"/>
-                <a:ea typeface="에스코어 드림 6 Bold" panose="020B0703030302020204" pitchFamily="34" charset="-127"/>
-              </a:rPr>
-              <a:t> 좋은 </a:t>
-            </a:r>
-            <a:r>
-              <a:rPr lang="en-US" altLang="ko-KR" sz="3600" spc="-150" dirty="0">
-                <a:ln>
-                  <a:solidFill>
-                    <a:schemeClr val="accent1">
-                      <a:shade val="50000"/>
-                      <a:alpha val="0"/>
-                    </a:schemeClr>
-                  </a:solidFill>
-                </a:ln>
-                <a:solidFill>
-                  <a:schemeClr val="accent5">
-                    <a:lumMod val="50000"/>
-                  </a:schemeClr>
-                </a:solidFill>
-                <a:latin typeface="에스코어 드림 6 Bold" panose="020B0703030302020204" pitchFamily="34" charset="-127"/>
-                <a:ea typeface="에스코어 드림 6 Bold" panose="020B0703030302020204" pitchFamily="34" charset="-127"/>
-              </a:rPr>
-              <a:t>SQL</a:t>
-            </a:r>
-            <a:endParaRPr lang="en-US" altLang="ko-KR" sz="3600" spc="-150" dirty="0">
-              <a:ln>
-                <a:solidFill>
-                  <a:schemeClr val="accent1">
-                    <a:shade val="50000"/>
-                    <a:alpha val="0"/>
-                  </a:schemeClr>
-                </a:solidFill>
-              </a:ln>
-              <a:solidFill>
-                <a:schemeClr val="accent5">
-                  <a:lumMod val="50000"/>
-                </a:schemeClr>
-              </a:solidFill>
-              <a:latin typeface="에스코어 드림 3 Light" panose="020B0303030302020204" pitchFamily="34" charset="-127"/>
-              <a:ea typeface="에스코어 드림 3 Light" panose="020B0303030302020204" pitchFamily="34" charset="-127"/>
-            </a:endParaRPr>
-          </a:p>
-        </p:txBody>
-      </p:sp>
-      <p:sp>
-        <p:nvSpPr>
-          <p:cNvPr id="12" name="TextBox 11">
-            <a:extLst>
-              <a:ext uri="{FF2B5EF4-FFF2-40B4-BE49-F238E27FC236}">
-                <a16:creationId xmlns:a16="http://schemas.microsoft.com/office/drawing/2014/main" id="{A6BA5202-B326-2218-6431-05C203F73133}"/>
-              </a:ext>
-            </a:extLst>
-          </p:cNvPr>
-          <p:cNvSpPr txBox="1"/>
-          <p:nvPr/>
-        </p:nvSpPr>
-        <p:spPr>
-          <a:xfrm>
-            <a:off x="1027523" y="2090172"/>
-            <a:ext cx="9366422" cy="3416320"/>
-          </a:xfrm>
-          <a:prstGeom prst="rect">
-            <a:avLst/>
-          </a:prstGeom>
-          <a:noFill/>
-        </p:spPr>
-        <p:txBody>
-          <a:bodyPr wrap="square" rtlCol="0">
-            <a:spAutoFit/>
-          </a:bodyPr>
-          <a:lstStyle/>
-          <a:p>
-            <a:r>
-              <a:rPr lang="en-US" altLang="ko-KR" sz="2400" b="1" spc="-150" dirty="0">
-                <a:ln>
-                  <a:solidFill>
-                    <a:schemeClr val="accent1">
-                      <a:shade val="50000"/>
-                      <a:alpha val="0"/>
-                    </a:schemeClr>
-                  </a:solidFill>
-                </a:ln>
-                <a:solidFill>
-                  <a:schemeClr val="accent5">
-                    <a:lumMod val="50000"/>
-                  </a:schemeClr>
-                </a:solidFill>
-                <a:latin typeface="S-Core Dream 5 Medium" panose="020B0503030302020204" pitchFamily="34" charset="-127"/>
-                <a:ea typeface="S-Core Dream 5 Medium" panose="020B0503030302020204" pitchFamily="34" charset="-127"/>
-              </a:rPr>
-              <a:t>SQL </a:t>
-            </a:r>
-            <a:r>
-              <a:rPr lang="ko-KR" altLang="en-US" sz="2400" b="1" spc="-150" dirty="0">
-                <a:ln>
-                  <a:solidFill>
-                    <a:schemeClr val="accent1">
-                      <a:shade val="50000"/>
-                      <a:alpha val="0"/>
-                    </a:schemeClr>
-                  </a:solidFill>
-                </a:ln>
-                <a:solidFill>
-                  <a:schemeClr val="accent5">
-                    <a:lumMod val="50000"/>
-                  </a:schemeClr>
-                </a:solidFill>
-                <a:latin typeface="S-Core Dream 5 Medium" panose="020B0503030302020204" pitchFamily="34" charset="-127"/>
-                <a:ea typeface="S-Core Dream 5 Medium" panose="020B0503030302020204" pitchFamily="34" charset="-127"/>
-              </a:rPr>
-              <a:t>이란</a:t>
-            </a:r>
-            <a:r>
-              <a:rPr lang="en-US" altLang="ko-KR" sz="2400" b="1" spc="-150" dirty="0">
-                <a:ln>
-                  <a:solidFill>
-                    <a:schemeClr val="accent1">
-                      <a:shade val="50000"/>
-                      <a:alpha val="0"/>
-                    </a:schemeClr>
-                  </a:solidFill>
-                </a:ln>
-                <a:solidFill>
-                  <a:schemeClr val="accent5">
-                    <a:lumMod val="50000"/>
-                  </a:schemeClr>
-                </a:solidFill>
-                <a:latin typeface="S-Core Dream 5 Medium" panose="020B0503030302020204" pitchFamily="34" charset="-127"/>
-                <a:ea typeface="S-Core Dream 5 Medium" panose="020B0503030302020204" pitchFamily="34" charset="-127"/>
-              </a:rPr>
-              <a:t>?</a:t>
-            </a:r>
-            <a:r>
-              <a:rPr lang="ko-KR" altLang="en-US" sz="2400" b="1" spc="-150" dirty="0">
-                <a:ln>
-                  <a:solidFill>
-                    <a:schemeClr val="accent1">
-                      <a:shade val="50000"/>
-                      <a:alpha val="0"/>
-                    </a:schemeClr>
-                  </a:solidFill>
-                </a:ln>
-                <a:solidFill>
-                  <a:schemeClr val="accent5">
-                    <a:lumMod val="50000"/>
-                  </a:schemeClr>
-                </a:solidFill>
-                <a:latin typeface="S-Core Dream 5 Medium" panose="020B0503030302020204" pitchFamily="34" charset="-127"/>
-                <a:ea typeface="S-Core Dream 5 Medium" panose="020B0503030302020204" pitchFamily="34" charset="-127"/>
-              </a:rPr>
-              <a:t> </a:t>
-            </a:r>
-            <a:r>
-              <a:rPr lang="en-US" altLang="ko-KR" sz="2400" b="1" spc="-150" dirty="0">
-                <a:ln>
-                  <a:solidFill>
-                    <a:schemeClr val="accent1">
-                      <a:shade val="50000"/>
-                      <a:alpha val="0"/>
-                    </a:schemeClr>
-                  </a:solidFill>
-                </a:ln>
-                <a:solidFill>
-                  <a:schemeClr val="accent5">
-                    <a:lumMod val="50000"/>
-                  </a:schemeClr>
-                </a:solidFill>
-                <a:latin typeface="S-Core Dream 5 Medium" panose="020B0503030302020204" pitchFamily="34" charset="-127"/>
-                <a:ea typeface="S-Core Dream 5 Medium" panose="020B0503030302020204" pitchFamily="34" charset="-127"/>
-              </a:rPr>
-              <a:t>–</a:t>
-            </a:r>
-            <a:r>
-              <a:rPr lang="ko-KR" altLang="en-US" sz="2400" b="1" spc="-150" dirty="0">
-                <a:ln>
-                  <a:solidFill>
-                    <a:schemeClr val="accent1">
-                      <a:shade val="50000"/>
-                      <a:alpha val="0"/>
-                    </a:schemeClr>
-                  </a:solidFill>
-                </a:ln>
-                <a:solidFill>
-                  <a:schemeClr val="accent5">
-                    <a:lumMod val="50000"/>
-                  </a:schemeClr>
-                </a:solidFill>
-                <a:latin typeface="S-Core Dream 5 Medium" panose="020B0503030302020204" pitchFamily="34" charset="-127"/>
-                <a:ea typeface="S-Core Dream 5 Medium" panose="020B0503030302020204" pitchFamily="34" charset="-127"/>
-              </a:rPr>
-              <a:t> </a:t>
-            </a:r>
-            <a:r>
-              <a:rPr lang="en-US" altLang="ko-KR" sz="2400" b="1" spc="-150" dirty="0">
-                <a:ln>
-                  <a:solidFill>
-                    <a:schemeClr val="accent1">
-                      <a:shade val="50000"/>
-                      <a:alpha val="0"/>
-                    </a:schemeClr>
-                  </a:solidFill>
-                </a:ln>
-                <a:solidFill>
-                  <a:schemeClr val="accent5">
-                    <a:lumMod val="50000"/>
-                  </a:schemeClr>
-                </a:solidFill>
-                <a:latin typeface="S-Core Dream 5 Medium" panose="020B0503030302020204" pitchFamily="34" charset="-127"/>
-                <a:ea typeface="S-Core Dream 5 Medium" panose="020B0503030302020204" pitchFamily="34" charset="-127"/>
-              </a:rPr>
-              <a:t>Python</a:t>
-            </a:r>
-            <a:r>
-              <a:rPr lang="ko-KR" altLang="en-US" sz="2400" b="1" spc="-150" dirty="0" err="1">
-                <a:ln>
-                  <a:solidFill>
-                    <a:schemeClr val="accent1">
-                      <a:shade val="50000"/>
-                      <a:alpha val="0"/>
-                    </a:schemeClr>
-                  </a:solidFill>
-                </a:ln>
-                <a:solidFill>
-                  <a:schemeClr val="accent5">
-                    <a:lumMod val="50000"/>
-                  </a:schemeClr>
-                </a:solidFill>
-                <a:latin typeface="S-Core Dream 5 Medium" panose="020B0503030302020204" pitchFamily="34" charset="-127"/>
-                <a:ea typeface="S-Core Dream 5 Medium" panose="020B0503030302020204" pitchFamily="34" charset="-127"/>
-              </a:rPr>
-              <a:t>으로</a:t>
-            </a:r>
-            <a:r>
-              <a:rPr lang="ko-KR" altLang="en-US" sz="2400" b="1" spc="-150" dirty="0">
-                <a:ln>
-                  <a:solidFill>
-                    <a:schemeClr val="accent1">
-                      <a:shade val="50000"/>
-                      <a:alpha val="0"/>
-                    </a:schemeClr>
-                  </a:solidFill>
-                </a:ln>
-                <a:solidFill>
-                  <a:schemeClr val="accent5">
-                    <a:lumMod val="50000"/>
-                  </a:schemeClr>
-                </a:solidFill>
-                <a:latin typeface="S-Core Dream 5 Medium" panose="020B0503030302020204" pitchFamily="34" charset="-127"/>
-                <a:ea typeface="S-Core Dream 5 Medium" panose="020B0503030302020204" pitchFamily="34" charset="-127"/>
-              </a:rPr>
-              <a:t> 데이터베이스 사용하기</a:t>
-            </a:r>
-            <a:endParaRPr lang="en-US" altLang="ko-KR" sz="2400" b="1" spc="-150" dirty="0">
-              <a:ln>
-                <a:solidFill>
-                  <a:schemeClr val="accent1">
-                    <a:shade val="50000"/>
-                    <a:alpha val="0"/>
-                  </a:schemeClr>
-                </a:solidFill>
-              </a:ln>
-              <a:solidFill>
-                <a:schemeClr val="accent5">
-                  <a:lumMod val="50000"/>
-                </a:schemeClr>
-              </a:solidFill>
-              <a:latin typeface="S-Core Dream 5 Medium" panose="020B0503030302020204" pitchFamily="34" charset="-127"/>
-              <a:ea typeface="S-Core Dream 5 Medium" panose="020B0503030302020204" pitchFamily="34" charset="-127"/>
-            </a:endParaRPr>
-          </a:p>
-          <a:p>
-            <a:r>
-              <a:rPr lang="ko-KR" altLang="en-US" sz="2400" b="1" spc="-150" dirty="0">
-                <a:ln>
-                  <a:solidFill>
-                    <a:schemeClr val="accent1">
-                      <a:shade val="50000"/>
-                      <a:alpha val="0"/>
-                    </a:schemeClr>
-                  </a:solidFill>
-                </a:ln>
-                <a:solidFill>
-                  <a:schemeClr val="accent5">
-                    <a:lumMod val="50000"/>
-                  </a:schemeClr>
-                </a:solidFill>
-                <a:latin typeface="S-Core Dream 3 Light" panose="020B0503030302020204" pitchFamily="34" charset="-127"/>
-                <a:ea typeface="S-Core Dream 3 Light" panose="020B0503030302020204" pitchFamily="34" charset="-127"/>
-              </a:rPr>
-              <a:t> </a:t>
-            </a:r>
-            <a:endParaRPr lang="en-US" altLang="ko-KR" sz="2400" b="1" spc="-150" dirty="0">
-              <a:ln>
-                <a:solidFill>
-                  <a:schemeClr val="accent1">
-                    <a:shade val="50000"/>
-                    <a:alpha val="0"/>
-                  </a:schemeClr>
-                </a:solidFill>
-              </a:ln>
-              <a:solidFill>
-                <a:schemeClr val="accent5">
-                  <a:lumMod val="50000"/>
-                </a:schemeClr>
-              </a:solidFill>
-              <a:latin typeface="S-Core Dream 3 Light" panose="020B0503030302020204" pitchFamily="34" charset="-127"/>
-              <a:ea typeface="S-Core Dream 3 Light" panose="020B0503030302020204" pitchFamily="34" charset="-127"/>
-            </a:endParaRPr>
-          </a:p>
-          <a:p>
-            <a:r>
-              <a:rPr lang="ko-KR" altLang="en-US" sz="2400" b="1" spc="-150" dirty="0">
-                <a:ln>
-                  <a:solidFill>
-                    <a:schemeClr val="accent1">
-                      <a:shade val="50000"/>
-                      <a:alpha val="0"/>
-                    </a:schemeClr>
-                  </a:solidFill>
-                </a:ln>
-                <a:solidFill>
-                  <a:schemeClr val="accent5">
-                    <a:lumMod val="50000"/>
-                  </a:schemeClr>
-                </a:solidFill>
-                <a:latin typeface="S-Core Dream 3 Light" panose="020B0503030302020204" pitchFamily="34" charset="-127"/>
-                <a:ea typeface="S-Core Dream 3 Light" panose="020B0503030302020204" pitchFamily="34" charset="-127"/>
-              </a:rPr>
-              <a:t>이번에는 </a:t>
-            </a:r>
-            <a:r>
-              <a:rPr lang="en-US" altLang="ko-KR" sz="2400" b="1" spc="-150" dirty="0">
-                <a:ln>
-                  <a:solidFill>
-                    <a:schemeClr val="accent1">
-                      <a:shade val="50000"/>
-                      <a:alpha val="0"/>
-                    </a:schemeClr>
-                  </a:solidFill>
-                </a:ln>
-                <a:solidFill>
-                  <a:schemeClr val="accent5">
-                    <a:lumMod val="50000"/>
-                  </a:schemeClr>
-                </a:solidFill>
-                <a:latin typeface="S-Core Dream 3 Light" panose="020B0503030302020204" pitchFamily="34" charset="-127"/>
-                <a:ea typeface="S-Core Dream 3 Light" panose="020B0503030302020204" pitchFamily="34" charset="-127"/>
-              </a:rPr>
-              <a:t>INSERT</a:t>
-            </a:r>
-            <a:r>
-              <a:rPr lang="ko-KR" altLang="en-US" sz="2400" b="1" spc="-150" dirty="0">
-                <a:ln>
-                  <a:solidFill>
-                    <a:schemeClr val="accent1">
-                      <a:shade val="50000"/>
-                      <a:alpha val="0"/>
-                    </a:schemeClr>
-                  </a:solidFill>
-                </a:ln>
-                <a:solidFill>
-                  <a:schemeClr val="accent5">
-                    <a:lumMod val="50000"/>
-                  </a:schemeClr>
-                </a:solidFill>
-                <a:latin typeface="S-Core Dream 3 Light" panose="020B0503030302020204" pitchFamily="34" charset="-127"/>
-                <a:ea typeface="S-Core Dream 3 Light" panose="020B0503030302020204" pitchFamily="34" charset="-127"/>
-              </a:rPr>
-              <a:t> 쿼리를 수행해 보도록 하겠습니다</a:t>
-            </a:r>
-            <a:r>
-              <a:rPr lang="en-US" altLang="ko-KR" sz="2400" b="1" spc="-150" dirty="0">
-                <a:ln>
-                  <a:solidFill>
-                    <a:schemeClr val="accent1">
-                      <a:shade val="50000"/>
-                      <a:alpha val="0"/>
-                    </a:schemeClr>
-                  </a:solidFill>
-                </a:ln>
-                <a:solidFill>
-                  <a:schemeClr val="accent5">
-                    <a:lumMod val="50000"/>
-                  </a:schemeClr>
-                </a:solidFill>
-                <a:latin typeface="S-Core Dream 3 Light" panose="020B0503030302020204" pitchFamily="34" charset="-127"/>
-                <a:ea typeface="S-Core Dream 3 Light" panose="020B0503030302020204" pitchFamily="34" charset="-127"/>
-              </a:rPr>
-              <a:t>.</a:t>
-            </a:r>
-          </a:p>
-          <a:p>
-            <a:endParaRPr lang="en-US" altLang="ko-KR" sz="2400" b="1" spc="-150" dirty="0">
-              <a:ln>
-                <a:solidFill>
-                  <a:schemeClr val="accent1">
-                    <a:shade val="50000"/>
-                    <a:alpha val="0"/>
-                  </a:schemeClr>
-                </a:solidFill>
-              </a:ln>
-              <a:solidFill>
-                <a:schemeClr val="accent5">
-                  <a:lumMod val="50000"/>
-                </a:schemeClr>
-              </a:solidFill>
-              <a:latin typeface="S-Core Dream 3 Light" panose="020B0503030302020204" pitchFamily="34" charset="-127"/>
-              <a:ea typeface="S-Core Dream 3 Light" panose="020B0503030302020204" pitchFamily="34" charset="-127"/>
-            </a:endParaRPr>
-          </a:p>
-          <a:p>
-            <a:endParaRPr lang="en-US" altLang="ko-KR" sz="2400" b="1" spc="-150" dirty="0">
-              <a:ln>
-                <a:solidFill>
-                  <a:schemeClr val="accent1">
-                    <a:shade val="50000"/>
-                    <a:alpha val="0"/>
-                  </a:schemeClr>
-                </a:solidFill>
-              </a:ln>
-              <a:solidFill>
-                <a:schemeClr val="accent5">
-                  <a:lumMod val="50000"/>
-                </a:schemeClr>
-              </a:solidFill>
-              <a:latin typeface="S-Core Dream 3 Light" panose="020B0503030302020204" pitchFamily="34" charset="-127"/>
-              <a:ea typeface="S-Core Dream 3 Light" panose="020B0503030302020204" pitchFamily="34" charset="-127"/>
-            </a:endParaRPr>
-          </a:p>
-          <a:p>
-            <a:endParaRPr lang="en-US" altLang="ko-KR" sz="2400" b="1" spc="-150" dirty="0">
-              <a:ln>
-                <a:solidFill>
-                  <a:schemeClr val="accent1">
-                    <a:shade val="50000"/>
-                    <a:alpha val="0"/>
-                  </a:schemeClr>
-                </a:solidFill>
-              </a:ln>
-              <a:solidFill>
-                <a:schemeClr val="accent5">
-                  <a:lumMod val="50000"/>
-                </a:schemeClr>
-              </a:solidFill>
-              <a:latin typeface="S-Core Dream 3 Light" panose="020B0503030302020204" pitchFamily="34" charset="-127"/>
-              <a:ea typeface="S-Core Dream 3 Light" panose="020B0503030302020204" pitchFamily="34" charset="-127"/>
-            </a:endParaRPr>
-          </a:p>
-          <a:p>
-            <a:endParaRPr lang="en-US" altLang="ko-KR" sz="2400" b="1" spc="-150" dirty="0">
-              <a:ln>
-                <a:solidFill>
-                  <a:schemeClr val="accent1">
-                    <a:shade val="50000"/>
-                    <a:alpha val="0"/>
-                  </a:schemeClr>
-                </a:solidFill>
-              </a:ln>
-              <a:solidFill>
-                <a:schemeClr val="accent5">
-                  <a:lumMod val="50000"/>
-                </a:schemeClr>
-              </a:solidFill>
-              <a:latin typeface="S-Core Dream 3 Light" panose="020B0503030302020204" pitchFamily="34" charset="-127"/>
-              <a:ea typeface="S-Core Dream 3 Light" panose="020B0503030302020204" pitchFamily="34" charset="-127"/>
-            </a:endParaRPr>
-          </a:p>
-          <a:p>
-            <a:endParaRPr lang="en-US" altLang="ko-KR" sz="2400" b="1" spc="-150" dirty="0">
-              <a:ln>
-                <a:solidFill>
-                  <a:schemeClr val="accent1">
-                    <a:shade val="50000"/>
-                    <a:alpha val="0"/>
-                  </a:schemeClr>
-                </a:solidFill>
-              </a:ln>
-              <a:solidFill>
-                <a:schemeClr val="accent5">
-                  <a:lumMod val="50000"/>
-                </a:schemeClr>
-              </a:solidFill>
-              <a:latin typeface="S-Core Dream 3 Light" panose="020B0503030302020204" pitchFamily="34" charset="-127"/>
-              <a:ea typeface="S-Core Dream 3 Light" panose="020B0503030302020204" pitchFamily="34" charset="-127"/>
-            </a:endParaRPr>
-          </a:p>
-          <a:p>
-            <a:endParaRPr lang="en-US" altLang="ko-KR" sz="2400" b="1" spc="-150" dirty="0">
-              <a:ln>
-                <a:solidFill>
-                  <a:schemeClr val="accent1">
-                    <a:shade val="50000"/>
-                    <a:alpha val="0"/>
-                  </a:schemeClr>
-                </a:solidFill>
-              </a:ln>
-              <a:solidFill>
-                <a:schemeClr val="accent5">
-                  <a:lumMod val="50000"/>
-                </a:schemeClr>
-              </a:solidFill>
-              <a:latin typeface="S-Core Dream 3 Light" panose="020B0503030302020204" pitchFamily="34" charset="-127"/>
-              <a:ea typeface="S-Core Dream 3 Light" panose="020B0503030302020204" pitchFamily="34" charset="-127"/>
-            </a:endParaRPr>
-          </a:p>
-        </p:txBody>
-      </p:sp>
-      <p:pic>
-        <p:nvPicPr>
-          <p:cNvPr id="6" name="그림 5">
-            <a:extLst>
-              <a:ext uri="{FF2B5EF4-FFF2-40B4-BE49-F238E27FC236}">
-                <a16:creationId xmlns:a16="http://schemas.microsoft.com/office/drawing/2014/main" id="{2F7E499B-B3FC-3C18-18C1-458AE83FE359}"/>
-              </a:ext>
-            </a:extLst>
-          </p:cNvPr>
-          <p:cNvPicPr>
-            <a:picLocks noChangeAspect="1"/>
-          </p:cNvPicPr>
-          <p:nvPr/>
-        </p:nvPicPr>
-        <p:blipFill>
-          <a:blip r:embed="rId2"/>
-          <a:stretch>
-            <a:fillRect/>
-          </a:stretch>
-        </p:blipFill>
-        <p:spPr>
-          <a:xfrm>
-            <a:off x="1027523" y="3429000"/>
-            <a:ext cx="8033839" cy="2863547"/>
-          </a:xfrm>
-          <a:prstGeom prst="rect">
-            <a:avLst/>
-          </a:prstGeom>
-        </p:spPr>
-      </p:pic>
-    </p:spTree>
-    <p:extLst>
-      <p:ext uri="{BB962C8B-B14F-4D97-AF65-F5344CB8AC3E}">
-        <p14:creationId xmlns:p14="http://schemas.microsoft.com/office/powerpoint/2010/main" val="1020080238"/>
-      </p:ext>
-    </p:extLst>
-  </p:cSld>
-  <p:clrMapOvr>
-    <a:masterClrMapping/>
-  </p:clrMapOvr>
-</p:sld>
-</file>
-
-<file path=ppt/slides/slide41.xml><?xml version="1.0" encoding="utf-8"?>
-<p:sld xmlns:a="http://schemas.openxmlformats.org/drawingml/2006/main" xmlns:r="http://schemas.openxmlformats.org/officeDocument/2006/relationships" xmlns:p="http://schemas.openxmlformats.org/presentationml/2006/main">
-  <p:cSld>
-    <p:spTree>
-      <p:nvGrpSpPr>
-        <p:cNvPr id="1" name=""/>
-        <p:cNvGrpSpPr/>
-        <p:nvPr/>
-      </p:nvGrpSpPr>
-      <p:grpSpPr>
-        <a:xfrm>
-          <a:off x="0" y="0"/>
-          <a:ext cx="0" cy="0"/>
-          <a:chOff x="0" y="0"/>
-          <a:chExt cx="0" cy="0"/>
-        </a:xfrm>
-      </p:grpSpPr>
-      <p:grpSp>
-        <p:nvGrpSpPr>
-          <p:cNvPr id="2" name="그룹 1">
-            <a:extLst>
-              <a:ext uri="{FF2B5EF4-FFF2-40B4-BE49-F238E27FC236}">
-                <a16:creationId xmlns:a16="http://schemas.microsoft.com/office/drawing/2014/main" id="{9820B7D6-7697-98DD-3606-AF3D919B3FC6}"/>
-              </a:ext>
-            </a:extLst>
-          </p:cNvPr>
-          <p:cNvGrpSpPr/>
-          <p:nvPr/>
-        </p:nvGrpSpPr>
-        <p:grpSpPr>
-          <a:xfrm>
-            <a:off x="498565" y="387132"/>
-            <a:ext cx="11318467" cy="246221"/>
-            <a:chOff x="696685" y="387132"/>
-            <a:chExt cx="11318467" cy="246221"/>
-          </a:xfrm>
-        </p:grpSpPr>
-        <p:sp>
-          <p:nvSpPr>
-            <p:cNvPr id="3" name="TextBox 2">
-              <a:extLst>
-                <a:ext uri="{FF2B5EF4-FFF2-40B4-BE49-F238E27FC236}">
-                  <a16:creationId xmlns:a16="http://schemas.microsoft.com/office/drawing/2014/main" id="{ED748303-8099-660F-5433-815DD70D722E}"/>
-                </a:ext>
-              </a:extLst>
-            </p:cNvPr>
-            <p:cNvSpPr txBox="1"/>
-            <p:nvPr/>
-          </p:nvSpPr>
-          <p:spPr>
-            <a:xfrm>
-              <a:off x="9643990" y="387132"/>
-              <a:ext cx="2371162" cy="246221"/>
-            </a:xfrm>
-            <a:prstGeom prst="rect">
-              <a:avLst/>
-            </a:prstGeom>
-            <a:noFill/>
-          </p:spPr>
-          <p:txBody>
-            <a:bodyPr wrap="none" rtlCol="0">
-              <a:spAutoFit/>
-            </a:bodyPr>
-            <a:lstStyle/>
-            <a:p>
-              <a:pPr algn="r"/>
-              <a:r>
-                <a:rPr lang="en-US" altLang="ko-KR" sz="1000" dirty="0">
-                  <a:ln>
-                    <a:solidFill>
-                      <a:schemeClr val="accent1">
-                        <a:shade val="50000"/>
-                        <a:alpha val="0"/>
-                      </a:schemeClr>
-                    </a:solidFill>
-                  </a:ln>
-                  <a:solidFill>
-                    <a:schemeClr val="accent5">
-                      <a:lumMod val="50000"/>
-                    </a:schemeClr>
-                  </a:solidFill>
-                  <a:latin typeface="현대산스 Head Medium" panose="020B0600000101010101" pitchFamily="50" charset="-127"/>
-                  <a:ea typeface="현대산스 Head Medium" panose="020B0600000101010101" pitchFamily="50" charset="-127"/>
-                </a:rPr>
-                <a:t>AIBIZ INTERMEDIATE</a:t>
-              </a:r>
-              <a:r>
-                <a:rPr lang="ko-KR" altLang="en-US" sz="1000" dirty="0">
-                  <a:ln>
-                    <a:solidFill>
-                      <a:schemeClr val="accent1">
-                        <a:shade val="50000"/>
-                        <a:alpha val="0"/>
-                      </a:schemeClr>
-                    </a:solidFill>
-                  </a:ln>
-                  <a:solidFill>
-                    <a:schemeClr val="accent5">
-                      <a:lumMod val="50000"/>
-                    </a:schemeClr>
-                  </a:solidFill>
-                  <a:latin typeface="현대산스 Head Medium" panose="020B0600000101010101" pitchFamily="50" charset="-127"/>
-                  <a:ea typeface="현대산스 Head Medium" panose="020B0600000101010101" pitchFamily="50" charset="-127"/>
-                </a:rPr>
-                <a:t> </a:t>
-              </a:r>
-              <a:r>
-                <a:rPr lang="en-US" altLang="ko-KR" sz="1000" dirty="0">
-                  <a:ln>
-                    <a:solidFill>
-                      <a:schemeClr val="accent1">
-                        <a:shade val="50000"/>
-                        <a:alpha val="0"/>
-                      </a:schemeClr>
-                    </a:solidFill>
-                  </a:ln>
-                  <a:solidFill>
-                    <a:schemeClr val="accent5">
-                      <a:lumMod val="50000"/>
-                    </a:schemeClr>
-                  </a:solidFill>
-                  <a:latin typeface="현대산스 Head Medium" panose="020B0600000101010101" pitchFamily="50" charset="-127"/>
-                  <a:ea typeface="현대산스 Head Medium" panose="020B0600000101010101" pitchFamily="50" charset="-127"/>
-                </a:rPr>
-                <a:t>PYTHON CLASS</a:t>
-              </a:r>
-              <a:endParaRPr lang="ko-KR" altLang="en-US" sz="1000" dirty="0">
-                <a:ln>
-                  <a:solidFill>
-                    <a:schemeClr val="accent1">
-                      <a:shade val="50000"/>
-                      <a:alpha val="0"/>
-                    </a:schemeClr>
-                  </a:solidFill>
-                </a:ln>
-                <a:solidFill>
-                  <a:schemeClr val="accent5">
-                    <a:lumMod val="50000"/>
-                  </a:schemeClr>
-                </a:solidFill>
-                <a:latin typeface="현대산스 Head Medium" panose="020B0600000101010101" pitchFamily="50" charset="-127"/>
-                <a:ea typeface="현대산스 Head Medium" panose="020B0600000101010101" pitchFamily="50" charset="-127"/>
-              </a:endParaRPr>
-            </a:p>
-          </p:txBody>
-        </p:sp>
-        <p:cxnSp>
-          <p:nvCxnSpPr>
-            <p:cNvPr id="4" name="직선 연결선 20">
-              <a:extLst>
-                <a:ext uri="{FF2B5EF4-FFF2-40B4-BE49-F238E27FC236}">
-                  <a16:creationId xmlns:a16="http://schemas.microsoft.com/office/drawing/2014/main" id="{3F3D8E48-89A6-E3E3-FAF9-B769844468EC}"/>
-                </a:ext>
-              </a:extLst>
-            </p:cNvPr>
-            <p:cNvCxnSpPr/>
-            <p:nvPr/>
-          </p:nvCxnSpPr>
-          <p:spPr>
-            <a:xfrm>
-              <a:off x="696685" y="510243"/>
-              <a:ext cx="9035143" cy="0"/>
-            </a:xfrm>
-            <a:prstGeom prst="line">
-              <a:avLst/>
-            </a:prstGeom>
-            <a:ln>
-              <a:solidFill>
-                <a:schemeClr val="bg1">
-                  <a:lumMod val="75000"/>
-                </a:schemeClr>
-              </a:solidFill>
-            </a:ln>
-          </p:spPr>
-          <p:style>
-            <a:lnRef idx="1">
-              <a:schemeClr val="accent1"/>
-            </a:lnRef>
-            <a:fillRef idx="0">
-              <a:schemeClr val="accent1"/>
-            </a:fillRef>
-            <a:effectRef idx="0">
-              <a:schemeClr val="accent1"/>
-            </a:effectRef>
-            <a:fontRef idx="minor">
-              <a:schemeClr val="tx1"/>
-            </a:fontRef>
-          </p:style>
-        </p:cxnSp>
-      </p:grpSp>
-      <p:sp>
-        <p:nvSpPr>
-          <p:cNvPr id="5" name="TextBox 4">
-            <a:extLst>
-              <a:ext uri="{FF2B5EF4-FFF2-40B4-BE49-F238E27FC236}">
-                <a16:creationId xmlns:a16="http://schemas.microsoft.com/office/drawing/2014/main" id="{9FAC99F8-843F-420A-D546-2E032E345CBE}"/>
-              </a:ext>
-            </a:extLst>
-          </p:cNvPr>
-          <p:cNvSpPr txBox="1"/>
-          <p:nvPr/>
-        </p:nvSpPr>
-        <p:spPr>
-          <a:xfrm>
-            <a:off x="578281" y="863418"/>
-            <a:ext cx="3793026" cy="646331"/>
-          </a:xfrm>
-          <a:prstGeom prst="rect">
-            <a:avLst/>
-          </a:prstGeom>
-          <a:noFill/>
-        </p:spPr>
-        <p:txBody>
-          <a:bodyPr wrap="none" rtlCol="0">
-            <a:spAutoFit/>
-          </a:bodyPr>
-          <a:lstStyle/>
-          <a:p>
-            <a:r>
-              <a:rPr lang="ko-KR" altLang="en-US" sz="3600" spc="-150" dirty="0" err="1">
-                <a:ln>
-                  <a:solidFill>
-                    <a:schemeClr val="accent1">
-                      <a:shade val="50000"/>
-                      <a:alpha val="0"/>
-                    </a:schemeClr>
-                  </a:solidFill>
-                </a:ln>
-                <a:solidFill>
-                  <a:schemeClr val="accent5">
-                    <a:lumMod val="50000"/>
-                  </a:schemeClr>
-                </a:solidFill>
-                <a:latin typeface="에스코어 드림 6 Bold" panose="020B0703030302020204" pitchFamily="34" charset="-127"/>
-                <a:ea typeface="에스코어 드림 6 Bold" panose="020B0703030302020204" pitchFamily="34" charset="-127"/>
-              </a:rPr>
-              <a:t>알아두면</a:t>
-            </a:r>
-            <a:r>
-              <a:rPr lang="ko-KR" altLang="en-US" sz="3600" spc="-150" dirty="0">
-                <a:ln>
-                  <a:solidFill>
-                    <a:schemeClr val="accent1">
-                      <a:shade val="50000"/>
-                      <a:alpha val="0"/>
-                    </a:schemeClr>
-                  </a:solidFill>
-                </a:ln>
-                <a:solidFill>
-                  <a:schemeClr val="accent5">
-                    <a:lumMod val="50000"/>
-                  </a:schemeClr>
-                </a:solidFill>
-                <a:latin typeface="에스코어 드림 6 Bold" panose="020B0703030302020204" pitchFamily="34" charset="-127"/>
-                <a:ea typeface="에스코어 드림 6 Bold" panose="020B0703030302020204" pitchFamily="34" charset="-127"/>
-              </a:rPr>
-              <a:t> 좋은 </a:t>
-            </a:r>
-            <a:r>
-              <a:rPr lang="en-US" altLang="ko-KR" sz="3600" spc="-150" dirty="0">
-                <a:ln>
-                  <a:solidFill>
-                    <a:schemeClr val="accent1">
-                      <a:shade val="50000"/>
-                      <a:alpha val="0"/>
-                    </a:schemeClr>
-                  </a:solidFill>
-                </a:ln>
-                <a:solidFill>
-                  <a:schemeClr val="accent5">
-                    <a:lumMod val="50000"/>
-                  </a:schemeClr>
-                </a:solidFill>
-                <a:latin typeface="에스코어 드림 6 Bold" panose="020B0703030302020204" pitchFamily="34" charset="-127"/>
-                <a:ea typeface="에스코어 드림 6 Bold" panose="020B0703030302020204" pitchFamily="34" charset="-127"/>
-              </a:rPr>
-              <a:t>SQL</a:t>
-            </a:r>
-            <a:endParaRPr lang="en-US" altLang="ko-KR" sz="3600" spc="-150" dirty="0">
-              <a:ln>
-                <a:solidFill>
-                  <a:schemeClr val="accent1">
-                    <a:shade val="50000"/>
-                    <a:alpha val="0"/>
-                  </a:schemeClr>
-                </a:solidFill>
-              </a:ln>
-              <a:solidFill>
-                <a:schemeClr val="accent5">
-                  <a:lumMod val="50000"/>
-                </a:schemeClr>
-              </a:solidFill>
-              <a:latin typeface="에스코어 드림 3 Light" panose="020B0303030302020204" pitchFamily="34" charset="-127"/>
-              <a:ea typeface="에스코어 드림 3 Light" panose="020B0303030302020204" pitchFamily="34" charset="-127"/>
-            </a:endParaRPr>
-          </a:p>
-        </p:txBody>
-      </p:sp>
-      <p:sp>
-        <p:nvSpPr>
-          <p:cNvPr id="12" name="TextBox 11">
-            <a:extLst>
-              <a:ext uri="{FF2B5EF4-FFF2-40B4-BE49-F238E27FC236}">
-                <a16:creationId xmlns:a16="http://schemas.microsoft.com/office/drawing/2014/main" id="{A6BA5202-B326-2218-6431-05C203F73133}"/>
-              </a:ext>
-            </a:extLst>
-          </p:cNvPr>
-          <p:cNvSpPr txBox="1"/>
-          <p:nvPr/>
-        </p:nvSpPr>
-        <p:spPr>
-          <a:xfrm>
-            <a:off x="1027523" y="2090172"/>
-            <a:ext cx="9366422" cy="2677656"/>
-          </a:xfrm>
-          <a:prstGeom prst="rect">
-            <a:avLst/>
-          </a:prstGeom>
-          <a:noFill/>
-        </p:spPr>
-        <p:txBody>
-          <a:bodyPr wrap="square" rtlCol="0">
-            <a:spAutoFit/>
-          </a:bodyPr>
-          <a:lstStyle/>
-          <a:p>
-            <a:r>
-              <a:rPr lang="en-US" altLang="ko-KR" sz="2400" b="1" spc="-150" dirty="0">
-                <a:ln>
-                  <a:solidFill>
-                    <a:schemeClr val="accent1">
-                      <a:shade val="50000"/>
-                      <a:alpha val="0"/>
-                    </a:schemeClr>
-                  </a:solidFill>
-                </a:ln>
-                <a:solidFill>
-                  <a:schemeClr val="accent5">
-                    <a:lumMod val="50000"/>
-                  </a:schemeClr>
-                </a:solidFill>
-                <a:latin typeface="S-Core Dream 5 Medium" panose="020B0503030302020204" pitchFamily="34" charset="-127"/>
-                <a:ea typeface="S-Core Dream 5 Medium" panose="020B0503030302020204" pitchFamily="34" charset="-127"/>
-              </a:rPr>
-              <a:t>SQL </a:t>
-            </a:r>
-            <a:r>
-              <a:rPr lang="ko-KR" altLang="en-US" sz="2400" b="1" spc="-150" dirty="0">
-                <a:ln>
-                  <a:solidFill>
-                    <a:schemeClr val="accent1">
-                      <a:shade val="50000"/>
-                      <a:alpha val="0"/>
-                    </a:schemeClr>
-                  </a:solidFill>
-                </a:ln>
-                <a:solidFill>
-                  <a:schemeClr val="accent5">
-                    <a:lumMod val="50000"/>
-                  </a:schemeClr>
-                </a:solidFill>
-                <a:latin typeface="S-Core Dream 5 Medium" panose="020B0503030302020204" pitchFamily="34" charset="-127"/>
-                <a:ea typeface="S-Core Dream 5 Medium" panose="020B0503030302020204" pitchFamily="34" charset="-127"/>
-              </a:rPr>
-              <a:t>이란</a:t>
-            </a:r>
-            <a:r>
-              <a:rPr lang="en-US" altLang="ko-KR" sz="2400" b="1" spc="-150" dirty="0">
-                <a:ln>
-                  <a:solidFill>
-                    <a:schemeClr val="accent1">
-                      <a:shade val="50000"/>
-                      <a:alpha val="0"/>
-                    </a:schemeClr>
-                  </a:solidFill>
-                </a:ln>
-                <a:solidFill>
-                  <a:schemeClr val="accent5">
-                    <a:lumMod val="50000"/>
-                  </a:schemeClr>
-                </a:solidFill>
-                <a:latin typeface="S-Core Dream 5 Medium" panose="020B0503030302020204" pitchFamily="34" charset="-127"/>
-                <a:ea typeface="S-Core Dream 5 Medium" panose="020B0503030302020204" pitchFamily="34" charset="-127"/>
-              </a:rPr>
-              <a:t>?</a:t>
-            </a:r>
-            <a:r>
-              <a:rPr lang="ko-KR" altLang="en-US" sz="2400" b="1" spc="-150" dirty="0">
-                <a:ln>
-                  <a:solidFill>
-                    <a:schemeClr val="accent1">
-                      <a:shade val="50000"/>
-                      <a:alpha val="0"/>
-                    </a:schemeClr>
-                  </a:solidFill>
-                </a:ln>
-                <a:solidFill>
-                  <a:schemeClr val="accent5">
-                    <a:lumMod val="50000"/>
-                  </a:schemeClr>
-                </a:solidFill>
-                <a:latin typeface="S-Core Dream 5 Medium" panose="020B0503030302020204" pitchFamily="34" charset="-127"/>
-                <a:ea typeface="S-Core Dream 5 Medium" panose="020B0503030302020204" pitchFamily="34" charset="-127"/>
-              </a:rPr>
-              <a:t> </a:t>
-            </a:r>
-            <a:r>
-              <a:rPr lang="en-US" altLang="ko-KR" sz="2400" b="1" spc="-150" dirty="0">
-                <a:ln>
-                  <a:solidFill>
-                    <a:schemeClr val="accent1">
-                      <a:shade val="50000"/>
-                      <a:alpha val="0"/>
-                    </a:schemeClr>
-                  </a:solidFill>
-                </a:ln>
-                <a:solidFill>
-                  <a:schemeClr val="accent5">
-                    <a:lumMod val="50000"/>
-                  </a:schemeClr>
-                </a:solidFill>
-                <a:latin typeface="S-Core Dream 5 Medium" panose="020B0503030302020204" pitchFamily="34" charset="-127"/>
-                <a:ea typeface="S-Core Dream 5 Medium" panose="020B0503030302020204" pitchFamily="34" charset="-127"/>
-              </a:rPr>
-              <a:t>–</a:t>
-            </a:r>
-            <a:r>
-              <a:rPr lang="ko-KR" altLang="en-US" sz="2400" b="1" spc="-150" dirty="0">
-                <a:ln>
-                  <a:solidFill>
-                    <a:schemeClr val="accent1">
-                      <a:shade val="50000"/>
-                      <a:alpha val="0"/>
-                    </a:schemeClr>
-                  </a:solidFill>
-                </a:ln>
-                <a:solidFill>
-                  <a:schemeClr val="accent5">
-                    <a:lumMod val="50000"/>
-                  </a:schemeClr>
-                </a:solidFill>
-                <a:latin typeface="S-Core Dream 5 Medium" panose="020B0503030302020204" pitchFamily="34" charset="-127"/>
-                <a:ea typeface="S-Core Dream 5 Medium" panose="020B0503030302020204" pitchFamily="34" charset="-127"/>
-              </a:rPr>
-              <a:t> </a:t>
-            </a:r>
-            <a:r>
-              <a:rPr lang="en-US" altLang="ko-KR" sz="2400" b="1" spc="-150" dirty="0">
-                <a:ln>
-                  <a:solidFill>
-                    <a:schemeClr val="accent1">
-                      <a:shade val="50000"/>
-                      <a:alpha val="0"/>
-                    </a:schemeClr>
-                  </a:solidFill>
-                </a:ln>
-                <a:solidFill>
-                  <a:schemeClr val="accent5">
-                    <a:lumMod val="50000"/>
-                  </a:schemeClr>
-                </a:solidFill>
-                <a:latin typeface="S-Core Dream 5 Medium" panose="020B0503030302020204" pitchFamily="34" charset="-127"/>
-                <a:ea typeface="S-Core Dream 5 Medium" panose="020B0503030302020204" pitchFamily="34" charset="-127"/>
-              </a:rPr>
-              <a:t>Python</a:t>
-            </a:r>
-            <a:r>
-              <a:rPr lang="ko-KR" altLang="en-US" sz="2400" b="1" spc="-150" dirty="0" err="1">
-                <a:ln>
-                  <a:solidFill>
-                    <a:schemeClr val="accent1">
-                      <a:shade val="50000"/>
-                      <a:alpha val="0"/>
-                    </a:schemeClr>
-                  </a:solidFill>
-                </a:ln>
-                <a:solidFill>
-                  <a:schemeClr val="accent5">
-                    <a:lumMod val="50000"/>
-                  </a:schemeClr>
-                </a:solidFill>
-                <a:latin typeface="S-Core Dream 5 Medium" panose="020B0503030302020204" pitchFamily="34" charset="-127"/>
-                <a:ea typeface="S-Core Dream 5 Medium" panose="020B0503030302020204" pitchFamily="34" charset="-127"/>
-              </a:rPr>
-              <a:t>으로</a:t>
-            </a:r>
-            <a:r>
-              <a:rPr lang="ko-KR" altLang="en-US" sz="2400" b="1" spc="-150" dirty="0">
-                <a:ln>
-                  <a:solidFill>
-                    <a:schemeClr val="accent1">
-                      <a:shade val="50000"/>
-                      <a:alpha val="0"/>
-                    </a:schemeClr>
-                  </a:solidFill>
-                </a:ln>
-                <a:solidFill>
-                  <a:schemeClr val="accent5">
-                    <a:lumMod val="50000"/>
-                  </a:schemeClr>
-                </a:solidFill>
-                <a:latin typeface="S-Core Dream 5 Medium" panose="020B0503030302020204" pitchFamily="34" charset="-127"/>
-                <a:ea typeface="S-Core Dream 5 Medium" panose="020B0503030302020204" pitchFamily="34" charset="-127"/>
-              </a:rPr>
-              <a:t> 데이터베이스 사용하기</a:t>
-            </a:r>
-            <a:endParaRPr lang="en-US" altLang="ko-KR" sz="2400" b="1" spc="-150" dirty="0">
-              <a:ln>
-                <a:solidFill>
-                  <a:schemeClr val="accent1">
-                    <a:shade val="50000"/>
-                    <a:alpha val="0"/>
-                  </a:schemeClr>
-                </a:solidFill>
-              </a:ln>
-              <a:solidFill>
-                <a:schemeClr val="accent5">
-                  <a:lumMod val="50000"/>
-                </a:schemeClr>
-              </a:solidFill>
-              <a:latin typeface="S-Core Dream 5 Medium" panose="020B0503030302020204" pitchFamily="34" charset="-127"/>
-              <a:ea typeface="S-Core Dream 5 Medium" panose="020B0503030302020204" pitchFamily="34" charset="-127"/>
-            </a:endParaRPr>
-          </a:p>
-          <a:p>
-            <a:r>
-              <a:rPr lang="ko-KR" altLang="en-US" sz="2400" b="1" spc="-150" dirty="0">
-                <a:ln>
-                  <a:solidFill>
-                    <a:schemeClr val="accent1">
-                      <a:shade val="50000"/>
-                      <a:alpha val="0"/>
-                    </a:schemeClr>
-                  </a:solidFill>
-                </a:ln>
-                <a:solidFill>
-                  <a:schemeClr val="accent5">
-                    <a:lumMod val="50000"/>
-                  </a:schemeClr>
-                </a:solidFill>
-                <a:latin typeface="S-Core Dream 3 Light" panose="020B0503030302020204" pitchFamily="34" charset="-127"/>
-                <a:ea typeface="S-Core Dream 3 Light" panose="020B0503030302020204" pitchFamily="34" charset="-127"/>
-              </a:rPr>
-              <a:t> </a:t>
-            </a:r>
-            <a:endParaRPr lang="en-US" altLang="ko-KR" sz="2400" b="1" spc="-150" dirty="0">
-              <a:ln>
-                <a:solidFill>
-                  <a:schemeClr val="accent1">
-                    <a:shade val="50000"/>
-                    <a:alpha val="0"/>
-                  </a:schemeClr>
-                </a:solidFill>
-              </a:ln>
-              <a:solidFill>
-                <a:schemeClr val="accent5">
-                  <a:lumMod val="50000"/>
-                </a:schemeClr>
-              </a:solidFill>
-              <a:latin typeface="S-Core Dream 3 Light" panose="020B0503030302020204" pitchFamily="34" charset="-127"/>
-              <a:ea typeface="S-Core Dream 3 Light" panose="020B0503030302020204" pitchFamily="34" charset="-127"/>
-            </a:endParaRPr>
-          </a:p>
-          <a:p>
-            <a:r>
-              <a:rPr lang="en-US" altLang="ko-KR" sz="2400" b="1" spc="-150" dirty="0">
-                <a:ln>
-                  <a:solidFill>
-                    <a:schemeClr val="accent1">
-                      <a:shade val="50000"/>
-                      <a:alpha val="0"/>
-                    </a:schemeClr>
-                  </a:solidFill>
-                </a:ln>
-                <a:solidFill>
-                  <a:schemeClr val="accent5">
-                    <a:lumMod val="50000"/>
-                  </a:schemeClr>
-                </a:solidFill>
-                <a:latin typeface="S-Core Dream 3 Light" panose="020B0503030302020204" pitchFamily="34" charset="-127"/>
-                <a:ea typeface="S-Core Dream 3 Light" panose="020B0503030302020204" pitchFamily="34" charset="-127"/>
-              </a:rPr>
-              <a:t>SELECT </a:t>
-            </a:r>
-            <a:r>
-              <a:rPr lang="ko-KR" altLang="en-US" sz="2400" b="1" spc="-150" dirty="0">
-                <a:ln>
-                  <a:solidFill>
-                    <a:schemeClr val="accent1">
-                      <a:shade val="50000"/>
-                      <a:alpha val="0"/>
-                    </a:schemeClr>
-                  </a:solidFill>
-                </a:ln>
-                <a:solidFill>
-                  <a:schemeClr val="accent5">
-                    <a:lumMod val="50000"/>
-                  </a:schemeClr>
-                </a:solidFill>
-                <a:latin typeface="S-Core Dream 3 Light" panose="020B0503030302020204" pitchFamily="34" charset="-127"/>
-                <a:ea typeface="S-Core Dream 3 Light" panose="020B0503030302020204" pitchFamily="34" charset="-127"/>
-              </a:rPr>
-              <a:t>쿼리를 통해 레코드를 불러 옵니다</a:t>
-            </a:r>
-            <a:r>
-              <a:rPr lang="en-US" altLang="ko-KR" sz="2400" b="1" spc="-150" dirty="0">
-                <a:ln>
-                  <a:solidFill>
-                    <a:schemeClr val="accent1">
-                      <a:shade val="50000"/>
-                      <a:alpha val="0"/>
-                    </a:schemeClr>
-                  </a:solidFill>
-                </a:ln>
-                <a:solidFill>
-                  <a:schemeClr val="accent5">
-                    <a:lumMod val="50000"/>
-                  </a:schemeClr>
-                </a:solidFill>
-                <a:latin typeface="S-Core Dream 3 Light" panose="020B0503030302020204" pitchFamily="34" charset="-127"/>
-                <a:ea typeface="S-Core Dream 3 Light" panose="020B0503030302020204" pitchFamily="34" charset="-127"/>
-              </a:rPr>
-              <a:t>.</a:t>
-            </a:r>
-          </a:p>
-          <a:p>
-            <a:endParaRPr lang="en-US" altLang="ko-KR" sz="2400" b="1" spc="-150" dirty="0">
-              <a:ln>
-                <a:solidFill>
-                  <a:schemeClr val="accent1">
-                    <a:shade val="50000"/>
-                    <a:alpha val="0"/>
-                  </a:schemeClr>
-                </a:solidFill>
-              </a:ln>
-              <a:solidFill>
-                <a:schemeClr val="accent5">
-                  <a:lumMod val="50000"/>
-                </a:schemeClr>
-              </a:solidFill>
-              <a:latin typeface="S-Core Dream 3 Light" panose="020B0503030302020204" pitchFamily="34" charset="-127"/>
-              <a:ea typeface="S-Core Dream 3 Light" panose="020B0503030302020204" pitchFamily="34" charset="-127"/>
-            </a:endParaRPr>
-          </a:p>
-          <a:p>
-            <a:endParaRPr lang="en-US" altLang="ko-KR" sz="2400" b="1" spc="-150" dirty="0">
-              <a:ln>
-                <a:solidFill>
-                  <a:schemeClr val="accent1">
-                    <a:shade val="50000"/>
-                    <a:alpha val="0"/>
-                  </a:schemeClr>
-                </a:solidFill>
-              </a:ln>
-              <a:solidFill>
-                <a:schemeClr val="accent5">
-                  <a:lumMod val="50000"/>
-                </a:schemeClr>
-              </a:solidFill>
-              <a:latin typeface="S-Core Dream 3 Light" panose="020B0503030302020204" pitchFamily="34" charset="-127"/>
-              <a:ea typeface="S-Core Dream 3 Light" panose="020B0503030302020204" pitchFamily="34" charset="-127"/>
-            </a:endParaRPr>
-          </a:p>
-          <a:p>
-            <a:endParaRPr lang="en-US" altLang="ko-KR" sz="2400" b="1" spc="-150" dirty="0">
-              <a:ln>
-                <a:solidFill>
-                  <a:schemeClr val="accent1">
-                    <a:shade val="50000"/>
-                    <a:alpha val="0"/>
-                  </a:schemeClr>
-                </a:solidFill>
-              </a:ln>
-              <a:solidFill>
-                <a:schemeClr val="accent5">
-                  <a:lumMod val="50000"/>
-                </a:schemeClr>
-              </a:solidFill>
-              <a:latin typeface="S-Core Dream 3 Light" panose="020B0503030302020204" pitchFamily="34" charset="-127"/>
-              <a:ea typeface="S-Core Dream 3 Light" panose="020B0503030302020204" pitchFamily="34" charset="-127"/>
-            </a:endParaRPr>
-          </a:p>
-          <a:p>
-            <a:endParaRPr lang="en-US" altLang="ko-KR" sz="2400" b="1" spc="-150" dirty="0">
-              <a:ln>
-                <a:solidFill>
-                  <a:schemeClr val="accent1">
-                    <a:shade val="50000"/>
-                    <a:alpha val="0"/>
-                  </a:schemeClr>
-                </a:solidFill>
-              </a:ln>
-              <a:solidFill>
-                <a:schemeClr val="accent5">
-                  <a:lumMod val="50000"/>
-                </a:schemeClr>
-              </a:solidFill>
-              <a:latin typeface="S-Core Dream 3 Light" panose="020B0503030302020204" pitchFamily="34" charset="-127"/>
-              <a:ea typeface="S-Core Dream 3 Light" panose="020B0503030302020204" pitchFamily="34" charset="-127"/>
-            </a:endParaRPr>
-          </a:p>
-        </p:txBody>
-      </p:sp>
-      <p:pic>
-        <p:nvPicPr>
-          <p:cNvPr id="7" name="그림 6">
-            <a:extLst>
-              <a:ext uri="{FF2B5EF4-FFF2-40B4-BE49-F238E27FC236}">
-                <a16:creationId xmlns:a16="http://schemas.microsoft.com/office/drawing/2014/main" id="{A8AF91A6-B210-6E57-34A9-B144EF12DFA3}"/>
-              </a:ext>
-            </a:extLst>
-          </p:cNvPr>
-          <p:cNvPicPr>
-            <a:picLocks noChangeAspect="1"/>
-          </p:cNvPicPr>
-          <p:nvPr/>
-        </p:nvPicPr>
-        <p:blipFill>
-          <a:blip r:embed="rId2"/>
-          <a:stretch>
-            <a:fillRect/>
-          </a:stretch>
-        </p:blipFill>
-        <p:spPr>
-          <a:xfrm>
-            <a:off x="1027523" y="3429000"/>
-            <a:ext cx="8991600" cy="3213100"/>
-          </a:xfrm>
-          <a:prstGeom prst="rect">
-            <a:avLst/>
-          </a:prstGeom>
-        </p:spPr>
-      </p:pic>
-    </p:spTree>
-    <p:extLst>
-      <p:ext uri="{BB962C8B-B14F-4D97-AF65-F5344CB8AC3E}">
-        <p14:creationId xmlns:p14="http://schemas.microsoft.com/office/powerpoint/2010/main" val="2916629741"/>
-      </p:ext>
-    </p:extLst>
-  </p:cSld>
-  <p:clrMapOvr>
-    <a:masterClrMapping/>
-  </p:clrMapOvr>
-</p:sld>
-</file>
-
-<file path=ppt/slides/slide42.xml><?xml version="1.0" encoding="utf-8"?>
-<p:sld xmlns:a="http://schemas.openxmlformats.org/drawingml/2006/main" xmlns:r="http://schemas.openxmlformats.org/officeDocument/2006/relationships" xmlns:p="http://schemas.openxmlformats.org/presentationml/2006/main">
-  <p:cSld>
-    <p:spTree>
-      <p:nvGrpSpPr>
-        <p:cNvPr id="1" name=""/>
-        <p:cNvGrpSpPr/>
-        <p:nvPr/>
-      </p:nvGrpSpPr>
-      <p:grpSpPr>
-        <a:xfrm>
-          <a:off x="0" y="0"/>
-          <a:ext cx="0" cy="0"/>
-          <a:chOff x="0" y="0"/>
-          <a:chExt cx="0" cy="0"/>
-        </a:xfrm>
-      </p:grpSpPr>
-      <p:grpSp>
-        <p:nvGrpSpPr>
-          <p:cNvPr id="2" name="그룹 1">
-            <a:extLst>
-              <a:ext uri="{FF2B5EF4-FFF2-40B4-BE49-F238E27FC236}">
-                <a16:creationId xmlns:a16="http://schemas.microsoft.com/office/drawing/2014/main" id="{9820B7D6-7697-98DD-3606-AF3D919B3FC6}"/>
-              </a:ext>
-            </a:extLst>
-          </p:cNvPr>
-          <p:cNvGrpSpPr/>
-          <p:nvPr/>
-        </p:nvGrpSpPr>
-        <p:grpSpPr>
-          <a:xfrm>
-            <a:off x="498565" y="387132"/>
-            <a:ext cx="11318467" cy="246221"/>
-            <a:chOff x="696685" y="387132"/>
-            <a:chExt cx="11318467" cy="246221"/>
-          </a:xfrm>
-        </p:grpSpPr>
-        <p:sp>
-          <p:nvSpPr>
-            <p:cNvPr id="3" name="TextBox 2">
-              <a:extLst>
-                <a:ext uri="{FF2B5EF4-FFF2-40B4-BE49-F238E27FC236}">
-                  <a16:creationId xmlns:a16="http://schemas.microsoft.com/office/drawing/2014/main" id="{ED748303-8099-660F-5433-815DD70D722E}"/>
-                </a:ext>
-              </a:extLst>
-            </p:cNvPr>
-            <p:cNvSpPr txBox="1"/>
-            <p:nvPr/>
-          </p:nvSpPr>
-          <p:spPr>
-            <a:xfrm>
-              <a:off x="9643990" y="387132"/>
-              <a:ext cx="2371162" cy="246221"/>
-            </a:xfrm>
-            <a:prstGeom prst="rect">
-              <a:avLst/>
-            </a:prstGeom>
-            <a:noFill/>
-          </p:spPr>
-          <p:txBody>
-            <a:bodyPr wrap="none" rtlCol="0">
-              <a:spAutoFit/>
-            </a:bodyPr>
-            <a:lstStyle/>
-            <a:p>
-              <a:pPr algn="r"/>
-              <a:r>
-                <a:rPr lang="en-US" altLang="ko-KR" sz="1000" dirty="0">
-                  <a:ln>
-                    <a:solidFill>
-                      <a:schemeClr val="accent1">
-                        <a:shade val="50000"/>
-                        <a:alpha val="0"/>
-                      </a:schemeClr>
-                    </a:solidFill>
-                  </a:ln>
-                  <a:solidFill>
-                    <a:schemeClr val="accent5">
-                      <a:lumMod val="50000"/>
-                    </a:schemeClr>
-                  </a:solidFill>
-                  <a:latin typeface="현대산스 Head Medium" panose="020B0600000101010101" pitchFamily="50" charset="-127"/>
-                  <a:ea typeface="현대산스 Head Medium" panose="020B0600000101010101" pitchFamily="50" charset="-127"/>
-                </a:rPr>
-                <a:t>AIBIZ INTERMEDIATE</a:t>
-              </a:r>
-              <a:r>
-                <a:rPr lang="ko-KR" altLang="en-US" sz="1000" dirty="0">
-                  <a:ln>
-                    <a:solidFill>
-                      <a:schemeClr val="accent1">
-                        <a:shade val="50000"/>
-                        <a:alpha val="0"/>
-                      </a:schemeClr>
-                    </a:solidFill>
-                  </a:ln>
-                  <a:solidFill>
-                    <a:schemeClr val="accent5">
-                      <a:lumMod val="50000"/>
-                    </a:schemeClr>
-                  </a:solidFill>
-                  <a:latin typeface="현대산스 Head Medium" panose="020B0600000101010101" pitchFamily="50" charset="-127"/>
-                  <a:ea typeface="현대산스 Head Medium" panose="020B0600000101010101" pitchFamily="50" charset="-127"/>
-                </a:rPr>
-                <a:t> </a:t>
-              </a:r>
-              <a:r>
-                <a:rPr lang="en-US" altLang="ko-KR" sz="1000" dirty="0">
-                  <a:ln>
-                    <a:solidFill>
-                      <a:schemeClr val="accent1">
-                        <a:shade val="50000"/>
-                        <a:alpha val="0"/>
-                      </a:schemeClr>
-                    </a:solidFill>
-                  </a:ln>
-                  <a:solidFill>
-                    <a:schemeClr val="accent5">
-                      <a:lumMod val="50000"/>
-                    </a:schemeClr>
-                  </a:solidFill>
-                  <a:latin typeface="현대산스 Head Medium" panose="020B0600000101010101" pitchFamily="50" charset="-127"/>
-                  <a:ea typeface="현대산스 Head Medium" panose="020B0600000101010101" pitchFamily="50" charset="-127"/>
-                </a:rPr>
-                <a:t>PYTHON CLASS</a:t>
-              </a:r>
-              <a:endParaRPr lang="ko-KR" altLang="en-US" sz="1000" dirty="0">
-                <a:ln>
-                  <a:solidFill>
-                    <a:schemeClr val="accent1">
-                      <a:shade val="50000"/>
-                      <a:alpha val="0"/>
-                    </a:schemeClr>
-                  </a:solidFill>
-                </a:ln>
-                <a:solidFill>
-                  <a:schemeClr val="accent5">
-                    <a:lumMod val="50000"/>
-                  </a:schemeClr>
-                </a:solidFill>
-                <a:latin typeface="현대산스 Head Medium" panose="020B0600000101010101" pitchFamily="50" charset="-127"/>
-                <a:ea typeface="현대산스 Head Medium" panose="020B0600000101010101" pitchFamily="50" charset="-127"/>
-              </a:endParaRPr>
-            </a:p>
-          </p:txBody>
-        </p:sp>
-        <p:cxnSp>
-          <p:nvCxnSpPr>
-            <p:cNvPr id="4" name="직선 연결선 20">
-              <a:extLst>
-                <a:ext uri="{FF2B5EF4-FFF2-40B4-BE49-F238E27FC236}">
-                  <a16:creationId xmlns:a16="http://schemas.microsoft.com/office/drawing/2014/main" id="{3F3D8E48-89A6-E3E3-FAF9-B769844468EC}"/>
-                </a:ext>
-              </a:extLst>
-            </p:cNvPr>
-            <p:cNvCxnSpPr/>
-            <p:nvPr/>
-          </p:nvCxnSpPr>
-          <p:spPr>
-            <a:xfrm>
-              <a:off x="696685" y="510243"/>
-              <a:ext cx="9035143" cy="0"/>
-            </a:xfrm>
-            <a:prstGeom prst="line">
-              <a:avLst/>
-            </a:prstGeom>
-            <a:ln>
-              <a:solidFill>
-                <a:schemeClr val="bg1">
-                  <a:lumMod val="75000"/>
-                </a:schemeClr>
-              </a:solidFill>
-            </a:ln>
-          </p:spPr>
-          <p:style>
-            <a:lnRef idx="1">
-              <a:schemeClr val="accent1"/>
-            </a:lnRef>
-            <a:fillRef idx="0">
-              <a:schemeClr val="accent1"/>
-            </a:fillRef>
-            <a:effectRef idx="0">
-              <a:schemeClr val="accent1"/>
-            </a:effectRef>
-            <a:fontRef idx="minor">
-              <a:schemeClr val="tx1"/>
-            </a:fontRef>
-          </p:style>
-        </p:cxnSp>
-      </p:grpSp>
-      <p:sp>
-        <p:nvSpPr>
-          <p:cNvPr id="5" name="TextBox 4">
-            <a:extLst>
-              <a:ext uri="{FF2B5EF4-FFF2-40B4-BE49-F238E27FC236}">
-                <a16:creationId xmlns:a16="http://schemas.microsoft.com/office/drawing/2014/main" id="{9FAC99F8-843F-420A-D546-2E032E345CBE}"/>
-              </a:ext>
-            </a:extLst>
-          </p:cNvPr>
-          <p:cNvSpPr txBox="1"/>
-          <p:nvPr/>
-        </p:nvSpPr>
-        <p:spPr>
-          <a:xfrm>
-            <a:off x="578281" y="863418"/>
-            <a:ext cx="3793026" cy="646331"/>
-          </a:xfrm>
-          <a:prstGeom prst="rect">
-            <a:avLst/>
-          </a:prstGeom>
-          <a:noFill/>
-        </p:spPr>
-        <p:txBody>
-          <a:bodyPr wrap="none" rtlCol="0">
-            <a:spAutoFit/>
-          </a:bodyPr>
-          <a:lstStyle/>
-          <a:p>
-            <a:r>
-              <a:rPr lang="ko-KR" altLang="en-US" sz="3600" spc="-150" dirty="0" err="1">
-                <a:ln>
-                  <a:solidFill>
-                    <a:schemeClr val="accent1">
-                      <a:shade val="50000"/>
-                      <a:alpha val="0"/>
-                    </a:schemeClr>
-                  </a:solidFill>
-                </a:ln>
-                <a:solidFill>
-                  <a:schemeClr val="accent5">
-                    <a:lumMod val="50000"/>
-                  </a:schemeClr>
-                </a:solidFill>
-                <a:latin typeface="에스코어 드림 6 Bold" panose="020B0703030302020204" pitchFamily="34" charset="-127"/>
-                <a:ea typeface="에스코어 드림 6 Bold" panose="020B0703030302020204" pitchFamily="34" charset="-127"/>
-              </a:rPr>
-              <a:t>알아두면</a:t>
-            </a:r>
-            <a:r>
-              <a:rPr lang="ko-KR" altLang="en-US" sz="3600" spc="-150" dirty="0">
-                <a:ln>
-                  <a:solidFill>
-                    <a:schemeClr val="accent1">
-                      <a:shade val="50000"/>
-                      <a:alpha val="0"/>
-                    </a:schemeClr>
-                  </a:solidFill>
-                </a:ln>
-                <a:solidFill>
-                  <a:schemeClr val="accent5">
-                    <a:lumMod val="50000"/>
-                  </a:schemeClr>
-                </a:solidFill>
-                <a:latin typeface="에스코어 드림 6 Bold" panose="020B0703030302020204" pitchFamily="34" charset="-127"/>
-                <a:ea typeface="에스코어 드림 6 Bold" panose="020B0703030302020204" pitchFamily="34" charset="-127"/>
-              </a:rPr>
-              <a:t> 좋은 </a:t>
-            </a:r>
-            <a:r>
-              <a:rPr lang="en-US" altLang="ko-KR" sz="3600" spc="-150" dirty="0">
-                <a:ln>
-                  <a:solidFill>
-                    <a:schemeClr val="accent1">
-                      <a:shade val="50000"/>
-                      <a:alpha val="0"/>
-                    </a:schemeClr>
-                  </a:solidFill>
-                </a:ln>
-                <a:solidFill>
-                  <a:schemeClr val="accent5">
-                    <a:lumMod val="50000"/>
-                  </a:schemeClr>
-                </a:solidFill>
-                <a:latin typeface="에스코어 드림 6 Bold" panose="020B0703030302020204" pitchFamily="34" charset="-127"/>
-                <a:ea typeface="에스코어 드림 6 Bold" panose="020B0703030302020204" pitchFamily="34" charset="-127"/>
-              </a:rPr>
-              <a:t>SQL</a:t>
-            </a:r>
-            <a:endParaRPr lang="en-US" altLang="ko-KR" sz="3600" spc="-150" dirty="0">
-              <a:ln>
-                <a:solidFill>
-                  <a:schemeClr val="accent1">
-                    <a:shade val="50000"/>
-                    <a:alpha val="0"/>
-                  </a:schemeClr>
-                </a:solidFill>
-              </a:ln>
-              <a:solidFill>
-                <a:schemeClr val="accent5">
-                  <a:lumMod val="50000"/>
-                </a:schemeClr>
-              </a:solidFill>
-              <a:latin typeface="에스코어 드림 3 Light" panose="020B0303030302020204" pitchFamily="34" charset="-127"/>
-              <a:ea typeface="에스코어 드림 3 Light" panose="020B0303030302020204" pitchFamily="34" charset="-127"/>
-            </a:endParaRPr>
-          </a:p>
-        </p:txBody>
-      </p:sp>
-      <p:sp>
-        <p:nvSpPr>
-          <p:cNvPr id="12" name="TextBox 11">
-            <a:extLst>
-              <a:ext uri="{FF2B5EF4-FFF2-40B4-BE49-F238E27FC236}">
-                <a16:creationId xmlns:a16="http://schemas.microsoft.com/office/drawing/2014/main" id="{A6BA5202-B326-2218-6431-05C203F73133}"/>
-              </a:ext>
-            </a:extLst>
-          </p:cNvPr>
-          <p:cNvSpPr txBox="1"/>
-          <p:nvPr/>
-        </p:nvSpPr>
-        <p:spPr>
-          <a:xfrm>
-            <a:off x="1027523" y="2090172"/>
-            <a:ext cx="9366422" cy="1938992"/>
-          </a:xfrm>
-          <a:prstGeom prst="rect">
-            <a:avLst/>
-          </a:prstGeom>
-          <a:noFill/>
-        </p:spPr>
-        <p:txBody>
-          <a:bodyPr wrap="square" rtlCol="0">
-            <a:spAutoFit/>
-          </a:bodyPr>
-          <a:lstStyle/>
-          <a:p>
-            <a:r>
-              <a:rPr lang="en-US" altLang="ko-KR" sz="2400" b="1" spc="-150" dirty="0">
-                <a:ln>
-                  <a:solidFill>
-                    <a:schemeClr val="accent1">
-                      <a:shade val="50000"/>
-                      <a:alpha val="0"/>
-                    </a:schemeClr>
-                  </a:solidFill>
-                </a:ln>
-                <a:solidFill>
-                  <a:schemeClr val="accent5">
-                    <a:lumMod val="50000"/>
-                  </a:schemeClr>
-                </a:solidFill>
-                <a:latin typeface="S-Core Dream 5 Medium" panose="020B0503030302020204" pitchFamily="34" charset="-127"/>
-                <a:ea typeface="S-Core Dream 5 Medium" panose="020B0503030302020204" pitchFamily="34" charset="-127"/>
-              </a:rPr>
-              <a:t>SQL </a:t>
-            </a:r>
-            <a:r>
-              <a:rPr lang="ko-KR" altLang="en-US" sz="2400" b="1" spc="-150" dirty="0">
-                <a:ln>
-                  <a:solidFill>
-                    <a:schemeClr val="accent1">
-                      <a:shade val="50000"/>
-                      <a:alpha val="0"/>
-                    </a:schemeClr>
-                  </a:solidFill>
-                </a:ln>
-                <a:solidFill>
-                  <a:schemeClr val="accent5">
-                    <a:lumMod val="50000"/>
-                  </a:schemeClr>
-                </a:solidFill>
-                <a:latin typeface="S-Core Dream 5 Medium" panose="020B0503030302020204" pitchFamily="34" charset="-127"/>
-                <a:ea typeface="S-Core Dream 5 Medium" panose="020B0503030302020204" pitchFamily="34" charset="-127"/>
-              </a:rPr>
-              <a:t>이란</a:t>
-            </a:r>
-            <a:r>
-              <a:rPr lang="en-US" altLang="ko-KR" sz="2400" b="1" spc="-150" dirty="0">
-                <a:ln>
-                  <a:solidFill>
-                    <a:schemeClr val="accent1">
-                      <a:shade val="50000"/>
-                      <a:alpha val="0"/>
-                    </a:schemeClr>
-                  </a:solidFill>
-                </a:ln>
-                <a:solidFill>
-                  <a:schemeClr val="accent5">
-                    <a:lumMod val="50000"/>
-                  </a:schemeClr>
-                </a:solidFill>
-                <a:latin typeface="S-Core Dream 5 Medium" panose="020B0503030302020204" pitchFamily="34" charset="-127"/>
-                <a:ea typeface="S-Core Dream 5 Medium" panose="020B0503030302020204" pitchFamily="34" charset="-127"/>
-              </a:rPr>
-              <a:t>?</a:t>
-            </a:r>
-            <a:r>
-              <a:rPr lang="ko-KR" altLang="en-US" sz="2400" b="1" spc="-150" dirty="0">
-                <a:ln>
-                  <a:solidFill>
-                    <a:schemeClr val="accent1">
-                      <a:shade val="50000"/>
-                      <a:alpha val="0"/>
-                    </a:schemeClr>
-                  </a:solidFill>
-                </a:ln>
-                <a:solidFill>
-                  <a:schemeClr val="accent5">
-                    <a:lumMod val="50000"/>
-                  </a:schemeClr>
-                </a:solidFill>
-                <a:latin typeface="S-Core Dream 5 Medium" panose="020B0503030302020204" pitchFamily="34" charset="-127"/>
-                <a:ea typeface="S-Core Dream 5 Medium" panose="020B0503030302020204" pitchFamily="34" charset="-127"/>
-              </a:rPr>
-              <a:t> </a:t>
-            </a:r>
-            <a:r>
-              <a:rPr lang="en-US" altLang="ko-KR" sz="2400" b="1" spc="-150" dirty="0">
-                <a:ln>
-                  <a:solidFill>
-                    <a:schemeClr val="accent1">
-                      <a:shade val="50000"/>
-                      <a:alpha val="0"/>
-                    </a:schemeClr>
-                  </a:solidFill>
-                </a:ln>
-                <a:solidFill>
-                  <a:schemeClr val="accent5">
-                    <a:lumMod val="50000"/>
-                  </a:schemeClr>
-                </a:solidFill>
-                <a:latin typeface="S-Core Dream 5 Medium" panose="020B0503030302020204" pitchFamily="34" charset="-127"/>
-                <a:ea typeface="S-Core Dream 5 Medium" panose="020B0503030302020204" pitchFamily="34" charset="-127"/>
-              </a:rPr>
-              <a:t>–</a:t>
-            </a:r>
-            <a:r>
-              <a:rPr lang="ko-KR" altLang="en-US" sz="2400" b="1" spc="-150" dirty="0">
-                <a:ln>
-                  <a:solidFill>
-                    <a:schemeClr val="accent1">
-                      <a:shade val="50000"/>
-                      <a:alpha val="0"/>
-                    </a:schemeClr>
-                  </a:solidFill>
-                </a:ln>
-                <a:solidFill>
-                  <a:schemeClr val="accent5">
-                    <a:lumMod val="50000"/>
-                  </a:schemeClr>
-                </a:solidFill>
-                <a:latin typeface="S-Core Dream 5 Medium" panose="020B0503030302020204" pitchFamily="34" charset="-127"/>
-                <a:ea typeface="S-Core Dream 5 Medium" panose="020B0503030302020204" pitchFamily="34" charset="-127"/>
-              </a:rPr>
-              <a:t> </a:t>
-            </a:r>
-            <a:r>
-              <a:rPr lang="en-US" altLang="ko-KR" sz="2400" b="1" spc="-150" dirty="0">
-                <a:ln>
-                  <a:solidFill>
-                    <a:schemeClr val="accent1">
-                      <a:shade val="50000"/>
-                      <a:alpha val="0"/>
-                    </a:schemeClr>
-                  </a:solidFill>
-                </a:ln>
-                <a:solidFill>
-                  <a:schemeClr val="accent5">
-                    <a:lumMod val="50000"/>
-                  </a:schemeClr>
-                </a:solidFill>
-                <a:latin typeface="S-Core Dream 5 Medium" panose="020B0503030302020204" pitchFamily="34" charset="-127"/>
-                <a:ea typeface="S-Core Dream 5 Medium" panose="020B0503030302020204" pitchFamily="34" charset="-127"/>
-              </a:rPr>
-              <a:t>Python</a:t>
-            </a:r>
-            <a:r>
-              <a:rPr lang="ko-KR" altLang="en-US" sz="2400" b="1" spc="-150" dirty="0" err="1">
-                <a:ln>
-                  <a:solidFill>
-                    <a:schemeClr val="accent1">
-                      <a:shade val="50000"/>
-                      <a:alpha val="0"/>
-                    </a:schemeClr>
-                  </a:solidFill>
-                </a:ln>
-                <a:solidFill>
-                  <a:schemeClr val="accent5">
-                    <a:lumMod val="50000"/>
-                  </a:schemeClr>
-                </a:solidFill>
-                <a:latin typeface="S-Core Dream 5 Medium" panose="020B0503030302020204" pitchFamily="34" charset="-127"/>
-                <a:ea typeface="S-Core Dream 5 Medium" panose="020B0503030302020204" pitchFamily="34" charset="-127"/>
-              </a:rPr>
-              <a:t>으로</a:t>
-            </a:r>
-            <a:r>
-              <a:rPr lang="ko-KR" altLang="en-US" sz="2400" b="1" spc="-150" dirty="0">
-                <a:ln>
-                  <a:solidFill>
-                    <a:schemeClr val="accent1">
-                      <a:shade val="50000"/>
-                      <a:alpha val="0"/>
-                    </a:schemeClr>
-                  </a:solidFill>
-                </a:ln>
-                <a:solidFill>
-                  <a:schemeClr val="accent5">
-                    <a:lumMod val="50000"/>
-                  </a:schemeClr>
-                </a:solidFill>
-                <a:latin typeface="S-Core Dream 5 Medium" panose="020B0503030302020204" pitchFamily="34" charset="-127"/>
-                <a:ea typeface="S-Core Dream 5 Medium" panose="020B0503030302020204" pitchFamily="34" charset="-127"/>
-              </a:rPr>
-              <a:t> 데이터베이스 사용하기</a:t>
-            </a:r>
-            <a:endParaRPr lang="en-US" altLang="ko-KR" sz="2400" b="1" spc="-150" dirty="0">
-              <a:ln>
-                <a:solidFill>
-                  <a:schemeClr val="accent1">
-                    <a:shade val="50000"/>
-                    <a:alpha val="0"/>
-                  </a:schemeClr>
-                </a:solidFill>
-              </a:ln>
-              <a:solidFill>
-                <a:schemeClr val="accent5">
-                  <a:lumMod val="50000"/>
-                </a:schemeClr>
-              </a:solidFill>
-              <a:latin typeface="S-Core Dream 5 Medium" panose="020B0503030302020204" pitchFamily="34" charset="-127"/>
-              <a:ea typeface="S-Core Dream 5 Medium" panose="020B0503030302020204" pitchFamily="34" charset="-127"/>
-            </a:endParaRPr>
-          </a:p>
-          <a:p>
-            <a:r>
-              <a:rPr lang="ko-KR" altLang="en-US" sz="2400" b="1" spc="-150" dirty="0">
-                <a:ln>
-                  <a:solidFill>
-                    <a:schemeClr val="accent1">
-                      <a:shade val="50000"/>
-                      <a:alpha val="0"/>
-                    </a:schemeClr>
-                  </a:solidFill>
-                </a:ln>
-                <a:solidFill>
-                  <a:schemeClr val="accent5">
-                    <a:lumMod val="50000"/>
-                  </a:schemeClr>
-                </a:solidFill>
-                <a:latin typeface="S-Core Dream 3 Light" panose="020B0503030302020204" pitchFamily="34" charset="-127"/>
-                <a:ea typeface="S-Core Dream 3 Light" panose="020B0503030302020204" pitchFamily="34" charset="-127"/>
-              </a:rPr>
-              <a:t> </a:t>
-            </a:r>
-            <a:endParaRPr lang="en-US" altLang="ko-KR" sz="2400" b="1" spc="-150" dirty="0">
-              <a:ln>
-                <a:solidFill>
-                  <a:schemeClr val="accent1">
-                    <a:shade val="50000"/>
-                    <a:alpha val="0"/>
-                  </a:schemeClr>
-                </a:solidFill>
-              </a:ln>
-              <a:solidFill>
-                <a:schemeClr val="accent5">
-                  <a:lumMod val="50000"/>
-                </a:schemeClr>
-              </a:solidFill>
-              <a:latin typeface="S-Core Dream 3 Light" panose="020B0503030302020204" pitchFamily="34" charset="-127"/>
-              <a:ea typeface="S-Core Dream 3 Light" panose="020B0503030302020204" pitchFamily="34" charset="-127"/>
-            </a:endParaRPr>
-          </a:p>
-          <a:p>
-            <a:r>
-              <a:rPr lang="en-US" altLang="ko-KR" sz="2400" b="1" spc="-150" dirty="0">
-                <a:ln>
-                  <a:solidFill>
-                    <a:schemeClr val="accent1">
-                      <a:shade val="50000"/>
-                      <a:alpha val="0"/>
-                    </a:schemeClr>
-                  </a:solidFill>
-                </a:ln>
-                <a:solidFill>
-                  <a:schemeClr val="accent5">
-                    <a:lumMod val="50000"/>
-                  </a:schemeClr>
-                </a:solidFill>
-                <a:latin typeface="S-Core Dream 3 Light" panose="020B0503030302020204" pitchFamily="34" charset="-127"/>
-                <a:ea typeface="S-Core Dream 3 Light" panose="020B0503030302020204" pitchFamily="34" charset="-127"/>
-              </a:rPr>
-              <a:t>execute</a:t>
-            </a:r>
-            <a:r>
-              <a:rPr lang="ko-KR" altLang="en-US" sz="2400" b="1" spc="-150" dirty="0">
-                <a:ln>
-                  <a:solidFill>
-                    <a:schemeClr val="accent1">
-                      <a:shade val="50000"/>
-                      <a:alpha val="0"/>
-                    </a:schemeClr>
-                  </a:solidFill>
-                </a:ln>
-                <a:solidFill>
-                  <a:schemeClr val="accent5">
-                    <a:lumMod val="50000"/>
-                  </a:schemeClr>
-                </a:solidFill>
-                <a:latin typeface="S-Core Dream 3 Light" panose="020B0503030302020204" pitchFamily="34" charset="-127"/>
-                <a:ea typeface="S-Core Dream 3 Light" panose="020B0503030302020204" pitchFamily="34" charset="-127"/>
-              </a:rPr>
-              <a:t> 함수로 쿼리를 실행한 후</a:t>
-            </a:r>
-            <a:endParaRPr lang="en-US" altLang="ko-KR" sz="2400" b="1" spc="-150" dirty="0">
-              <a:ln>
-                <a:solidFill>
-                  <a:schemeClr val="accent1">
-                    <a:shade val="50000"/>
-                    <a:alpha val="0"/>
-                  </a:schemeClr>
-                </a:solidFill>
-              </a:ln>
-              <a:solidFill>
-                <a:schemeClr val="accent5">
-                  <a:lumMod val="50000"/>
-                </a:schemeClr>
-              </a:solidFill>
-              <a:latin typeface="S-Core Dream 3 Light" panose="020B0503030302020204" pitchFamily="34" charset="-127"/>
-              <a:ea typeface="S-Core Dream 3 Light" panose="020B0503030302020204" pitchFamily="34" charset="-127"/>
-            </a:endParaRPr>
-          </a:p>
-          <a:p>
-            <a:r>
-              <a:rPr lang="en-US" altLang="ko-KR" sz="2400" b="1" spc="-150" dirty="0" err="1">
-                <a:ln>
-                  <a:solidFill>
-                    <a:schemeClr val="accent1">
-                      <a:shade val="50000"/>
-                      <a:alpha val="0"/>
-                    </a:schemeClr>
-                  </a:solidFill>
-                </a:ln>
-                <a:solidFill>
-                  <a:schemeClr val="accent5">
-                    <a:lumMod val="50000"/>
-                  </a:schemeClr>
-                </a:solidFill>
-                <a:latin typeface="S-Core Dream 3 Light" panose="020B0503030302020204" pitchFamily="34" charset="-127"/>
-                <a:ea typeface="S-Core Dream 3 Light" panose="020B0503030302020204" pitchFamily="34" charset="-127"/>
-              </a:rPr>
-              <a:t>fetchall</a:t>
-            </a:r>
-            <a:r>
-              <a:rPr lang="ko-KR" altLang="en-US" sz="2400" b="1" spc="-150" dirty="0">
-                <a:ln>
-                  <a:solidFill>
-                    <a:schemeClr val="accent1">
-                      <a:shade val="50000"/>
-                      <a:alpha val="0"/>
-                    </a:schemeClr>
-                  </a:solidFill>
-                </a:ln>
-                <a:solidFill>
-                  <a:schemeClr val="accent5">
-                    <a:lumMod val="50000"/>
-                  </a:schemeClr>
-                </a:solidFill>
-                <a:latin typeface="S-Core Dream 3 Light" panose="020B0503030302020204" pitchFamily="34" charset="-127"/>
-                <a:ea typeface="S-Core Dream 3 Light" panose="020B0503030302020204" pitchFamily="34" charset="-127"/>
-              </a:rPr>
-              <a:t> 함수를 이용해</a:t>
-            </a:r>
-            <a:r>
-              <a:rPr lang="en-US" altLang="ko-KR" sz="2400" b="1" spc="-150" dirty="0">
-                <a:ln>
-                  <a:solidFill>
-                    <a:schemeClr val="accent1">
-                      <a:shade val="50000"/>
-                      <a:alpha val="0"/>
-                    </a:schemeClr>
-                  </a:solidFill>
-                </a:ln>
-                <a:solidFill>
-                  <a:schemeClr val="accent5">
-                    <a:lumMod val="50000"/>
-                  </a:schemeClr>
-                </a:solidFill>
-                <a:latin typeface="S-Core Dream 3 Light" panose="020B0503030302020204" pitchFamily="34" charset="-127"/>
-                <a:ea typeface="S-Core Dream 3 Light" panose="020B0503030302020204" pitchFamily="34" charset="-127"/>
-              </a:rPr>
-              <a:t> </a:t>
-            </a:r>
-          </a:p>
-          <a:p>
-            <a:r>
-              <a:rPr lang="en-US" altLang="ko-KR" sz="2400" b="1" spc="-150" dirty="0">
-                <a:ln>
-                  <a:solidFill>
-                    <a:schemeClr val="accent1">
-                      <a:shade val="50000"/>
-                      <a:alpha val="0"/>
-                    </a:schemeClr>
-                  </a:solidFill>
-                </a:ln>
-                <a:solidFill>
-                  <a:schemeClr val="accent5">
-                    <a:lumMod val="50000"/>
-                  </a:schemeClr>
-                </a:solidFill>
-                <a:latin typeface="S-Core Dream 3 Light" panose="020B0503030302020204" pitchFamily="34" charset="-127"/>
-                <a:ea typeface="S-Core Dream 3 Light" panose="020B0503030302020204" pitchFamily="34" charset="-127"/>
-              </a:rPr>
-              <a:t>SELECT </a:t>
-            </a:r>
-            <a:r>
-              <a:rPr lang="ko-KR" altLang="en-US" sz="2400" b="1" spc="-150" dirty="0">
-                <a:ln>
-                  <a:solidFill>
-                    <a:schemeClr val="accent1">
-                      <a:shade val="50000"/>
-                      <a:alpha val="0"/>
-                    </a:schemeClr>
-                  </a:solidFill>
-                </a:ln>
-                <a:solidFill>
-                  <a:schemeClr val="accent5">
-                    <a:lumMod val="50000"/>
-                  </a:schemeClr>
-                </a:solidFill>
-                <a:latin typeface="S-Core Dream 3 Light" panose="020B0503030302020204" pitchFamily="34" charset="-127"/>
-                <a:ea typeface="S-Core Dream 3 Light" panose="020B0503030302020204" pitchFamily="34" charset="-127"/>
-              </a:rPr>
-              <a:t>쿼리의 결과를 받아 옵니다</a:t>
-            </a:r>
-            <a:r>
-              <a:rPr lang="en-US" altLang="ko-KR" sz="2400" b="1" spc="-150" dirty="0">
-                <a:ln>
-                  <a:solidFill>
-                    <a:schemeClr val="accent1">
-                      <a:shade val="50000"/>
-                      <a:alpha val="0"/>
-                    </a:schemeClr>
-                  </a:solidFill>
-                </a:ln>
-                <a:solidFill>
-                  <a:schemeClr val="accent5">
-                    <a:lumMod val="50000"/>
-                  </a:schemeClr>
-                </a:solidFill>
-                <a:latin typeface="S-Core Dream 3 Light" panose="020B0503030302020204" pitchFamily="34" charset="-127"/>
-                <a:ea typeface="S-Core Dream 3 Light" panose="020B0503030302020204" pitchFamily="34" charset="-127"/>
-              </a:rPr>
-              <a:t>.</a:t>
-            </a:r>
-          </a:p>
-        </p:txBody>
-      </p:sp>
-    </p:spTree>
-    <p:extLst>
-      <p:ext uri="{BB962C8B-B14F-4D97-AF65-F5344CB8AC3E}">
-        <p14:creationId xmlns:p14="http://schemas.microsoft.com/office/powerpoint/2010/main" val="1754709635"/>
-      </p:ext>
-    </p:extLst>
-  </p:cSld>
-  <p:clrMapOvr>
-    <a:masterClrMapping/>
-  </p:clrMapOvr>
-</p:sld>
-</file>
-
-<file path=ppt/slides/slide43.xml><?xml version="1.0" encoding="utf-8"?>
 <p:sld xmlns:a="http://schemas.openxmlformats.org/drawingml/2006/main" xmlns:r="http://schemas.openxmlformats.org/officeDocument/2006/relationships" xmlns:p="http://schemas.openxmlformats.org/presentationml/2006/main">
   <p:cSld>
     <p:spTree>
